--- a/github-flow.pptx
+++ b/github-flow.pptx
@@ -2,7 +2,7 @@
 <file path=ppt/presentation.xml><?xml version="1.0" encoding="utf-8"?>
 <p:presentation xmlns:a="http://schemas.openxmlformats.org/drawingml/2006/main" xmlns:r="http://schemas.openxmlformats.org/officeDocument/2006/relationships" xmlns:p="http://schemas.openxmlformats.org/presentationml/2006/main" saveSubsetFonts="1" autoCompressPictures="0">
   <p:sldMasterIdLst>
-    <p:sldMasterId id="2147483916" r:id="rId1"/>
+    <p:sldMasterId id="2147483962" r:id="rId1"/>
   </p:sldMasterIdLst>
   <p:notesMasterIdLst>
     <p:notesMasterId r:id="rId10"/>
@@ -114,6 +114,11 @@
       </a:defRPr>
     </a:lvl9pPr>
   </p:defaultTextStyle>
+  <p:extLst>
+    <p:ext uri="{EFAFB233-063F-42B5-8137-9DF3F51BA10A}">
+      <p15:sldGuideLst xmlns:p15="http://schemas.microsoft.com/office/powerpoint/2012/main"/>
+    </p:ext>
+  </p:extLst>
 </p:presentation>
 </file>
 
@@ -514,6 +519,35 @@
           <a:bodyPr/>
           <a:lstStyle/>
           <a:p>
+            <a:r>
+              <a:rPr lang="en-US" dirty="0"/>
+              <a:t>More and more of us might get involved in flowagent project developing, </a:t>
+            </a:r>
+          </a:p>
+          <a:p>
+            <a:pPr marL="0" marR="0" lvl="0" indent="0" algn="l" defTabSz="914400" rtl="0" eaLnBrk="1" fontAlgn="auto" latinLnBrk="0" hangingPunct="1">
+              <a:lnSpc>
+                <a:spcPct val="100000"/>
+              </a:lnSpc>
+              <a:spcBef>
+                <a:spcPts val="0"/>
+              </a:spcBef>
+              <a:spcAft>
+                <a:spcPts val="0"/>
+              </a:spcAft>
+              <a:buClrTx/>
+              <a:buSzTx/>
+              <a:buFontTx/>
+              <a:buNone/>
+              <a:tabLst/>
+              <a:defRPr/>
+            </a:pPr>
+            <a:r>
+              <a:rPr lang="en-US" dirty="0"/>
+              <a:t>Hopefully after this workshop could help you understand and know how to use make contribution in flowagent codes.</a:t>
+            </a:r>
+          </a:p>
+          <a:p>
             <a:endParaRPr lang="en-US" dirty="0"/>
           </a:p>
         </p:txBody>
@@ -690,7 +724,7 @@
           <a:p>
             <a:r>
               <a:rPr lang="en-US" dirty="0"/>
-              <a:t>GitHub is the world’s largest homo-dating community?</a:t>
+              <a:t>GitHub is the world’s largest homo-dating community? How, in issues…</a:t>
             </a:r>
           </a:p>
         </p:txBody>
@@ -775,7 +809,16 @@
           <a:bodyPr/>
           <a:lstStyle/>
           <a:p>
-            <a:endParaRPr lang="en-US" dirty="0"/>
+            <a:r>
+              <a:rPr lang="en-US" dirty="0"/>
+              <a:t>Master branch should always be deployable. New feature should be in a dev branch first, and merge to master after it pass the test and review.</a:t>
+            </a:r>
+          </a:p>
+          <a:p>
+            <a:r>
+              <a:rPr lang="en-US" dirty="0"/>
+              <a:t>Git tag to stable version in master.</a:t>
+            </a:r>
           </a:p>
         </p:txBody>
       </p:sp>
@@ -859,7 +902,10 @@
           <a:bodyPr/>
           <a:lstStyle/>
           <a:p>
-            <a:endParaRPr lang="en-US" dirty="0"/>
+            <a:r>
+              <a:rPr lang="en-US" dirty="0"/>
+              <a:t>Git branch –set-upstream-to remote/branch</a:t>
+            </a:r>
           </a:p>
         </p:txBody>
       </p:sp>
@@ -880,7 +926,7 @@
           <a:p>
             <a:fld id="{6A154359-5608-41AB-8ECC-FE39FF40B36A}" type="slidenum">
               <a:rPr lang="en-US" smtClean="0"/>
-              <a:t>7</a:t>
+              <a:t>6</a:t>
             </a:fld>
             <a:endParaRPr lang="en-US"/>
           </a:p>
@@ -889,7 +935,7 @@
     </p:spTree>
     <p:extLst>
       <p:ext uri="{BB962C8B-B14F-4D97-AF65-F5344CB8AC3E}">
-        <p14:creationId xmlns:p14="http://schemas.microsoft.com/office/powerpoint/2010/main" val="2456675622"/>
+        <p14:creationId xmlns:p14="http://schemas.microsoft.com/office/powerpoint/2010/main" val="2275454870"/>
       </p:ext>
     </p:extLst>
   </p:cSld>
@@ -943,7 +989,111 @@
           <a:bodyPr/>
           <a:lstStyle/>
           <a:p>
-            <a:endParaRPr lang="en-US" dirty="0"/>
+            <a:r>
+              <a:rPr lang="en-US" dirty="0"/>
+              <a:t>In flowagent project, you also need to open a Bugzilla issue, and correlate them in the  </a:t>
+            </a:r>
+            <a:r>
+              <a:rPr lang="en-US" altLang="zh-CN" dirty="0"/>
+              <a:t>P</a:t>
+            </a:r>
+            <a:r>
+              <a:rPr lang="en-US" dirty="0"/>
+              <a:t>R and Bugzilla.</a:t>
+            </a:r>
+          </a:p>
+          <a:p>
+            <a:r>
+              <a:rPr lang="en-US" dirty="0"/>
+              <a:t>Before you push your commits, your should write your test code and run local infrabox test.</a:t>
+            </a:r>
+          </a:p>
+        </p:txBody>
+      </p:sp>
+      <p:sp>
+        <p:nvSpPr>
+          <p:cNvPr id="4" name="Slide Number Placeholder 3"/>
+          <p:cNvSpPr>
+            <a:spLocks noGrp="1"/>
+          </p:cNvSpPr>
+          <p:nvPr>
+            <p:ph type="sldNum" sz="quarter" idx="10"/>
+          </p:nvPr>
+        </p:nvSpPr>
+        <p:spPr/>
+        <p:txBody>
+          <a:bodyPr/>
+          <a:lstStyle/>
+          <a:p>
+            <a:fld id="{6A154359-5608-41AB-8ECC-FE39FF40B36A}" type="slidenum">
+              <a:rPr lang="en-US" smtClean="0"/>
+              <a:t>7</a:t>
+            </a:fld>
+            <a:endParaRPr lang="en-US"/>
+          </a:p>
+        </p:txBody>
+      </p:sp>
+    </p:spTree>
+    <p:extLst>
+      <p:ext uri="{BB962C8B-B14F-4D97-AF65-F5344CB8AC3E}">
+        <p14:creationId xmlns:p14="http://schemas.microsoft.com/office/powerpoint/2010/main" val="2456675622"/>
+      </p:ext>
+    </p:extLst>
+  </p:cSld>
+  <p:clrMapOvr>
+    <a:masterClrMapping/>
+  </p:clrMapOvr>
+</p:notes>
+</file>
+
+<file path=ppt/notesSlides/notesSlide7.xml><?xml version="1.0" encoding="utf-8"?>
+<p:notes xmlns:a="http://schemas.openxmlformats.org/drawingml/2006/main" xmlns:r="http://schemas.openxmlformats.org/officeDocument/2006/relationships" xmlns:p="http://schemas.openxmlformats.org/presentationml/2006/main">
+  <p:cSld>
+    <p:spTree>
+      <p:nvGrpSpPr>
+        <p:cNvPr id="1" name=""/>
+        <p:cNvGrpSpPr/>
+        <p:nvPr/>
+      </p:nvGrpSpPr>
+      <p:grpSpPr>
+        <a:xfrm>
+          <a:off x="0" y="0"/>
+          <a:ext cx="0" cy="0"/>
+          <a:chOff x="0" y="0"/>
+          <a:chExt cx="0" cy="0"/>
+        </a:xfrm>
+      </p:grpSpPr>
+      <p:sp>
+        <p:nvSpPr>
+          <p:cNvPr id="2" name="Slide Image Placeholder 1"/>
+          <p:cNvSpPr>
+            <a:spLocks noGrp="1" noRot="1" noChangeAspect="1"/>
+          </p:cNvSpPr>
+          <p:nvPr>
+            <p:ph type="sldImg"/>
+          </p:nvPr>
+        </p:nvSpPr>
+        <p:spPr/>
+      </p:sp>
+      <p:sp>
+        <p:nvSpPr>
+          <p:cNvPr id="3" name="Notes Placeholder 2"/>
+          <p:cNvSpPr>
+            <a:spLocks noGrp="1"/>
+          </p:cNvSpPr>
+          <p:nvPr>
+            <p:ph type="body" idx="1"/>
+          </p:nvPr>
+        </p:nvSpPr>
+        <p:spPr/>
+        <p:txBody>
+          <a:bodyPr/>
+          <a:lstStyle/>
+          <a:p>
+            <a:r>
+              <a:rPr lang="en-US" dirty="0"/>
+              <a:t>Rebase? Git rebase master; git push remote/branch --force</a:t>
+            </a:r>
           </a:p>
         </p:txBody>
       </p:sp>
@@ -984,7 +1134,7 @@
 </file>
 
 <file path=ppt/slideLayouts/slideLayout1.xml><?xml version="1.0" encoding="utf-8"?>
-<p:sldLayout xmlns:a="http://schemas.openxmlformats.org/drawingml/2006/main" xmlns:r="http://schemas.openxmlformats.org/officeDocument/2006/relationships" xmlns:p="http://schemas.openxmlformats.org/presentationml/2006/main" showMasterSp="0" type="title" preserve="1">
+<p:sldLayout xmlns:a="http://schemas.openxmlformats.org/drawingml/2006/main" xmlns:r="http://schemas.openxmlformats.org/officeDocument/2006/relationships" xmlns:p="http://schemas.openxmlformats.org/presentationml/2006/main" type="title" preserve="1">
   <p:cSld name="Title Slide">
     <p:spTree>
       <p:nvGrpSpPr>
@@ -1000,536 +1150,6 @@
           <a:chExt cx="0" cy="0"/>
         </a:xfrm>
       </p:grpSpPr>
-      <p:grpSp>
-        <p:nvGrpSpPr>
-          <p:cNvPr id="7" name="Group 6"/>
-          <p:cNvGrpSpPr/>
-          <p:nvPr/>
-        </p:nvGrpSpPr>
-        <p:grpSpPr>
-          <a:xfrm>
-            <a:off x="0" y="-8467"/>
-            <a:ext cx="12192000" cy="6866467"/>
-            <a:chOff x="0" y="-8467"/>
-            <a:chExt cx="12192000" cy="6866467"/>
-          </a:xfrm>
-        </p:grpSpPr>
-        <p:cxnSp>
-          <p:nvCxnSpPr>
-            <p:cNvPr id="32" name="Straight Connector 31"/>
-            <p:cNvCxnSpPr/>
-            <p:nvPr/>
-          </p:nvCxnSpPr>
-          <p:spPr>
-            <a:xfrm>
-              <a:off x="9371012" y="0"/>
-              <a:ext cx="1219200" cy="6858000"/>
-            </a:xfrm>
-            <a:prstGeom prst="line">
-              <a:avLst/>
-            </a:prstGeom>
-            <a:ln w="9525">
-              <a:solidFill>
-                <a:schemeClr val="bg1">
-                  <a:lumMod val="75000"/>
-                </a:schemeClr>
-              </a:solidFill>
-            </a:ln>
-          </p:spPr>
-          <p:style>
-            <a:lnRef idx="2">
-              <a:schemeClr val="accent1"/>
-            </a:lnRef>
-            <a:fillRef idx="0">
-              <a:schemeClr val="accent1"/>
-            </a:fillRef>
-            <a:effectRef idx="1">
-              <a:schemeClr val="accent1"/>
-            </a:effectRef>
-            <a:fontRef idx="minor">
-              <a:schemeClr val="tx1"/>
-            </a:fontRef>
-          </p:style>
-        </p:cxnSp>
-        <p:cxnSp>
-          <p:nvCxnSpPr>
-            <p:cNvPr id="21" name="Straight Connector 20"/>
-            <p:cNvCxnSpPr/>
-            <p:nvPr/>
-          </p:nvCxnSpPr>
-          <p:spPr>
-            <a:xfrm flipH="1">
-              <a:off x="7425267" y="3681413"/>
-              <a:ext cx="4763558" cy="3176587"/>
-            </a:xfrm>
-            <a:prstGeom prst="line">
-              <a:avLst/>
-            </a:prstGeom>
-            <a:ln w="9525">
-              <a:solidFill>
-                <a:schemeClr val="bg1">
-                  <a:lumMod val="85000"/>
-                </a:schemeClr>
-              </a:solidFill>
-            </a:ln>
-          </p:spPr>
-          <p:style>
-            <a:lnRef idx="2">
-              <a:schemeClr val="accent1"/>
-            </a:lnRef>
-            <a:fillRef idx="0">
-              <a:schemeClr val="accent1"/>
-            </a:fillRef>
-            <a:effectRef idx="1">
-              <a:schemeClr val="accent1"/>
-            </a:effectRef>
-            <a:fontRef idx="minor">
-              <a:schemeClr val="tx1"/>
-            </a:fontRef>
-          </p:style>
-        </p:cxnSp>
-        <p:sp>
-          <p:nvSpPr>
-            <p:cNvPr id="24" name="Rectangle 23"/>
-            <p:cNvSpPr/>
-            <p:nvPr/>
-          </p:nvSpPr>
-          <p:spPr>
-            <a:xfrm>
-              <a:off x="9181476" y="-8467"/>
-              <a:ext cx="3007349" cy="6866467"/>
-            </a:xfrm>
-            <a:custGeom>
-              <a:avLst/>
-              <a:gdLst/>
-              <a:ahLst/>
-              <a:cxnLst/>
-              <a:rect l="l" t="t" r="r" b="b"/>
-              <a:pathLst>
-                <a:path w="3007349" h="6866467">
-                  <a:moveTo>
-                    <a:pt x="2045532" y="0"/>
-                  </a:moveTo>
-                  <a:lnTo>
-                    <a:pt x="3007349" y="0"/>
-                  </a:lnTo>
-                  <a:lnTo>
-                    <a:pt x="3007349" y="6866467"/>
-                  </a:lnTo>
-                  <a:lnTo>
-                    <a:pt x="0" y="6866467"/>
-                  </a:lnTo>
-                  <a:lnTo>
-                    <a:pt x="2045532" y="0"/>
-                  </a:lnTo>
-                  <a:close/>
-                </a:path>
-              </a:pathLst>
-            </a:custGeom>
-            <a:solidFill>
-              <a:schemeClr val="accent1">
-                <a:alpha val="30000"/>
-              </a:schemeClr>
-            </a:solidFill>
-            <a:ln>
-              <a:noFill/>
-            </a:ln>
-            <a:effectLst/>
-          </p:spPr>
-          <p:style>
-            <a:lnRef idx="1">
-              <a:schemeClr val="accent1"/>
-            </a:lnRef>
-            <a:fillRef idx="3">
-              <a:schemeClr val="accent1"/>
-            </a:fillRef>
-            <a:effectRef idx="2">
-              <a:schemeClr val="accent1"/>
-            </a:effectRef>
-            <a:fontRef idx="minor">
-              <a:schemeClr val="lt1"/>
-            </a:fontRef>
-          </p:style>
-        </p:sp>
-        <p:sp>
-          <p:nvSpPr>
-            <p:cNvPr id="26" name="Rectangle 25"/>
-            <p:cNvSpPr/>
-            <p:nvPr/>
-          </p:nvSpPr>
-          <p:spPr>
-            <a:xfrm>
-              <a:off x="9603442" y="-8467"/>
-              <a:ext cx="2588558" cy="6866467"/>
-            </a:xfrm>
-            <a:custGeom>
-              <a:avLst/>
-              <a:gdLst/>
-              <a:ahLst/>
-              <a:cxnLst/>
-              <a:rect l="l" t="t" r="r" b="b"/>
-              <a:pathLst>
-                <a:path w="2573311" h="6866467">
-                  <a:moveTo>
-                    <a:pt x="0" y="0"/>
-                  </a:moveTo>
-                  <a:lnTo>
-                    <a:pt x="2573311" y="0"/>
-                  </a:lnTo>
-                  <a:lnTo>
-                    <a:pt x="2573311" y="6866467"/>
-                  </a:lnTo>
-                  <a:lnTo>
-                    <a:pt x="1202336" y="6866467"/>
-                  </a:lnTo>
-                  <a:lnTo>
-                    <a:pt x="0" y="0"/>
-                  </a:lnTo>
-                  <a:close/>
-                </a:path>
-              </a:pathLst>
-            </a:custGeom>
-            <a:solidFill>
-              <a:schemeClr val="accent1">
-                <a:alpha val="20000"/>
-              </a:schemeClr>
-            </a:solidFill>
-            <a:ln>
-              <a:noFill/>
-            </a:ln>
-            <a:effectLst/>
-          </p:spPr>
-          <p:style>
-            <a:lnRef idx="1">
-              <a:schemeClr val="accent1"/>
-            </a:lnRef>
-            <a:fillRef idx="3">
-              <a:schemeClr val="accent1"/>
-            </a:fillRef>
-            <a:effectRef idx="2">
-              <a:schemeClr val="accent1"/>
-            </a:effectRef>
-            <a:fontRef idx="minor">
-              <a:schemeClr val="lt1"/>
-            </a:fontRef>
-          </p:style>
-        </p:sp>
-        <p:sp>
-          <p:nvSpPr>
-            <p:cNvPr id="27" name="Isosceles Triangle 26"/>
-            <p:cNvSpPr/>
-            <p:nvPr/>
-          </p:nvSpPr>
-          <p:spPr>
-            <a:xfrm>
-              <a:off x="8932333" y="3048000"/>
-              <a:ext cx="3259667" cy="3810000"/>
-            </a:xfrm>
-            <a:prstGeom prst="triangle">
-              <a:avLst>
-                <a:gd name="adj" fmla="val 100000"/>
-              </a:avLst>
-            </a:prstGeom>
-            <a:solidFill>
-              <a:schemeClr val="accent2">
-                <a:alpha val="72000"/>
-              </a:schemeClr>
-            </a:solidFill>
-            <a:ln>
-              <a:noFill/>
-            </a:ln>
-            <a:effectLst/>
-          </p:spPr>
-          <p:style>
-            <a:lnRef idx="1">
-              <a:schemeClr val="accent1"/>
-            </a:lnRef>
-            <a:fillRef idx="3">
-              <a:schemeClr val="accent1"/>
-            </a:fillRef>
-            <a:effectRef idx="2">
-              <a:schemeClr val="accent1"/>
-            </a:effectRef>
-            <a:fontRef idx="minor">
-              <a:schemeClr val="lt1"/>
-            </a:fontRef>
-          </p:style>
-        </p:sp>
-        <p:sp>
-          <p:nvSpPr>
-            <p:cNvPr id="28" name="Rectangle 27"/>
-            <p:cNvSpPr/>
-            <p:nvPr/>
-          </p:nvSpPr>
-          <p:spPr>
-            <a:xfrm>
-              <a:off x="9334500" y="-8467"/>
-              <a:ext cx="2854326" cy="6866467"/>
-            </a:xfrm>
-            <a:custGeom>
-              <a:avLst/>
-              <a:gdLst/>
-              <a:ahLst/>
-              <a:cxnLst/>
-              <a:rect l="l" t="t" r="r" b="b"/>
-              <a:pathLst>
-                <a:path w="2858013" h="6866467">
-                  <a:moveTo>
-                    <a:pt x="0" y="0"/>
-                  </a:moveTo>
-                  <a:lnTo>
-                    <a:pt x="2858013" y="0"/>
-                  </a:lnTo>
-                  <a:lnTo>
-                    <a:pt x="2858013" y="6866467"/>
-                  </a:lnTo>
-                  <a:lnTo>
-                    <a:pt x="2473942" y="6866467"/>
-                  </a:lnTo>
-                  <a:lnTo>
-                    <a:pt x="0" y="0"/>
-                  </a:lnTo>
-                  <a:close/>
-                </a:path>
-              </a:pathLst>
-            </a:custGeom>
-            <a:solidFill>
-              <a:schemeClr val="accent2">
-                <a:lumMod val="75000"/>
-                <a:alpha val="70000"/>
-              </a:schemeClr>
-            </a:solidFill>
-            <a:ln>
-              <a:noFill/>
-            </a:ln>
-            <a:effectLst/>
-          </p:spPr>
-          <p:style>
-            <a:lnRef idx="1">
-              <a:schemeClr val="accent1"/>
-            </a:lnRef>
-            <a:fillRef idx="3">
-              <a:schemeClr val="accent1"/>
-            </a:fillRef>
-            <a:effectRef idx="2">
-              <a:schemeClr val="accent1"/>
-            </a:effectRef>
-            <a:fontRef idx="minor">
-              <a:schemeClr val="lt1"/>
-            </a:fontRef>
-          </p:style>
-        </p:sp>
-        <p:sp>
-          <p:nvSpPr>
-            <p:cNvPr id="29" name="Rectangle 28"/>
-            <p:cNvSpPr/>
-            <p:nvPr/>
-          </p:nvSpPr>
-          <p:spPr>
-            <a:xfrm>
-              <a:off x="10898730" y="-8467"/>
-              <a:ext cx="1290094" cy="6866467"/>
-            </a:xfrm>
-            <a:custGeom>
-              <a:avLst/>
-              <a:gdLst/>
-              <a:ahLst/>
-              <a:cxnLst/>
-              <a:rect l="l" t="t" r="r" b="b"/>
-              <a:pathLst>
-                <a:path w="1290094" h="6858000">
-                  <a:moveTo>
-                    <a:pt x="1019735" y="0"/>
-                  </a:moveTo>
-                  <a:lnTo>
-                    <a:pt x="1290094" y="0"/>
-                  </a:lnTo>
-                  <a:lnTo>
-                    <a:pt x="1290094" y="6858000"/>
-                  </a:lnTo>
-                  <a:lnTo>
-                    <a:pt x="0" y="6858000"/>
-                  </a:lnTo>
-                  <a:lnTo>
-                    <a:pt x="1019735" y="0"/>
-                  </a:lnTo>
-                  <a:close/>
-                </a:path>
-              </a:pathLst>
-            </a:custGeom>
-            <a:solidFill>
-              <a:schemeClr val="accent1">
-                <a:lumMod val="60000"/>
-                <a:lumOff val="40000"/>
-                <a:alpha val="70000"/>
-              </a:schemeClr>
-            </a:solidFill>
-            <a:ln>
-              <a:noFill/>
-            </a:ln>
-            <a:effectLst/>
-          </p:spPr>
-          <p:style>
-            <a:lnRef idx="1">
-              <a:schemeClr val="accent1"/>
-            </a:lnRef>
-            <a:fillRef idx="3">
-              <a:schemeClr val="accent1"/>
-            </a:fillRef>
-            <a:effectRef idx="2">
-              <a:schemeClr val="accent1"/>
-            </a:effectRef>
-            <a:fontRef idx="minor">
-              <a:schemeClr val="lt1"/>
-            </a:fontRef>
-          </p:style>
-        </p:sp>
-        <p:sp>
-          <p:nvSpPr>
-            <p:cNvPr id="30" name="Rectangle 29"/>
-            <p:cNvSpPr/>
-            <p:nvPr/>
-          </p:nvSpPr>
-          <p:spPr>
-            <a:xfrm>
-              <a:off x="10938999" y="-8467"/>
-              <a:ext cx="1249825" cy="6866467"/>
-            </a:xfrm>
-            <a:custGeom>
-              <a:avLst/>
-              <a:gdLst/>
-              <a:ahLst/>
-              <a:cxnLst/>
-              <a:rect l="l" t="t" r="r" b="b"/>
-              <a:pathLst>
-                <a:path w="1249825" h="6858000">
-                  <a:moveTo>
-                    <a:pt x="0" y="0"/>
-                  </a:moveTo>
-                  <a:lnTo>
-                    <a:pt x="1249825" y="0"/>
-                  </a:lnTo>
-                  <a:lnTo>
-                    <a:pt x="1249825" y="6858000"/>
-                  </a:lnTo>
-                  <a:lnTo>
-                    <a:pt x="1109382" y="6858000"/>
-                  </a:lnTo>
-                  <a:lnTo>
-                    <a:pt x="0" y="0"/>
-                  </a:lnTo>
-                  <a:close/>
-                </a:path>
-              </a:pathLst>
-            </a:custGeom>
-            <a:solidFill>
-              <a:schemeClr val="accent1">
-                <a:alpha val="65000"/>
-              </a:schemeClr>
-            </a:solidFill>
-            <a:ln>
-              <a:noFill/>
-            </a:ln>
-            <a:effectLst/>
-          </p:spPr>
-          <p:style>
-            <a:lnRef idx="1">
-              <a:schemeClr val="accent1"/>
-            </a:lnRef>
-            <a:fillRef idx="3">
-              <a:schemeClr val="accent1"/>
-            </a:fillRef>
-            <a:effectRef idx="2">
-              <a:schemeClr val="accent1"/>
-            </a:effectRef>
-            <a:fontRef idx="minor">
-              <a:schemeClr val="lt1"/>
-            </a:fontRef>
-          </p:style>
-        </p:sp>
-        <p:sp>
-          <p:nvSpPr>
-            <p:cNvPr id="31" name="Isosceles Triangle 30"/>
-            <p:cNvSpPr/>
-            <p:nvPr/>
-          </p:nvSpPr>
-          <p:spPr>
-            <a:xfrm>
-              <a:off x="10371666" y="3589867"/>
-              <a:ext cx="1817159" cy="3268133"/>
-            </a:xfrm>
-            <a:prstGeom prst="triangle">
-              <a:avLst>
-                <a:gd name="adj" fmla="val 100000"/>
-              </a:avLst>
-            </a:prstGeom>
-            <a:solidFill>
-              <a:schemeClr val="accent1">
-                <a:alpha val="80000"/>
-              </a:schemeClr>
-            </a:solidFill>
-            <a:ln>
-              <a:noFill/>
-            </a:ln>
-            <a:effectLst/>
-          </p:spPr>
-          <p:style>
-            <a:lnRef idx="1">
-              <a:schemeClr val="accent1"/>
-            </a:lnRef>
-            <a:fillRef idx="3">
-              <a:schemeClr val="accent1"/>
-            </a:fillRef>
-            <a:effectRef idx="2">
-              <a:schemeClr val="accent1"/>
-            </a:effectRef>
-            <a:fontRef idx="minor">
-              <a:schemeClr val="lt1"/>
-            </a:fontRef>
-          </p:style>
-        </p:sp>
-        <p:sp>
-          <p:nvSpPr>
-            <p:cNvPr id="19" name="Isosceles Triangle 18"/>
-            <p:cNvSpPr/>
-            <p:nvPr/>
-          </p:nvSpPr>
-          <p:spPr>
-            <a:xfrm rot="10800000">
-              <a:off x="0" y="0"/>
-              <a:ext cx="842596" cy="5666154"/>
-            </a:xfrm>
-            <a:prstGeom prst="triangle">
-              <a:avLst>
-                <a:gd name="adj" fmla="val 100000"/>
-              </a:avLst>
-            </a:prstGeom>
-            <a:solidFill>
-              <a:schemeClr val="accent1">
-                <a:alpha val="85000"/>
-              </a:schemeClr>
-            </a:solidFill>
-            <a:ln>
-              <a:noFill/>
-            </a:ln>
-            <a:effectLst/>
-          </p:spPr>
-          <p:style>
-            <a:lnRef idx="1">
-              <a:schemeClr val="accent1"/>
-            </a:lnRef>
-            <a:fillRef idx="3">
-              <a:schemeClr val="accent1"/>
-            </a:fillRef>
-            <a:effectRef idx="2">
-              <a:schemeClr val="accent1"/>
-            </a:effectRef>
-            <a:fontRef idx="minor">
-              <a:schemeClr val="lt1"/>
-            </a:fontRef>
-          </p:style>
-        </p:sp>
-      </p:grpSp>
       <p:sp>
         <p:nvSpPr>
           <p:cNvPr id="2" name="Title 1"/>
@@ -1542,21 +1162,17 @@
         </p:nvSpPr>
         <p:spPr>
           <a:xfrm>
-            <a:off x="1507067" y="2404534"/>
-            <a:ext cx="7766936" cy="1646302"/>
+            <a:off x="2417779" y="802298"/>
+            <a:ext cx="8637073" cy="2541431"/>
           </a:xfrm>
         </p:spPr>
         <p:txBody>
-          <a:bodyPr anchor="b">
-            <a:noAutofit/>
+          <a:bodyPr bIns="0" anchor="b">
+            <a:normAutofit/>
           </a:bodyPr>
           <a:lstStyle>
-            <a:lvl1pPr algn="r">
-              <a:defRPr sz="5400">
-                <a:solidFill>
-                  <a:schemeClr val="accent1"/>
-                </a:solidFill>
-              </a:defRPr>
+            <a:lvl1pPr algn="l">
+              <a:defRPr sz="6600"/>
             </a:lvl1pPr>
           </a:lstStyle>
           <a:p>
@@ -1580,103 +1196,54 @@
         </p:nvSpPr>
         <p:spPr>
           <a:xfrm>
-            <a:off x="1507067" y="4050833"/>
-            <a:ext cx="7766936" cy="1096899"/>
+            <a:off x="2417780" y="3531204"/>
+            <a:ext cx="8637072" cy="977621"/>
           </a:xfrm>
         </p:spPr>
         <p:txBody>
-          <a:bodyPr anchor="t"/>
+          <a:bodyPr tIns="91440" bIns="91440">
+            <a:normAutofit/>
+          </a:bodyPr>
           <a:lstStyle>
-            <a:lvl1pPr marL="0" indent="0" algn="r">
+            <a:lvl1pPr marL="0" indent="0" algn="l">
               <a:buNone/>
-              <a:defRPr>
+              <a:defRPr sz="1800" b="0" cap="all" baseline="0">
                 <a:solidFill>
-                  <a:schemeClr val="tx1">
-                    <a:lumMod val="50000"/>
-                    <a:lumOff val="50000"/>
-                  </a:schemeClr>
+                  <a:schemeClr val="tx1"/>
                 </a:solidFill>
               </a:defRPr>
             </a:lvl1pPr>
             <a:lvl2pPr marL="457200" indent="0" algn="ctr">
               <a:buNone/>
-              <a:defRPr>
-                <a:solidFill>
-                  <a:schemeClr val="tx1">
-                    <a:tint val="75000"/>
-                  </a:schemeClr>
-                </a:solidFill>
-              </a:defRPr>
+              <a:defRPr sz="1800"/>
             </a:lvl2pPr>
             <a:lvl3pPr marL="914400" indent="0" algn="ctr">
               <a:buNone/>
-              <a:defRPr>
-                <a:solidFill>
-                  <a:schemeClr val="tx1">
-                    <a:tint val="75000"/>
-                  </a:schemeClr>
-                </a:solidFill>
-              </a:defRPr>
+              <a:defRPr sz="1800"/>
             </a:lvl3pPr>
             <a:lvl4pPr marL="1371600" indent="0" algn="ctr">
               <a:buNone/>
-              <a:defRPr>
-                <a:solidFill>
-                  <a:schemeClr val="tx1">
-                    <a:tint val="75000"/>
-                  </a:schemeClr>
-                </a:solidFill>
-              </a:defRPr>
+              <a:defRPr sz="1600"/>
             </a:lvl4pPr>
             <a:lvl5pPr marL="1828800" indent="0" algn="ctr">
               <a:buNone/>
-              <a:defRPr>
-                <a:solidFill>
-                  <a:schemeClr val="tx1">
-                    <a:tint val="75000"/>
-                  </a:schemeClr>
-                </a:solidFill>
-              </a:defRPr>
+              <a:defRPr sz="1600"/>
             </a:lvl5pPr>
             <a:lvl6pPr marL="2286000" indent="0" algn="ctr">
               <a:buNone/>
-              <a:defRPr>
-                <a:solidFill>
-                  <a:schemeClr val="tx1">
-                    <a:tint val="75000"/>
-                  </a:schemeClr>
-                </a:solidFill>
-              </a:defRPr>
+              <a:defRPr sz="1600"/>
             </a:lvl6pPr>
             <a:lvl7pPr marL="2743200" indent="0" algn="ctr">
               <a:buNone/>
-              <a:defRPr>
-                <a:solidFill>
-                  <a:schemeClr val="tx1">
-                    <a:tint val="75000"/>
-                  </a:schemeClr>
-                </a:solidFill>
-              </a:defRPr>
+              <a:defRPr sz="1600"/>
             </a:lvl7pPr>
             <a:lvl8pPr marL="3200400" indent="0" algn="ctr">
               <a:buNone/>
-              <a:defRPr>
-                <a:solidFill>
-                  <a:schemeClr val="tx1">
-                    <a:tint val="75000"/>
-                  </a:schemeClr>
-                </a:solidFill>
-              </a:defRPr>
+              <a:defRPr sz="1600"/>
             </a:lvl8pPr>
             <a:lvl9pPr marL="3657600" indent="0" algn="ctr">
               <a:buNone/>
-              <a:defRPr>
-                <a:solidFill>
-                  <a:schemeClr val="tx1">
-                    <a:tint val="75000"/>
-                  </a:schemeClr>
-                </a:solidFill>
-              </a:defRPr>
+              <a:defRPr sz="1600"/>
             </a:lvl9pPr>
           </a:lstStyle>
           <a:p>
@@ -1721,7 +1288,12 @@
             <p:ph type="ftr" sz="quarter" idx="11"/>
           </p:nvPr>
         </p:nvSpPr>
-        <p:spPr/>
+        <p:spPr>
+          <a:xfrm>
+            <a:off x="2416500" y="329307"/>
+            <a:ext cx="4973915" cy="309201"/>
+          </a:xfrm>
+        </p:spPr>
         <p:txBody>
           <a:bodyPr/>
           <a:lstStyle/>
@@ -1740,7 +1312,12 @@
             <p:ph type="sldNum" sz="quarter" idx="12"/>
           </p:nvPr>
         </p:nvSpPr>
-        <p:spPr/>
+        <p:spPr>
+          <a:xfrm>
+            <a:off x="1437664" y="798973"/>
+            <a:ext cx="811019" cy="503578"/>
+          </a:xfrm>
+        </p:spPr>
         <p:txBody>
           <a:bodyPr/>
           <a:lstStyle/>
@@ -1753,10 +1330,41 @@
           </a:p>
         </p:txBody>
       </p:sp>
+      <p:cxnSp>
+        <p:nvCxnSpPr>
+          <p:cNvPr id="15" name="Straight Connector 14"/>
+          <p:cNvCxnSpPr/>
+          <p:nvPr/>
+        </p:nvCxnSpPr>
+        <p:spPr>
+          <a:xfrm>
+            <a:off x="2417780" y="3528542"/>
+            <a:ext cx="8637072" cy="0"/>
+          </a:xfrm>
+          <a:prstGeom prst="line">
+            <a:avLst/>
+          </a:prstGeom>
+          <a:ln w="31750"/>
+        </p:spPr>
+        <p:style>
+          <a:lnRef idx="3">
+            <a:schemeClr val="accent1"/>
+          </a:lnRef>
+          <a:fillRef idx="0">
+            <a:schemeClr val="accent1"/>
+          </a:fillRef>
+          <a:effectRef idx="2">
+            <a:schemeClr val="accent1"/>
+          </a:effectRef>
+          <a:fontRef idx="minor">
+            <a:schemeClr val="tx1"/>
+          </a:fontRef>
+        </p:style>
+      </p:cxnSp>
     </p:spTree>
     <p:extLst>
       <p:ext uri="{BB962C8B-B14F-4D97-AF65-F5344CB8AC3E}">
-        <p14:creationId xmlns:p14="http://schemas.microsoft.com/office/powerpoint/2010/main" val="3085654476"/>
+        <p14:creationId xmlns:p14="http://schemas.microsoft.com/office/powerpoint/2010/main" val="849323651"/>
       </p:ext>
     </p:extLst>
   </p:cSld>
@@ -1767,1619 +1375,6 @@
 </file>
 
 <file path=ppt/slideLayouts/slideLayout10.xml><?xml version="1.0" encoding="utf-8"?>
-<p:sldLayout xmlns:a="http://schemas.openxmlformats.org/drawingml/2006/main" xmlns:r="http://schemas.openxmlformats.org/officeDocument/2006/relationships" xmlns:p="http://schemas.openxmlformats.org/presentationml/2006/main" preserve="1">
-  <p:cSld name="Title and Caption">
-    <p:spTree>
-      <p:nvGrpSpPr>
-        <p:cNvPr id="1" name=""/>
-        <p:cNvGrpSpPr/>
-        <p:nvPr/>
-      </p:nvGrpSpPr>
-      <p:grpSpPr>
-        <a:xfrm>
-          <a:off x="0" y="0"/>
-          <a:ext cx="0" cy="0"/>
-          <a:chOff x="0" y="0"/>
-          <a:chExt cx="0" cy="0"/>
-        </a:xfrm>
-      </p:grpSpPr>
-      <p:sp>
-        <p:nvSpPr>
-          <p:cNvPr id="2" name="Title 1"/>
-          <p:cNvSpPr>
-            <a:spLocks noGrp="1"/>
-          </p:cNvSpPr>
-          <p:nvPr>
-            <p:ph type="title"/>
-          </p:nvPr>
-        </p:nvSpPr>
-        <p:spPr>
-          <a:xfrm>
-            <a:off x="677335" y="609600"/>
-            <a:ext cx="8596668" cy="3403600"/>
-          </a:xfrm>
-        </p:spPr>
-        <p:txBody>
-          <a:bodyPr anchor="ctr">
-            <a:normAutofit/>
-          </a:bodyPr>
-          <a:lstStyle>
-            <a:lvl1pPr algn="l">
-              <a:defRPr sz="4400" b="0" cap="none"/>
-            </a:lvl1pPr>
-          </a:lstStyle>
-          <a:p>
-            <a:r>
-              <a:rPr lang="en-US"/>
-              <a:t>Click to edit Master title style</a:t>
-            </a:r>
-            <a:endParaRPr lang="en-US" dirty="0"/>
-          </a:p>
-        </p:txBody>
-      </p:sp>
-      <p:sp>
-        <p:nvSpPr>
-          <p:cNvPr id="3" name="Text Placeholder 2"/>
-          <p:cNvSpPr>
-            <a:spLocks noGrp="1"/>
-          </p:cNvSpPr>
-          <p:nvPr>
-            <p:ph type="body" idx="1"/>
-          </p:nvPr>
-        </p:nvSpPr>
-        <p:spPr>
-          <a:xfrm>
-            <a:off x="677335" y="4470400"/>
-            <a:ext cx="8596668" cy="1570962"/>
-          </a:xfrm>
-        </p:spPr>
-        <p:txBody>
-          <a:bodyPr anchor="ctr">
-            <a:normAutofit/>
-          </a:bodyPr>
-          <a:lstStyle>
-            <a:lvl1pPr marL="0" indent="0" algn="l">
-              <a:buNone/>
-              <a:defRPr sz="1800">
-                <a:solidFill>
-                  <a:schemeClr val="tx1">
-                    <a:lumMod val="75000"/>
-                    <a:lumOff val="25000"/>
-                  </a:schemeClr>
-                </a:solidFill>
-              </a:defRPr>
-            </a:lvl1pPr>
-            <a:lvl2pPr marL="457200" indent="0">
-              <a:buNone/>
-              <a:defRPr sz="1800">
-                <a:solidFill>
-                  <a:schemeClr val="tx1">
-                    <a:tint val="75000"/>
-                  </a:schemeClr>
-                </a:solidFill>
-              </a:defRPr>
-            </a:lvl2pPr>
-            <a:lvl3pPr marL="914400" indent="0">
-              <a:buNone/>
-              <a:defRPr sz="1600">
-                <a:solidFill>
-                  <a:schemeClr val="tx1">
-                    <a:tint val="75000"/>
-                  </a:schemeClr>
-                </a:solidFill>
-              </a:defRPr>
-            </a:lvl3pPr>
-            <a:lvl4pPr marL="1371600" indent="0">
-              <a:buNone/>
-              <a:defRPr sz="1400">
-                <a:solidFill>
-                  <a:schemeClr val="tx1">
-                    <a:tint val="75000"/>
-                  </a:schemeClr>
-                </a:solidFill>
-              </a:defRPr>
-            </a:lvl4pPr>
-            <a:lvl5pPr marL="1828800" indent="0">
-              <a:buNone/>
-              <a:defRPr sz="1400">
-                <a:solidFill>
-                  <a:schemeClr val="tx1">
-                    <a:tint val="75000"/>
-                  </a:schemeClr>
-                </a:solidFill>
-              </a:defRPr>
-            </a:lvl5pPr>
-            <a:lvl6pPr marL="2286000" indent="0">
-              <a:buNone/>
-              <a:defRPr sz="1400">
-                <a:solidFill>
-                  <a:schemeClr val="tx1">
-                    <a:tint val="75000"/>
-                  </a:schemeClr>
-                </a:solidFill>
-              </a:defRPr>
-            </a:lvl6pPr>
-            <a:lvl7pPr marL="2743200" indent="0">
-              <a:buNone/>
-              <a:defRPr sz="1400">
-                <a:solidFill>
-                  <a:schemeClr val="tx1">
-                    <a:tint val="75000"/>
-                  </a:schemeClr>
-                </a:solidFill>
-              </a:defRPr>
-            </a:lvl7pPr>
-            <a:lvl8pPr marL="3200400" indent="0">
-              <a:buNone/>
-              <a:defRPr sz="1400">
-                <a:solidFill>
-                  <a:schemeClr val="tx1">
-                    <a:tint val="75000"/>
-                  </a:schemeClr>
-                </a:solidFill>
-              </a:defRPr>
-            </a:lvl8pPr>
-            <a:lvl9pPr marL="3657600" indent="0">
-              <a:buNone/>
-              <a:defRPr sz="1400">
-                <a:solidFill>
-                  <a:schemeClr val="tx1">
-                    <a:tint val="75000"/>
-                  </a:schemeClr>
-                </a:solidFill>
-              </a:defRPr>
-            </a:lvl9pPr>
-          </a:lstStyle>
-          <a:p>
-            <a:pPr lvl="0"/>
-            <a:r>
-              <a:rPr lang="en-US"/>
-              <a:t>Edit Master text styles</a:t>
-            </a:r>
-          </a:p>
-        </p:txBody>
-      </p:sp>
-      <p:sp>
-        <p:nvSpPr>
-          <p:cNvPr id="4" name="Date Placeholder 3"/>
-          <p:cNvSpPr>
-            <a:spLocks noGrp="1"/>
-          </p:cNvSpPr>
-          <p:nvPr>
-            <p:ph type="dt" sz="half" idx="10"/>
-          </p:nvPr>
-        </p:nvSpPr>
-        <p:spPr/>
-        <p:txBody>
-          <a:bodyPr/>
-          <a:lstStyle/>
-          <a:p>
-            <a:fld id="{932FC6B7-331F-4E3E-AD33-1AC7D2AC5F52}" type="datetimeFigureOut">
-              <a:rPr lang="en-US" smtClean="0"/>
-              <a:t>7/13/2018</a:t>
-            </a:fld>
-            <a:endParaRPr lang="en-US"/>
-          </a:p>
-        </p:txBody>
-      </p:sp>
-      <p:sp>
-        <p:nvSpPr>
-          <p:cNvPr id="5" name="Footer Placeholder 4"/>
-          <p:cNvSpPr>
-            <a:spLocks noGrp="1"/>
-          </p:cNvSpPr>
-          <p:nvPr>
-            <p:ph type="ftr" sz="quarter" idx="11"/>
-          </p:nvPr>
-        </p:nvSpPr>
-        <p:spPr/>
-        <p:txBody>
-          <a:bodyPr/>
-          <a:lstStyle/>
-          <a:p>
-            <a:endParaRPr lang="en-US"/>
-          </a:p>
-        </p:txBody>
-      </p:sp>
-      <p:sp>
-        <p:nvSpPr>
-          <p:cNvPr id="6" name="Slide Number Placeholder 5"/>
-          <p:cNvSpPr>
-            <a:spLocks noGrp="1"/>
-          </p:cNvSpPr>
-          <p:nvPr>
-            <p:ph type="sldNum" sz="quarter" idx="12"/>
-          </p:nvPr>
-        </p:nvSpPr>
-        <p:spPr/>
-        <p:txBody>
-          <a:bodyPr/>
-          <a:lstStyle/>
-          <a:p>
-            <a:fld id="{ADBB3FC3-297A-44E9-A9FA-81094813C861}" type="slidenum">
-              <a:rPr lang="en-US" smtClean="0"/>
-              <a:t>‹#›</a:t>
-            </a:fld>
-            <a:endParaRPr lang="en-US"/>
-          </a:p>
-        </p:txBody>
-      </p:sp>
-    </p:spTree>
-    <p:extLst>
-      <p:ext uri="{BB962C8B-B14F-4D97-AF65-F5344CB8AC3E}">
-        <p14:creationId xmlns:p14="http://schemas.microsoft.com/office/powerpoint/2010/main" val="1924405314"/>
-      </p:ext>
-    </p:extLst>
-  </p:cSld>
-  <p:clrMapOvr>
-    <a:masterClrMapping/>
-  </p:clrMapOvr>
-</p:sldLayout>
-</file>
-
-<file path=ppt/slideLayouts/slideLayout11.xml><?xml version="1.0" encoding="utf-8"?>
-<p:sldLayout xmlns:a="http://schemas.openxmlformats.org/drawingml/2006/main" xmlns:r="http://schemas.openxmlformats.org/officeDocument/2006/relationships" xmlns:p="http://schemas.openxmlformats.org/presentationml/2006/main" preserve="1">
-  <p:cSld name="Quote with Caption">
-    <p:spTree>
-      <p:nvGrpSpPr>
-        <p:cNvPr id="1" name=""/>
-        <p:cNvGrpSpPr/>
-        <p:nvPr/>
-      </p:nvGrpSpPr>
-      <p:grpSpPr>
-        <a:xfrm>
-          <a:off x="0" y="0"/>
-          <a:ext cx="0" cy="0"/>
-          <a:chOff x="0" y="0"/>
-          <a:chExt cx="0" cy="0"/>
-        </a:xfrm>
-      </p:grpSpPr>
-      <p:sp>
-        <p:nvSpPr>
-          <p:cNvPr id="2" name="Title 1"/>
-          <p:cNvSpPr>
-            <a:spLocks noGrp="1"/>
-          </p:cNvSpPr>
-          <p:nvPr>
-            <p:ph type="title"/>
-          </p:nvPr>
-        </p:nvSpPr>
-        <p:spPr>
-          <a:xfrm>
-            <a:off x="931334" y="609600"/>
-            <a:ext cx="8094134" cy="3022600"/>
-          </a:xfrm>
-        </p:spPr>
-        <p:txBody>
-          <a:bodyPr anchor="ctr">
-            <a:normAutofit/>
-          </a:bodyPr>
-          <a:lstStyle>
-            <a:lvl1pPr algn="l">
-              <a:defRPr sz="4400" b="0" cap="none"/>
-            </a:lvl1pPr>
-          </a:lstStyle>
-          <a:p>
-            <a:r>
-              <a:rPr lang="en-US"/>
-              <a:t>Click to edit Master title style</a:t>
-            </a:r>
-            <a:endParaRPr lang="en-US" dirty="0"/>
-          </a:p>
-        </p:txBody>
-      </p:sp>
-      <p:sp>
-        <p:nvSpPr>
-          <p:cNvPr id="23" name="Text Placeholder 9"/>
-          <p:cNvSpPr>
-            <a:spLocks noGrp="1"/>
-          </p:cNvSpPr>
-          <p:nvPr>
-            <p:ph type="body" sz="quarter" idx="13"/>
-          </p:nvPr>
-        </p:nvSpPr>
-        <p:spPr>
-          <a:xfrm>
-            <a:off x="1366139" y="3632200"/>
-            <a:ext cx="7224524" cy="381000"/>
-          </a:xfrm>
-        </p:spPr>
-        <p:txBody>
-          <a:bodyPr anchor="ctr">
-            <a:noAutofit/>
-          </a:bodyPr>
-          <a:lstStyle>
-            <a:lvl1pPr marL="0" indent="0">
-              <a:buFontTx/>
-              <a:buNone/>
-              <a:defRPr sz="1600">
-                <a:solidFill>
-                  <a:schemeClr val="tx1">
-                    <a:lumMod val="50000"/>
-                    <a:lumOff val="50000"/>
-                  </a:schemeClr>
-                </a:solidFill>
-              </a:defRPr>
-            </a:lvl1pPr>
-            <a:lvl2pPr marL="457200" indent="0">
-              <a:buFontTx/>
-              <a:buNone/>
-              <a:defRPr/>
-            </a:lvl2pPr>
-            <a:lvl3pPr marL="914400" indent="0">
-              <a:buFontTx/>
-              <a:buNone/>
-              <a:defRPr/>
-            </a:lvl3pPr>
-            <a:lvl4pPr marL="1371600" indent="0">
-              <a:buFontTx/>
-              <a:buNone/>
-              <a:defRPr/>
-            </a:lvl4pPr>
-            <a:lvl5pPr marL="1828800" indent="0">
-              <a:buFontTx/>
-              <a:buNone/>
-              <a:defRPr/>
-            </a:lvl5pPr>
-          </a:lstStyle>
-          <a:p>
-            <a:pPr lvl="0"/>
-            <a:r>
-              <a:rPr lang="en-US"/>
-              <a:t>Edit Master text styles</a:t>
-            </a:r>
-          </a:p>
-        </p:txBody>
-      </p:sp>
-      <p:sp>
-        <p:nvSpPr>
-          <p:cNvPr id="3" name="Text Placeholder 2"/>
-          <p:cNvSpPr>
-            <a:spLocks noGrp="1"/>
-          </p:cNvSpPr>
-          <p:nvPr>
-            <p:ph type="body" idx="1"/>
-          </p:nvPr>
-        </p:nvSpPr>
-        <p:spPr>
-          <a:xfrm>
-            <a:off x="677335" y="4470400"/>
-            <a:ext cx="8596668" cy="1570962"/>
-          </a:xfrm>
-        </p:spPr>
-        <p:txBody>
-          <a:bodyPr anchor="ctr">
-            <a:normAutofit/>
-          </a:bodyPr>
-          <a:lstStyle>
-            <a:lvl1pPr marL="0" indent="0" algn="l">
-              <a:buNone/>
-              <a:defRPr sz="1800">
-                <a:solidFill>
-                  <a:schemeClr val="tx1">
-                    <a:lumMod val="75000"/>
-                    <a:lumOff val="25000"/>
-                  </a:schemeClr>
-                </a:solidFill>
-              </a:defRPr>
-            </a:lvl1pPr>
-            <a:lvl2pPr marL="457200" indent="0">
-              <a:buNone/>
-              <a:defRPr sz="1800">
-                <a:solidFill>
-                  <a:schemeClr val="tx1">
-                    <a:tint val="75000"/>
-                  </a:schemeClr>
-                </a:solidFill>
-              </a:defRPr>
-            </a:lvl2pPr>
-            <a:lvl3pPr marL="914400" indent="0">
-              <a:buNone/>
-              <a:defRPr sz="1600">
-                <a:solidFill>
-                  <a:schemeClr val="tx1">
-                    <a:tint val="75000"/>
-                  </a:schemeClr>
-                </a:solidFill>
-              </a:defRPr>
-            </a:lvl3pPr>
-            <a:lvl4pPr marL="1371600" indent="0">
-              <a:buNone/>
-              <a:defRPr sz="1400">
-                <a:solidFill>
-                  <a:schemeClr val="tx1">
-                    <a:tint val="75000"/>
-                  </a:schemeClr>
-                </a:solidFill>
-              </a:defRPr>
-            </a:lvl4pPr>
-            <a:lvl5pPr marL="1828800" indent="0">
-              <a:buNone/>
-              <a:defRPr sz="1400">
-                <a:solidFill>
-                  <a:schemeClr val="tx1">
-                    <a:tint val="75000"/>
-                  </a:schemeClr>
-                </a:solidFill>
-              </a:defRPr>
-            </a:lvl5pPr>
-            <a:lvl6pPr marL="2286000" indent="0">
-              <a:buNone/>
-              <a:defRPr sz="1400">
-                <a:solidFill>
-                  <a:schemeClr val="tx1">
-                    <a:tint val="75000"/>
-                  </a:schemeClr>
-                </a:solidFill>
-              </a:defRPr>
-            </a:lvl6pPr>
-            <a:lvl7pPr marL="2743200" indent="0">
-              <a:buNone/>
-              <a:defRPr sz="1400">
-                <a:solidFill>
-                  <a:schemeClr val="tx1">
-                    <a:tint val="75000"/>
-                  </a:schemeClr>
-                </a:solidFill>
-              </a:defRPr>
-            </a:lvl7pPr>
-            <a:lvl8pPr marL="3200400" indent="0">
-              <a:buNone/>
-              <a:defRPr sz="1400">
-                <a:solidFill>
-                  <a:schemeClr val="tx1">
-                    <a:tint val="75000"/>
-                  </a:schemeClr>
-                </a:solidFill>
-              </a:defRPr>
-            </a:lvl8pPr>
-            <a:lvl9pPr marL="3657600" indent="0">
-              <a:buNone/>
-              <a:defRPr sz="1400">
-                <a:solidFill>
-                  <a:schemeClr val="tx1">
-                    <a:tint val="75000"/>
-                  </a:schemeClr>
-                </a:solidFill>
-              </a:defRPr>
-            </a:lvl9pPr>
-          </a:lstStyle>
-          <a:p>
-            <a:pPr lvl="0"/>
-            <a:r>
-              <a:rPr lang="en-US"/>
-              <a:t>Edit Master text styles</a:t>
-            </a:r>
-          </a:p>
-        </p:txBody>
-      </p:sp>
-      <p:sp>
-        <p:nvSpPr>
-          <p:cNvPr id="4" name="Date Placeholder 3"/>
-          <p:cNvSpPr>
-            <a:spLocks noGrp="1"/>
-          </p:cNvSpPr>
-          <p:nvPr>
-            <p:ph type="dt" sz="half" idx="10"/>
-          </p:nvPr>
-        </p:nvSpPr>
-        <p:spPr/>
-        <p:txBody>
-          <a:bodyPr/>
-          <a:lstStyle/>
-          <a:p>
-            <a:fld id="{932FC6B7-331F-4E3E-AD33-1AC7D2AC5F52}" type="datetimeFigureOut">
-              <a:rPr lang="en-US" smtClean="0"/>
-              <a:t>7/13/2018</a:t>
-            </a:fld>
-            <a:endParaRPr lang="en-US"/>
-          </a:p>
-        </p:txBody>
-      </p:sp>
-      <p:sp>
-        <p:nvSpPr>
-          <p:cNvPr id="5" name="Footer Placeholder 4"/>
-          <p:cNvSpPr>
-            <a:spLocks noGrp="1"/>
-          </p:cNvSpPr>
-          <p:nvPr>
-            <p:ph type="ftr" sz="quarter" idx="11"/>
-          </p:nvPr>
-        </p:nvSpPr>
-        <p:spPr/>
-        <p:txBody>
-          <a:bodyPr/>
-          <a:lstStyle/>
-          <a:p>
-            <a:endParaRPr lang="en-US"/>
-          </a:p>
-        </p:txBody>
-      </p:sp>
-      <p:sp>
-        <p:nvSpPr>
-          <p:cNvPr id="6" name="Slide Number Placeholder 5"/>
-          <p:cNvSpPr>
-            <a:spLocks noGrp="1"/>
-          </p:cNvSpPr>
-          <p:nvPr>
-            <p:ph type="sldNum" sz="quarter" idx="12"/>
-          </p:nvPr>
-        </p:nvSpPr>
-        <p:spPr/>
-        <p:txBody>
-          <a:bodyPr/>
-          <a:lstStyle/>
-          <a:p>
-            <a:fld id="{ADBB3FC3-297A-44E9-A9FA-81094813C861}" type="slidenum">
-              <a:rPr lang="en-US" smtClean="0"/>
-              <a:t>‹#›</a:t>
-            </a:fld>
-            <a:endParaRPr lang="en-US"/>
-          </a:p>
-        </p:txBody>
-      </p:sp>
-      <p:sp>
-        <p:nvSpPr>
-          <p:cNvPr id="20" name="TextBox 19"/>
-          <p:cNvSpPr txBox="1"/>
-          <p:nvPr/>
-        </p:nvSpPr>
-        <p:spPr>
-          <a:xfrm>
-            <a:off x="541870" y="790378"/>
-            <a:ext cx="609600" cy="584776"/>
-          </a:xfrm>
-          <a:prstGeom prst="rect">
-            <a:avLst/>
-          </a:prstGeom>
-        </p:spPr>
-        <p:txBody>
-          <a:bodyPr vert="horz" lIns="91440" tIns="45720" rIns="91440" bIns="45720" rtlCol="0" anchor="ctr">
-            <a:noAutofit/>
-          </a:bodyPr>
-          <a:lstStyle/>
-          <a:p>
-            <a:pPr lvl="0"/>
-            <a:r>
-              <a:rPr lang="en-US" sz="8000" baseline="0" dirty="0">
-                <a:ln w="3175" cmpd="sng">
-                  <a:noFill/>
-                </a:ln>
-                <a:solidFill>
-                  <a:schemeClr val="accent1">
-                    <a:lumMod val="60000"/>
-                    <a:lumOff val="40000"/>
-                  </a:schemeClr>
-                </a:solidFill>
-                <a:effectLst/>
-                <a:latin typeface="Arial"/>
-              </a:rPr>
-              <a:t>“</a:t>
-            </a:r>
-          </a:p>
-        </p:txBody>
-      </p:sp>
-      <p:sp>
-        <p:nvSpPr>
-          <p:cNvPr id="22" name="TextBox 21"/>
-          <p:cNvSpPr txBox="1"/>
-          <p:nvPr/>
-        </p:nvSpPr>
-        <p:spPr>
-          <a:xfrm>
-            <a:off x="8893011" y="2886556"/>
-            <a:ext cx="609600" cy="584776"/>
-          </a:xfrm>
-          <a:prstGeom prst="rect">
-            <a:avLst/>
-          </a:prstGeom>
-        </p:spPr>
-        <p:txBody>
-          <a:bodyPr vert="horz" lIns="91440" tIns="45720" rIns="91440" bIns="45720" rtlCol="0" anchor="ctr">
-            <a:noAutofit/>
-          </a:bodyPr>
-          <a:lstStyle/>
-          <a:p>
-            <a:pPr lvl="0"/>
-            <a:r>
-              <a:rPr lang="en-US" sz="8000" baseline="0" dirty="0">
-                <a:ln w="3175" cmpd="sng">
-                  <a:noFill/>
-                </a:ln>
-                <a:solidFill>
-                  <a:schemeClr val="accent1">
-                    <a:lumMod val="60000"/>
-                    <a:lumOff val="40000"/>
-                  </a:schemeClr>
-                </a:solidFill>
-                <a:latin typeface="Arial"/>
-              </a:rPr>
-              <a:t>”</a:t>
-            </a:r>
-            <a:endParaRPr lang="en-US" dirty="0">
-              <a:solidFill>
-                <a:schemeClr val="accent1">
-                  <a:lumMod val="60000"/>
-                  <a:lumOff val="40000"/>
-                </a:schemeClr>
-              </a:solidFill>
-              <a:latin typeface="Arial"/>
-            </a:endParaRPr>
-          </a:p>
-        </p:txBody>
-      </p:sp>
-    </p:spTree>
-    <p:extLst>
-      <p:ext uri="{BB962C8B-B14F-4D97-AF65-F5344CB8AC3E}">
-        <p14:creationId xmlns:p14="http://schemas.microsoft.com/office/powerpoint/2010/main" val="3121466239"/>
-      </p:ext>
-    </p:extLst>
-  </p:cSld>
-  <p:clrMapOvr>
-    <a:masterClrMapping/>
-  </p:clrMapOvr>
-</p:sldLayout>
-</file>
-
-<file path=ppt/slideLayouts/slideLayout12.xml><?xml version="1.0" encoding="utf-8"?>
-<p:sldLayout xmlns:a="http://schemas.openxmlformats.org/drawingml/2006/main" xmlns:r="http://schemas.openxmlformats.org/officeDocument/2006/relationships" xmlns:p="http://schemas.openxmlformats.org/presentationml/2006/main" preserve="1">
-  <p:cSld name="Name Card">
-    <p:spTree>
-      <p:nvGrpSpPr>
-        <p:cNvPr id="1" name=""/>
-        <p:cNvGrpSpPr/>
-        <p:nvPr/>
-      </p:nvGrpSpPr>
-      <p:grpSpPr>
-        <a:xfrm>
-          <a:off x="0" y="0"/>
-          <a:ext cx="0" cy="0"/>
-          <a:chOff x="0" y="0"/>
-          <a:chExt cx="0" cy="0"/>
-        </a:xfrm>
-      </p:grpSpPr>
-      <p:sp>
-        <p:nvSpPr>
-          <p:cNvPr id="2" name="Title 1"/>
-          <p:cNvSpPr>
-            <a:spLocks noGrp="1"/>
-          </p:cNvSpPr>
-          <p:nvPr>
-            <p:ph type="title"/>
-          </p:nvPr>
-        </p:nvSpPr>
-        <p:spPr>
-          <a:xfrm>
-            <a:off x="677335" y="1931988"/>
-            <a:ext cx="8596668" cy="2595460"/>
-          </a:xfrm>
-        </p:spPr>
-        <p:txBody>
-          <a:bodyPr anchor="b">
-            <a:normAutofit/>
-          </a:bodyPr>
-          <a:lstStyle>
-            <a:lvl1pPr algn="l">
-              <a:defRPr sz="4400" b="0" cap="none"/>
-            </a:lvl1pPr>
-          </a:lstStyle>
-          <a:p>
-            <a:r>
-              <a:rPr lang="en-US"/>
-              <a:t>Click to edit Master title style</a:t>
-            </a:r>
-            <a:endParaRPr lang="en-US" dirty="0"/>
-          </a:p>
-        </p:txBody>
-      </p:sp>
-      <p:sp>
-        <p:nvSpPr>
-          <p:cNvPr id="3" name="Text Placeholder 2"/>
-          <p:cNvSpPr>
-            <a:spLocks noGrp="1"/>
-          </p:cNvSpPr>
-          <p:nvPr>
-            <p:ph type="body" idx="1"/>
-          </p:nvPr>
-        </p:nvSpPr>
-        <p:spPr>
-          <a:xfrm>
-            <a:off x="677335" y="4527448"/>
-            <a:ext cx="8596668" cy="1513914"/>
-          </a:xfrm>
-        </p:spPr>
-        <p:txBody>
-          <a:bodyPr anchor="t">
-            <a:normAutofit/>
-          </a:bodyPr>
-          <a:lstStyle>
-            <a:lvl1pPr marL="0" indent="0" algn="l">
-              <a:buNone/>
-              <a:defRPr sz="1800">
-                <a:solidFill>
-                  <a:schemeClr val="tx1">
-                    <a:lumMod val="75000"/>
-                    <a:lumOff val="25000"/>
-                  </a:schemeClr>
-                </a:solidFill>
-              </a:defRPr>
-            </a:lvl1pPr>
-            <a:lvl2pPr marL="457200" indent="0">
-              <a:buNone/>
-              <a:defRPr sz="1800">
-                <a:solidFill>
-                  <a:schemeClr val="tx1">
-                    <a:tint val="75000"/>
-                  </a:schemeClr>
-                </a:solidFill>
-              </a:defRPr>
-            </a:lvl2pPr>
-            <a:lvl3pPr marL="914400" indent="0">
-              <a:buNone/>
-              <a:defRPr sz="1600">
-                <a:solidFill>
-                  <a:schemeClr val="tx1">
-                    <a:tint val="75000"/>
-                  </a:schemeClr>
-                </a:solidFill>
-              </a:defRPr>
-            </a:lvl3pPr>
-            <a:lvl4pPr marL="1371600" indent="0">
-              <a:buNone/>
-              <a:defRPr sz="1400">
-                <a:solidFill>
-                  <a:schemeClr val="tx1">
-                    <a:tint val="75000"/>
-                  </a:schemeClr>
-                </a:solidFill>
-              </a:defRPr>
-            </a:lvl4pPr>
-            <a:lvl5pPr marL="1828800" indent="0">
-              <a:buNone/>
-              <a:defRPr sz="1400">
-                <a:solidFill>
-                  <a:schemeClr val="tx1">
-                    <a:tint val="75000"/>
-                  </a:schemeClr>
-                </a:solidFill>
-              </a:defRPr>
-            </a:lvl5pPr>
-            <a:lvl6pPr marL="2286000" indent="0">
-              <a:buNone/>
-              <a:defRPr sz="1400">
-                <a:solidFill>
-                  <a:schemeClr val="tx1">
-                    <a:tint val="75000"/>
-                  </a:schemeClr>
-                </a:solidFill>
-              </a:defRPr>
-            </a:lvl6pPr>
-            <a:lvl7pPr marL="2743200" indent="0">
-              <a:buNone/>
-              <a:defRPr sz="1400">
-                <a:solidFill>
-                  <a:schemeClr val="tx1">
-                    <a:tint val="75000"/>
-                  </a:schemeClr>
-                </a:solidFill>
-              </a:defRPr>
-            </a:lvl7pPr>
-            <a:lvl8pPr marL="3200400" indent="0">
-              <a:buNone/>
-              <a:defRPr sz="1400">
-                <a:solidFill>
-                  <a:schemeClr val="tx1">
-                    <a:tint val="75000"/>
-                  </a:schemeClr>
-                </a:solidFill>
-              </a:defRPr>
-            </a:lvl8pPr>
-            <a:lvl9pPr marL="3657600" indent="0">
-              <a:buNone/>
-              <a:defRPr sz="1400">
-                <a:solidFill>
-                  <a:schemeClr val="tx1">
-                    <a:tint val="75000"/>
-                  </a:schemeClr>
-                </a:solidFill>
-              </a:defRPr>
-            </a:lvl9pPr>
-          </a:lstStyle>
-          <a:p>
-            <a:pPr lvl="0"/>
-            <a:r>
-              <a:rPr lang="en-US"/>
-              <a:t>Edit Master text styles</a:t>
-            </a:r>
-          </a:p>
-        </p:txBody>
-      </p:sp>
-      <p:sp>
-        <p:nvSpPr>
-          <p:cNvPr id="4" name="Date Placeholder 3"/>
-          <p:cNvSpPr>
-            <a:spLocks noGrp="1"/>
-          </p:cNvSpPr>
-          <p:nvPr>
-            <p:ph type="dt" sz="half" idx="10"/>
-          </p:nvPr>
-        </p:nvSpPr>
-        <p:spPr/>
-        <p:txBody>
-          <a:bodyPr/>
-          <a:lstStyle/>
-          <a:p>
-            <a:fld id="{932FC6B7-331F-4E3E-AD33-1AC7D2AC5F52}" type="datetimeFigureOut">
-              <a:rPr lang="en-US" smtClean="0"/>
-              <a:t>7/13/2018</a:t>
-            </a:fld>
-            <a:endParaRPr lang="en-US"/>
-          </a:p>
-        </p:txBody>
-      </p:sp>
-      <p:sp>
-        <p:nvSpPr>
-          <p:cNvPr id="5" name="Footer Placeholder 4"/>
-          <p:cNvSpPr>
-            <a:spLocks noGrp="1"/>
-          </p:cNvSpPr>
-          <p:nvPr>
-            <p:ph type="ftr" sz="quarter" idx="11"/>
-          </p:nvPr>
-        </p:nvSpPr>
-        <p:spPr/>
-        <p:txBody>
-          <a:bodyPr/>
-          <a:lstStyle/>
-          <a:p>
-            <a:endParaRPr lang="en-US"/>
-          </a:p>
-        </p:txBody>
-      </p:sp>
-      <p:sp>
-        <p:nvSpPr>
-          <p:cNvPr id="6" name="Slide Number Placeholder 5"/>
-          <p:cNvSpPr>
-            <a:spLocks noGrp="1"/>
-          </p:cNvSpPr>
-          <p:nvPr>
-            <p:ph type="sldNum" sz="quarter" idx="12"/>
-          </p:nvPr>
-        </p:nvSpPr>
-        <p:spPr/>
-        <p:txBody>
-          <a:bodyPr/>
-          <a:lstStyle/>
-          <a:p>
-            <a:fld id="{ADBB3FC3-297A-44E9-A9FA-81094813C861}" type="slidenum">
-              <a:rPr lang="en-US" smtClean="0"/>
-              <a:t>‹#›</a:t>
-            </a:fld>
-            <a:endParaRPr lang="en-US"/>
-          </a:p>
-        </p:txBody>
-      </p:sp>
-    </p:spTree>
-    <p:extLst>
-      <p:ext uri="{BB962C8B-B14F-4D97-AF65-F5344CB8AC3E}">
-        <p14:creationId xmlns:p14="http://schemas.microsoft.com/office/powerpoint/2010/main" val="968975541"/>
-      </p:ext>
-    </p:extLst>
-  </p:cSld>
-  <p:clrMapOvr>
-    <a:masterClrMapping/>
-  </p:clrMapOvr>
-</p:sldLayout>
-</file>
-
-<file path=ppt/slideLayouts/slideLayout13.xml><?xml version="1.0" encoding="utf-8"?>
-<p:sldLayout xmlns:a="http://schemas.openxmlformats.org/drawingml/2006/main" xmlns:r="http://schemas.openxmlformats.org/officeDocument/2006/relationships" xmlns:p="http://schemas.openxmlformats.org/presentationml/2006/main" preserve="1">
-  <p:cSld name="Quote Name Card">
-    <p:spTree>
-      <p:nvGrpSpPr>
-        <p:cNvPr id="1" name=""/>
-        <p:cNvGrpSpPr/>
-        <p:nvPr/>
-      </p:nvGrpSpPr>
-      <p:grpSpPr>
-        <a:xfrm>
-          <a:off x="0" y="0"/>
-          <a:ext cx="0" cy="0"/>
-          <a:chOff x="0" y="0"/>
-          <a:chExt cx="0" cy="0"/>
-        </a:xfrm>
-      </p:grpSpPr>
-      <p:sp>
-        <p:nvSpPr>
-          <p:cNvPr id="2" name="Title 1"/>
-          <p:cNvSpPr>
-            <a:spLocks noGrp="1"/>
-          </p:cNvSpPr>
-          <p:nvPr>
-            <p:ph type="title"/>
-          </p:nvPr>
-        </p:nvSpPr>
-        <p:spPr>
-          <a:xfrm>
-            <a:off x="931334" y="609600"/>
-            <a:ext cx="8094134" cy="3022600"/>
-          </a:xfrm>
-        </p:spPr>
-        <p:txBody>
-          <a:bodyPr anchor="ctr">
-            <a:normAutofit/>
-          </a:bodyPr>
-          <a:lstStyle>
-            <a:lvl1pPr algn="l">
-              <a:defRPr sz="4400" b="0" cap="none"/>
-            </a:lvl1pPr>
-          </a:lstStyle>
-          <a:p>
-            <a:r>
-              <a:rPr lang="en-US"/>
-              <a:t>Click to edit Master title style</a:t>
-            </a:r>
-            <a:endParaRPr lang="en-US" dirty="0"/>
-          </a:p>
-        </p:txBody>
-      </p:sp>
-      <p:sp>
-        <p:nvSpPr>
-          <p:cNvPr id="23" name="Text Placeholder 9"/>
-          <p:cNvSpPr>
-            <a:spLocks noGrp="1"/>
-          </p:cNvSpPr>
-          <p:nvPr>
-            <p:ph type="body" sz="quarter" idx="13"/>
-          </p:nvPr>
-        </p:nvSpPr>
-        <p:spPr>
-          <a:xfrm>
-            <a:off x="677332" y="4013200"/>
-            <a:ext cx="8596669" cy="514248"/>
-          </a:xfrm>
-        </p:spPr>
-        <p:txBody>
-          <a:bodyPr anchor="b">
-            <a:noAutofit/>
-          </a:bodyPr>
-          <a:lstStyle>
-            <a:lvl1pPr marL="0" indent="0">
-              <a:buFontTx/>
-              <a:buNone/>
-              <a:defRPr sz="2400">
-                <a:solidFill>
-                  <a:schemeClr val="tx1">
-                    <a:lumMod val="75000"/>
-                    <a:lumOff val="25000"/>
-                  </a:schemeClr>
-                </a:solidFill>
-              </a:defRPr>
-            </a:lvl1pPr>
-            <a:lvl2pPr marL="457200" indent="0">
-              <a:buFontTx/>
-              <a:buNone/>
-              <a:defRPr/>
-            </a:lvl2pPr>
-            <a:lvl3pPr marL="914400" indent="0">
-              <a:buFontTx/>
-              <a:buNone/>
-              <a:defRPr/>
-            </a:lvl3pPr>
-            <a:lvl4pPr marL="1371600" indent="0">
-              <a:buFontTx/>
-              <a:buNone/>
-              <a:defRPr/>
-            </a:lvl4pPr>
-            <a:lvl5pPr marL="1828800" indent="0">
-              <a:buFontTx/>
-              <a:buNone/>
-              <a:defRPr/>
-            </a:lvl5pPr>
-          </a:lstStyle>
-          <a:p>
-            <a:pPr lvl="0"/>
-            <a:r>
-              <a:rPr lang="en-US"/>
-              <a:t>Edit Master text styles</a:t>
-            </a:r>
-          </a:p>
-        </p:txBody>
-      </p:sp>
-      <p:sp>
-        <p:nvSpPr>
-          <p:cNvPr id="3" name="Text Placeholder 2"/>
-          <p:cNvSpPr>
-            <a:spLocks noGrp="1"/>
-          </p:cNvSpPr>
-          <p:nvPr>
-            <p:ph type="body" idx="1"/>
-          </p:nvPr>
-        </p:nvSpPr>
-        <p:spPr>
-          <a:xfrm>
-            <a:off x="677335" y="4527448"/>
-            <a:ext cx="8596668" cy="1513914"/>
-          </a:xfrm>
-        </p:spPr>
-        <p:txBody>
-          <a:bodyPr anchor="t">
-            <a:normAutofit/>
-          </a:bodyPr>
-          <a:lstStyle>
-            <a:lvl1pPr marL="0" indent="0" algn="l">
-              <a:buNone/>
-              <a:defRPr sz="1800">
-                <a:solidFill>
-                  <a:schemeClr val="tx1">
-                    <a:lumMod val="50000"/>
-                    <a:lumOff val="50000"/>
-                  </a:schemeClr>
-                </a:solidFill>
-              </a:defRPr>
-            </a:lvl1pPr>
-            <a:lvl2pPr marL="457200" indent="0">
-              <a:buNone/>
-              <a:defRPr sz="1800">
-                <a:solidFill>
-                  <a:schemeClr val="tx1">
-                    <a:tint val="75000"/>
-                  </a:schemeClr>
-                </a:solidFill>
-              </a:defRPr>
-            </a:lvl2pPr>
-            <a:lvl3pPr marL="914400" indent="0">
-              <a:buNone/>
-              <a:defRPr sz="1600">
-                <a:solidFill>
-                  <a:schemeClr val="tx1">
-                    <a:tint val="75000"/>
-                  </a:schemeClr>
-                </a:solidFill>
-              </a:defRPr>
-            </a:lvl3pPr>
-            <a:lvl4pPr marL="1371600" indent="0">
-              <a:buNone/>
-              <a:defRPr sz="1400">
-                <a:solidFill>
-                  <a:schemeClr val="tx1">
-                    <a:tint val="75000"/>
-                  </a:schemeClr>
-                </a:solidFill>
-              </a:defRPr>
-            </a:lvl4pPr>
-            <a:lvl5pPr marL="1828800" indent="0">
-              <a:buNone/>
-              <a:defRPr sz="1400">
-                <a:solidFill>
-                  <a:schemeClr val="tx1">
-                    <a:tint val="75000"/>
-                  </a:schemeClr>
-                </a:solidFill>
-              </a:defRPr>
-            </a:lvl5pPr>
-            <a:lvl6pPr marL="2286000" indent="0">
-              <a:buNone/>
-              <a:defRPr sz="1400">
-                <a:solidFill>
-                  <a:schemeClr val="tx1">
-                    <a:tint val="75000"/>
-                  </a:schemeClr>
-                </a:solidFill>
-              </a:defRPr>
-            </a:lvl6pPr>
-            <a:lvl7pPr marL="2743200" indent="0">
-              <a:buNone/>
-              <a:defRPr sz="1400">
-                <a:solidFill>
-                  <a:schemeClr val="tx1">
-                    <a:tint val="75000"/>
-                  </a:schemeClr>
-                </a:solidFill>
-              </a:defRPr>
-            </a:lvl7pPr>
-            <a:lvl8pPr marL="3200400" indent="0">
-              <a:buNone/>
-              <a:defRPr sz="1400">
-                <a:solidFill>
-                  <a:schemeClr val="tx1">
-                    <a:tint val="75000"/>
-                  </a:schemeClr>
-                </a:solidFill>
-              </a:defRPr>
-            </a:lvl8pPr>
-            <a:lvl9pPr marL="3657600" indent="0">
-              <a:buNone/>
-              <a:defRPr sz="1400">
-                <a:solidFill>
-                  <a:schemeClr val="tx1">
-                    <a:tint val="75000"/>
-                  </a:schemeClr>
-                </a:solidFill>
-              </a:defRPr>
-            </a:lvl9pPr>
-          </a:lstStyle>
-          <a:p>
-            <a:pPr lvl="0"/>
-            <a:r>
-              <a:rPr lang="en-US"/>
-              <a:t>Edit Master text styles</a:t>
-            </a:r>
-          </a:p>
-        </p:txBody>
-      </p:sp>
-      <p:sp>
-        <p:nvSpPr>
-          <p:cNvPr id="4" name="Date Placeholder 3"/>
-          <p:cNvSpPr>
-            <a:spLocks noGrp="1"/>
-          </p:cNvSpPr>
-          <p:nvPr>
-            <p:ph type="dt" sz="half" idx="10"/>
-          </p:nvPr>
-        </p:nvSpPr>
-        <p:spPr/>
-        <p:txBody>
-          <a:bodyPr/>
-          <a:lstStyle/>
-          <a:p>
-            <a:fld id="{932FC6B7-331F-4E3E-AD33-1AC7D2AC5F52}" type="datetimeFigureOut">
-              <a:rPr lang="en-US" smtClean="0"/>
-              <a:t>7/13/2018</a:t>
-            </a:fld>
-            <a:endParaRPr lang="en-US"/>
-          </a:p>
-        </p:txBody>
-      </p:sp>
-      <p:sp>
-        <p:nvSpPr>
-          <p:cNvPr id="5" name="Footer Placeholder 4"/>
-          <p:cNvSpPr>
-            <a:spLocks noGrp="1"/>
-          </p:cNvSpPr>
-          <p:nvPr>
-            <p:ph type="ftr" sz="quarter" idx="11"/>
-          </p:nvPr>
-        </p:nvSpPr>
-        <p:spPr/>
-        <p:txBody>
-          <a:bodyPr/>
-          <a:lstStyle/>
-          <a:p>
-            <a:endParaRPr lang="en-US"/>
-          </a:p>
-        </p:txBody>
-      </p:sp>
-      <p:sp>
-        <p:nvSpPr>
-          <p:cNvPr id="6" name="Slide Number Placeholder 5"/>
-          <p:cNvSpPr>
-            <a:spLocks noGrp="1"/>
-          </p:cNvSpPr>
-          <p:nvPr>
-            <p:ph type="sldNum" sz="quarter" idx="12"/>
-          </p:nvPr>
-        </p:nvSpPr>
-        <p:spPr/>
-        <p:txBody>
-          <a:bodyPr/>
-          <a:lstStyle/>
-          <a:p>
-            <a:fld id="{ADBB3FC3-297A-44E9-A9FA-81094813C861}" type="slidenum">
-              <a:rPr lang="en-US" smtClean="0"/>
-              <a:t>‹#›</a:t>
-            </a:fld>
-            <a:endParaRPr lang="en-US"/>
-          </a:p>
-        </p:txBody>
-      </p:sp>
-      <p:sp>
-        <p:nvSpPr>
-          <p:cNvPr id="24" name="TextBox 23"/>
-          <p:cNvSpPr txBox="1"/>
-          <p:nvPr/>
-        </p:nvSpPr>
-        <p:spPr>
-          <a:xfrm>
-            <a:off x="541870" y="790378"/>
-            <a:ext cx="609600" cy="584776"/>
-          </a:xfrm>
-          <a:prstGeom prst="rect">
-            <a:avLst/>
-          </a:prstGeom>
-        </p:spPr>
-        <p:txBody>
-          <a:bodyPr vert="horz" lIns="91440" tIns="45720" rIns="91440" bIns="45720" rtlCol="0" anchor="ctr">
-            <a:noAutofit/>
-          </a:bodyPr>
-          <a:lstStyle/>
-          <a:p>
-            <a:pPr lvl="0"/>
-            <a:r>
-              <a:rPr lang="en-US" sz="8000" baseline="0" dirty="0">
-                <a:ln w="3175" cmpd="sng">
-                  <a:noFill/>
-                </a:ln>
-                <a:solidFill>
-                  <a:schemeClr val="accent1">
-                    <a:lumMod val="60000"/>
-                    <a:lumOff val="40000"/>
-                  </a:schemeClr>
-                </a:solidFill>
-                <a:effectLst/>
-                <a:latin typeface="Arial"/>
-              </a:rPr>
-              <a:t>“</a:t>
-            </a:r>
-          </a:p>
-        </p:txBody>
-      </p:sp>
-      <p:sp>
-        <p:nvSpPr>
-          <p:cNvPr id="25" name="TextBox 24"/>
-          <p:cNvSpPr txBox="1"/>
-          <p:nvPr/>
-        </p:nvSpPr>
-        <p:spPr>
-          <a:xfrm>
-            <a:off x="8893011" y="2886556"/>
-            <a:ext cx="609600" cy="584776"/>
-          </a:xfrm>
-          <a:prstGeom prst="rect">
-            <a:avLst/>
-          </a:prstGeom>
-        </p:spPr>
-        <p:txBody>
-          <a:bodyPr vert="horz" lIns="91440" tIns="45720" rIns="91440" bIns="45720" rtlCol="0" anchor="ctr">
-            <a:noAutofit/>
-          </a:bodyPr>
-          <a:lstStyle/>
-          <a:p>
-            <a:pPr lvl="0"/>
-            <a:r>
-              <a:rPr lang="en-US" sz="8000" baseline="0" dirty="0">
-                <a:ln w="3175" cmpd="sng">
-                  <a:noFill/>
-                </a:ln>
-                <a:solidFill>
-                  <a:schemeClr val="accent1">
-                    <a:lumMod val="60000"/>
-                    <a:lumOff val="40000"/>
-                  </a:schemeClr>
-                </a:solidFill>
-                <a:effectLst/>
-                <a:latin typeface="Arial"/>
-              </a:rPr>
-              <a:t>”</a:t>
-            </a:r>
-          </a:p>
-        </p:txBody>
-      </p:sp>
-    </p:spTree>
-    <p:extLst>
-      <p:ext uri="{BB962C8B-B14F-4D97-AF65-F5344CB8AC3E}">
-        <p14:creationId xmlns:p14="http://schemas.microsoft.com/office/powerpoint/2010/main" val="1863071783"/>
-      </p:ext>
-    </p:extLst>
-  </p:cSld>
-  <p:clrMapOvr>
-    <a:masterClrMapping/>
-  </p:clrMapOvr>
-</p:sldLayout>
-</file>
-
-<file path=ppt/slideLayouts/slideLayout14.xml><?xml version="1.0" encoding="utf-8"?>
-<p:sldLayout xmlns:a="http://schemas.openxmlformats.org/drawingml/2006/main" xmlns:r="http://schemas.openxmlformats.org/officeDocument/2006/relationships" xmlns:p="http://schemas.openxmlformats.org/presentationml/2006/main" preserve="1">
-  <p:cSld name="True or False">
-    <p:spTree>
-      <p:nvGrpSpPr>
-        <p:cNvPr id="1" name=""/>
-        <p:cNvGrpSpPr/>
-        <p:nvPr/>
-      </p:nvGrpSpPr>
-      <p:grpSpPr>
-        <a:xfrm>
-          <a:off x="0" y="0"/>
-          <a:ext cx="0" cy="0"/>
-          <a:chOff x="0" y="0"/>
-          <a:chExt cx="0" cy="0"/>
-        </a:xfrm>
-      </p:grpSpPr>
-      <p:sp>
-        <p:nvSpPr>
-          <p:cNvPr id="2" name="Title 1"/>
-          <p:cNvSpPr>
-            <a:spLocks noGrp="1"/>
-          </p:cNvSpPr>
-          <p:nvPr>
-            <p:ph type="title"/>
-          </p:nvPr>
-        </p:nvSpPr>
-        <p:spPr>
-          <a:xfrm>
-            <a:off x="685799" y="609600"/>
-            <a:ext cx="8588203" cy="3022600"/>
-          </a:xfrm>
-        </p:spPr>
-        <p:txBody>
-          <a:bodyPr anchor="ctr">
-            <a:normAutofit/>
-          </a:bodyPr>
-          <a:lstStyle>
-            <a:lvl1pPr algn="l">
-              <a:defRPr sz="4400" b="0" cap="none"/>
-            </a:lvl1pPr>
-          </a:lstStyle>
-          <a:p>
-            <a:r>
-              <a:rPr lang="en-US"/>
-              <a:t>Click to edit Master title style</a:t>
-            </a:r>
-            <a:endParaRPr lang="en-US" dirty="0"/>
-          </a:p>
-        </p:txBody>
-      </p:sp>
-      <p:sp>
-        <p:nvSpPr>
-          <p:cNvPr id="23" name="Text Placeholder 9"/>
-          <p:cNvSpPr>
-            <a:spLocks noGrp="1"/>
-          </p:cNvSpPr>
-          <p:nvPr>
-            <p:ph type="body" sz="quarter" idx="13"/>
-          </p:nvPr>
-        </p:nvSpPr>
-        <p:spPr>
-          <a:xfrm>
-            <a:off x="677332" y="4013200"/>
-            <a:ext cx="8596669" cy="514248"/>
-          </a:xfrm>
-        </p:spPr>
-        <p:txBody>
-          <a:bodyPr anchor="b">
-            <a:noAutofit/>
-          </a:bodyPr>
-          <a:lstStyle>
-            <a:lvl1pPr marL="0" indent="0">
-              <a:buFontTx/>
-              <a:buNone/>
-              <a:defRPr sz="2400">
-                <a:solidFill>
-                  <a:schemeClr val="accent1"/>
-                </a:solidFill>
-              </a:defRPr>
-            </a:lvl1pPr>
-            <a:lvl2pPr marL="457200" indent="0">
-              <a:buFontTx/>
-              <a:buNone/>
-              <a:defRPr/>
-            </a:lvl2pPr>
-            <a:lvl3pPr marL="914400" indent="0">
-              <a:buFontTx/>
-              <a:buNone/>
-              <a:defRPr/>
-            </a:lvl3pPr>
-            <a:lvl4pPr marL="1371600" indent="0">
-              <a:buFontTx/>
-              <a:buNone/>
-              <a:defRPr/>
-            </a:lvl4pPr>
-            <a:lvl5pPr marL="1828800" indent="0">
-              <a:buFontTx/>
-              <a:buNone/>
-              <a:defRPr/>
-            </a:lvl5pPr>
-          </a:lstStyle>
-          <a:p>
-            <a:pPr lvl="0"/>
-            <a:r>
-              <a:rPr lang="en-US"/>
-              <a:t>Edit Master text styles</a:t>
-            </a:r>
-          </a:p>
-        </p:txBody>
-      </p:sp>
-      <p:sp>
-        <p:nvSpPr>
-          <p:cNvPr id="3" name="Text Placeholder 2"/>
-          <p:cNvSpPr>
-            <a:spLocks noGrp="1"/>
-          </p:cNvSpPr>
-          <p:nvPr>
-            <p:ph type="body" idx="1"/>
-          </p:nvPr>
-        </p:nvSpPr>
-        <p:spPr>
-          <a:xfrm>
-            <a:off x="677335" y="4527448"/>
-            <a:ext cx="8596668" cy="1513914"/>
-          </a:xfrm>
-        </p:spPr>
-        <p:txBody>
-          <a:bodyPr anchor="t">
-            <a:normAutofit/>
-          </a:bodyPr>
-          <a:lstStyle>
-            <a:lvl1pPr marL="0" indent="0" algn="l">
-              <a:buNone/>
-              <a:defRPr sz="1800">
-                <a:solidFill>
-                  <a:schemeClr val="tx1">
-                    <a:lumMod val="50000"/>
-                    <a:lumOff val="50000"/>
-                  </a:schemeClr>
-                </a:solidFill>
-              </a:defRPr>
-            </a:lvl1pPr>
-            <a:lvl2pPr marL="457200" indent="0">
-              <a:buNone/>
-              <a:defRPr sz="1800">
-                <a:solidFill>
-                  <a:schemeClr val="tx1">
-                    <a:tint val="75000"/>
-                  </a:schemeClr>
-                </a:solidFill>
-              </a:defRPr>
-            </a:lvl2pPr>
-            <a:lvl3pPr marL="914400" indent="0">
-              <a:buNone/>
-              <a:defRPr sz="1600">
-                <a:solidFill>
-                  <a:schemeClr val="tx1">
-                    <a:tint val="75000"/>
-                  </a:schemeClr>
-                </a:solidFill>
-              </a:defRPr>
-            </a:lvl3pPr>
-            <a:lvl4pPr marL="1371600" indent="0">
-              <a:buNone/>
-              <a:defRPr sz="1400">
-                <a:solidFill>
-                  <a:schemeClr val="tx1">
-                    <a:tint val="75000"/>
-                  </a:schemeClr>
-                </a:solidFill>
-              </a:defRPr>
-            </a:lvl4pPr>
-            <a:lvl5pPr marL="1828800" indent="0">
-              <a:buNone/>
-              <a:defRPr sz="1400">
-                <a:solidFill>
-                  <a:schemeClr val="tx1">
-                    <a:tint val="75000"/>
-                  </a:schemeClr>
-                </a:solidFill>
-              </a:defRPr>
-            </a:lvl5pPr>
-            <a:lvl6pPr marL="2286000" indent="0">
-              <a:buNone/>
-              <a:defRPr sz="1400">
-                <a:solidFill>
-                  <a:schemeClr val="tx1">
-                    <a:tint val="75000"/>
-                  </a:schemeClr>
-                </a:solidFill>
-              </a:defRPr>
-            </a:lvl6pPr>
-            <a:lvl7pPr marL="2743200" indent="0">
-              <a:buNone/>
-              <a:defRPr sz="1400">
-                <a:solidFill>
-                  <a:schemeClr val="tx1">
-                    <a:tint val="75000"/>
-                  </a:schemeClr>
-                </a:solidFill>
-              </a:defRPr>
-            </a:lvl7pPr>
-            <a:lvl8pPr marL="3200400" indent="0">
-              <a:buNone/>
-              <a:defRPr sz="1400">
-                <a:solidFill>
-                  <a:schemeClr val="tx1">
-                    <a:tint val="75000"/>
-                  </a:schemeClr>
-                </a:solidFill>
-              </a:defRPr>
-            </a:lvl8pPr>
-            <a:lvl9pPr marL="3657600" indent="0">
-              <a:buNone/>
-              <a:defRPr sz="1400">
-                <a:solidFill>
-                  <a:schemeClr val="tx1">
-                    <a:tint val="75000"/>
-                  </a:schemeClr>
-                </a:solidFill>
-              </a:defRPr>
-            </a:lvl9pPr>
-          </a:lstStyle>
-          <a:p>
-            <a:pPr lvl="0"/>
-            <a:r>
-              <a:rPr lang="en-US"/>
-              <a:t>Edit Master text styles</a:t>
-            </a:r>
-          </a:p>
-        </p:txBody>
-      </p:sp>
-      <p:sp>
-        <p:nvSpPr>
-          <p:cNvPr id="4" name="Date Placeholder 3"/>
-          <p:cNvSpPr>
-            <a:spLocks noGrp="1"/>
-          </p:cNvSpPr>
-          <p:nvPr>
-            <p:ph type="dt" sz="half" idx="10"/>
-          </p:nvPr>
-        </p:nvSpPr>
-        <p:spPr/>
-        <p:txBody>
-          <a:bodyPr/>
-          <a:lstStyle/>
-          <a:p>
-            <a:fld id="{932FC6B7-331F-4E3E-AD33-1AC7D2AC5F52}" type="datetimeFigureOut">
-              <a:rPr lang="en-US" smtClean="0"/>
-              <a:t>7/13/2018</a:t>
-            </a:fld>
-            <a:endParaRPr lang="en-US"/>
-          </a:p>
-        </p:txBody>
-      </p:sp>
-      <p:sp>
-        <p:nvSpPr>
-          <p:cNvPr id="5" name="Footer Placeholder 4"/>
-          <p:cNvSpPr>
-            <a:spLocks noGrp="1"/>
-          </p:cNvSpPr>
-          <p:nvPr>
-            <p:ph type="ftr" sz="quarter" idx="11"/>
-          </p:nvPr>
-        </p:nvSpPr>
-        <p:spPr/>
-        <p:txBody>
-          <a:bodyPr/>
-          <a:lstStyle/>
-          <a:p>
-            <a:endParaRPr lang="en-US"/>
-          </a:p>
-        </p:txBody>
-      </p:sp>
-      <p:sp>
-        <p:nvSpPr>
-          <p:cNvPr id="6" name="Slide Number Placeholder 5"/>
-          <p:cNvSpPr>
-            <a:spLocks noGrp="1"/>
-          </p:cNvSpPr>
-          <p:nvPr>
-            <p:ph type="sldNum" sz="quarter" idx="12"/>
-          </p:nvPr>
-        </p:nvSpPr>
-        <p:spPr/>
-        <p:txBody>
-          <a:bodyPr/>
-          <a:lstStyle/>
-          <a:p>
-            <a:fld id="{ADBB3FC3-297A-44E9-A9FA-81094813C861}" type="slidenum">
-              <a:rPr lang="en-US" smtClean="0"/>
-              <a:t>‹#›</a:t>
-            </a:fld>
-            <a:endParaRPr lang="en-US"/>
-          </a:p>
-        </p:txBody>
-      </p:sp>
-    </p:spTree>
-    <p:extLst>
-      <p:ext uri="{BB962C8B-B14F-4D97-AF65-F5344CB8AC3E}">
-        <p14:creationId xmlns:p14="http://schemas.microsoft.com/office/powerpoint/2010/main" val="1271919023"/>
-      </p:ext>
-    </p:extLst>
-  </p:cSld>
-  <p:clrMapOvr>
-    <a:masterClrMapping/>
-  </p:clrMapOvr>
-</p:sldLayout>
-</file>
-
-<file path=ppt/slideLayouts/slideLayout15.xml><?xml version="1.0" encoding="utf-8"?>
 <p:sldLayout xmlns:a="http://schemas.openxmlformats.org/drawingml/2006/main" xmlns:r="http://schemas.openxmlformats.org/officeDocument/2006/relationships" xmlns:p="http://schemas.openxmlformats.org/presentationml/2006/main" type="vertTx" preserve="1">
   <p:cSld name="Title and Vertical Text">
     <p:spTree>
@@ -3536,10 +1531,41 @@
           </a:p>
         </p:txBody>
       </p:sp>
+      <p:cxnSp>
+        <p:nvCxnSpPr>
+          <p:cNvPr id="26" name="Straight Connector 25"/>
+          <p:cNvCxnSpPr/>
+          <p:nvPr/>
+        </p:nvCxnSpPr>
+        <p:spPr>
+          <a:xfrm>
+            <a:off x="1453896" y="1847088"/>
+            <a:ext cx="9607522" cy="0"/>
+          </a:xfrm>
+          <a:prstGeom prst="line">
+            <a:avLst/>
+          </a:prstGeom>
+          <a:ln w="31750"/>
+        </p:spPr>
+        <p:style>
+          <a:lnRef idx="3">
+            <a:schemeClr val="accent1"/>
+          </a:lnRef>
+          <a:fillRef idx="0">
+            <a:schemeClr val="accent1"/>
+          </a:fillRef>
+          <a:effectRef idx="2">
+            <a:schemeClr val="accent1"/>
+          </a:effectRef>
+          <a:fontRef idx="minor">
+            <a:schemeClr val="tx1"/>
+          </a:fontRef>
+        </p:style>
+      </p:cxnSp>
     </p:spTree>
     <p:extLst>
       <p:ext uri="{BB962C8B-B14F-4D97-AF65-F5344CB8AC3E}">
-        <p14:creationId xmlns:p14="http://schemas.microsoft.com/office/powerpoint/2010/main" val="3855910021"/>
+        <p14:creationId xmlns:p14="http://schemas.microsoft.com/office/powerpoint/2010/main" val="1763323573"/>
       </p:ext>
     </p:extLst>
   </p:cSld>
@@ -3549,7 +1575,7 @@
 </p:sldLayout>
 </file>
 
-<file path=ppt/slideLayouts/slideLayout16.xml><?xml version="1.0" encoding="utf-8"?>
+<file path=ppt/slideLayouts/slideLayout11.xml><?xml version="1.0" encoding="utf-8"?>
 <p:sldLayout xmlns:a="http://schemas.openxmlformats.org/drawingml/2006/main" xmlns:r="http://schemas.openxmlformats.org/officeDocument/2006/relationships" xmlns:p="http://schemas.openxmlformats.org/presentationml/2006/main" type="vertTitleAndTx" preserve="1">
   <p:cSld name="Vertical Title and Text">
     <p:spTree>
@@ -3578,13 +1604,17 @@
         </p:nvSpPr>
         <p:spPr>
           <a:xfrm>
-            <a:off x="7967673" y="609599"/>
-            <a:ext cx="1304743" cy="5251451"/>
+            <a:off x="9439111" y="798973"/>
+            <a:ext cx="1615742" cy="4659889"/>
           </a:xfrm>
         </p:spPr>
         <p:txBody>
-          <a:bodyPr vert="eaVert" anchor="ctr"/>
-          <a:lstStyle/>
+          <a:bodyPr vert="eaVert"/>
+          <a:lstStyle>
+            <a:lvl1pPr algn="l">
+              <a:defRPr/>
+            </a:lvl1pPr>
+          </a:lstStyle>
           <a:p>
             <a:r>
               <a:rPr lang="en-US"/>
@@ -3606,8 +1636,8 @@
         </p:nvSpPr>
         <p:spPr>
           <a:xfrm>
-            <a:off x="677335" y="609600"/>
-            <a:ext cx="7060150" cy="5251450"/>
+            <a:off x="1444672" y="798973"/>
+            <a:ext cx="7828830" cy="4659889"/>
           </a:xfrm>
         </p:spPr>
         <p:txBody>
@@ -3716,10 +1746,41 @@
           </a:p>
         </p:txBody>
       </p:sp>
+      <p:cxnSp>
+        <p:nvCxnSpPr>
+          <p:cNvPr id="15" name="Straight Connector 14"/>
+          <p:cNvCxnSpPr/>
+          <p:nvPr/>
+        </p:nvCxnSpPr>
+        <p:spPr>
+          <a:xfrm>
+            <a:off x="9439111" y="798973"/>
+            <a:ext cx="0" cy="4659889"/>
+          </a:xfrm>
+          <a:prstGeom prst="line">
+            <a:avLst/>
+          </a:prstGeom>
+          <a:ln w="31750"/>
+        </p:spPr>
+        <p:style>
+          <a:lnRef idx="3">
+            <a:schemeClr val="accent1"/>
+          </a:lnRef>
+          <a:fillRef idx="0">
+            <a:schemeClr val="accent1"/>
+          </a:fillRef>
+          <a:effectRef idx="2">
+            <a:schemeClr val="accent1"/>
+          </a:effectRef>
+          <a:fontRef idx="minor">
+            <a:schemeClr val="tx1"/>
+          </a:fontRef>
+        </p:style>
+      </p:cxnSp>
     </p:spTree>
     <p:extLst>
       <p:ext uri="{BB962C8B-B14F-4D97-AF65-F5344CB8AC3E}">
-        <p14:creationId xmlns:p14="http://schemas.microsoft.com/office/powerpoint/2010/main" val="4180338098"/>
+        <p14:creationId xmlns:p14="http://schemas.microsoft.com/office/powerpoint/2010/main" val="3682048249"/>
       </p:ext>
     </p:extLst>
   </p:cSld>
@@ -3758,14 +1819,8 @@
         </p:nvSpPr>
         <p:spPr/>
         <p:txBody>
-          <a:bodyPr>
-            <a:normAutofit/>
-          </a:bodyPr>
-          <a:lstStyle>
-            <a:lvl1pPr>
-              <a:defRPr sz="3600"/>
-            </a:lvl1pPr>
-          </a:lstStyle>
+          <a:bodyPr/>
+          <a:lstStyle/>
           <a:p>
             <a:r>
               <a:rPr lang="en-US"/>
@@ -3787,7 +1842,7 @@
         </p:nvSpPr>
         <p:spPr/>
         <p:txBody>
-          <a:bodyPr/>
+          <a:bodyPr anchor="t"/>
           <a:lstStyle/>
           <a:p>
             <a:pPr lvl="0"/>
@@ -3892,10 +1947,41 @@
           </a:p>
         </p:txBody>
       </p:sp>
+      <p:cxnSp>
+        <p:nvCxnSpPr>
+          <p:cNvPr id="33" name="Straight Connector 32"/>
+          <p:cNvCxnSpPr/>
+          <p:nvPr/>
+        </p:nvCxnSpPr>
+        <p:spPr>
+          <a:xfrm>
+            <a:off x="1453896" y="1847088"/>
+            <a:ext cx="9607522" cy="0"/>
+          </a:xfrm>
+          <a:prstGeom prst="line">
+            <a:avLst/>
+          </a:prstGeom>
+          <a:ln w="31750"/>
+        </p:spPr>
+        <p:style>
+          <a:lnRef idx="3">
+            <a:schemeClr val="accent1"/>
+          </a:lnRef>
+          <a:fillRef idx="0">
+            <a:schemeClr val="accent1"/>
+          </a:fillRef>
+          <a:effectRef idx="2">
+            <a:schemeClr val="accent1"/>
+          </a:effectRef>
+          <a:fontRef idx="minor">
+            <a:schemeClr val="tx1"/>
+          </a:fontRef>
+        </p:style>
+      </p:cxnSp>
     </p:spTree>
     <p:extLst>
       <p:ext uri="{BB962C8B-B14F-4D97-AF65-F5344CB8AC3E}">
-        <p14:creationId xmlns:p14="http://schemas.microsoft.com/office/powerpoint/2010/main" val="626890011"/>
+        <p14:creationId xmlns:p14="http://schemas.microsoft.com/office/powerpoint/2010/main" val="2435529235"/>
       </p:ext>
     </p:extLst>
   </p:cSld>
@@ -3934,15 +2020,17 @@
         </p:nvSpPr>
         <p:spPr>
           <a:xfrm>
-            <a:off x="677335" y="2700867"/>
-            <a:ext cx="8596668" cy="1826581"/>
+            <a:off x="1454239" y="1756130"/>
+            <a:ext cx="8643154" cy="1887950"/>
           </a:xfrm>
         </p:spPr>
         <p:txBody>
-          <a:bodyPr anchor="b"/>
+          <a:bodyPr anchor="b">
+            <a:normAutofit/>
+          </a:bodyPr>
           <a:lstStyle>
             <a:lvl1pPr algn="l">
-              <a:defRPr sz="4000" b="0" cap="none"/>
+              <a:defRPr sz="3600"/>
             </a:lvl1pPr>
           </a:lstStyle>
           <a:p>
@@ -3966,21 +2054,20 @@
         </p:nvSpPr>
         <p:spPr>
           <a:xfrm>
-            <a:off x="677335" y="4527448"/>
-            <a:ext cx="8596668" cy="860400"/>
+            <a:off x="1454239" y="3806195"/>
+            <a:ext cx="8630446" cy="1012929"/>
           </a:xfrm>
         </p:spPr>
         <p:txBody>
-          <a:bodyPr anchor="t"/>
+          <a:bodyPr tIns="91440">
+            <a:normAutofit/>
+          </a:bodyPr>
           <a:lstStyle>
             <a:lvl1pPr marL="0" indent="0" algn="l">
               <a:buNone/>
-              <a:defRPr sz="2000">
+              <a:defRPr sz="1800">
                 <a:solidFill>
-                  <a:schemeClr val="tx1">
-                    <a:lumMod val="50000"/>
-                    <a:lumOff val="50000"/>
-                  </a:schemeClr>
+                  <a:schemeClr val="tx1"/>
                 </a:solidFill>
               </a:defRPr>
             </a:lvl1pPr>
@@ -3996,7 +2083,7 @@
             </a:lvl2pPr>
             <a:lvl3pPr marL="914400" indent="0">
               <a:buNone/>
-              <a:defRPr sz="1600">
+              <a:defRPr sz="1800">
                 <a:solidFill>
                   <a:schemeClr val="tx1">
                     <a:tint val="75000"/>
@@ -4006,7 +2093,7 @@
             </a:lvl3pPr>
             <a:lvl4pPr marL="1371600" indent="0">
               <a:buNone/>
-              <a:defRPr sz="1400">
+              <a:defRPr sz="1600">
                 <a:solidFill>
                   <a:schemeClr val="tx1">
                     <a:tint val="75000"/>
@@ -4016,7 +2103,7 @@
             </a:lvl4pPr>
             <a:lvl5pPr marL="1828800" indent="0">
               <a:buNone/>
-              <a:defRPr sz="1400">
+              <a:defRPr sz="1600">
                 <a:solidFill>
                   <a:schemeClr val="tx1">
                     <a:tint val="75000"/>
@@ -4026,7 +2113,7 @@
             </a:lvl5pPr>
             <a:lvl6pPr marL="2286000" indent="0">
               <a:buNone/>
-              <a:defRPr sz="1400">
+              <a:defRPr sz="1600">
                 <a:solidFill>
                   <a:schemeClr val="tx1">
                     <a:tint val="75000"/>
@@ -4036,7 +2123,7 @@
             </a:lvl6pPr>
             <a:lvl7pPr marL="2743200" indent="0">
               <a:buNone/>
-              <a:defRPr sz="1400">
+              <a:defRPr sz="1600">
                 <a:solidFill>
                   <a:schemeClr val="tx1">
                     <a:tint val="75000"/>
@@ -4046,7 +2133,7 @@
             </a:lvl7pPr>
             <a:lvl8pPr marL="3200400" indent="0">
               <a:buNone/>
-              <a:defRPr sz="1400">
+              <a:defRPr sz="1600">
                 <a:solidFill>
                   <a:schemeClr val="tx1">
                     <a:tint val="75000"/>
@@ -4056,7 +2143,7 @@
             </a:lvl8pPr>
             <a:lvl9pPr marL="3657600" indent="0">
               <a:buNone/>
-              <a:defRPr sz="1400">
+              <a:defRPr sz="1600">
                 <a:solidFill>
                   <a:schemeClr val="tx1">
                     <a:tint val="75000"/>
@@ -4139,10 +2226,41 @@
           </a:p>
         </p:txBody>
       </p:sp>
+      <p:cxnSp>
+        <p:nvCxnSpPr>
+          <p:cNvPr id="15" name="Straight Connector 14"/>
+          <p:cNvCxnSpPr/>
+          <p:nvPr/>
+        </p:nvCxnSpPr>
+        <p:spPr>
+          <a:xfrm>
+            <a:off x="1454239" y="3804985"/>
+            <a:ext cx="8630446" cy="0"/>
+          </a:xfrm>
+          <a:prstGeom prst="line">
+            <a:avLst/>
+          </a:prstGeom>
+          <a:ln w="31750"/>
+        </p:spPr>
+        <p:style>
+          <a:lnRef idx="3">
+            <a:schemeClr val="accent1"/>
+          </a:lnRef>
+          <a:fillRef idx="0">
+            <a:schemeClr val="accent1"/>
+          </a:fillRef>
+          <a:effectRef idx="2">
+            <a:schemeClr val="accent1"/>
+          </a:effectRef>
+          <a:fontRef idx="minor">
+            <a:schemeClr val="tx1"/>
+          </a:fontRef>
+        </p:style>
+      </p:cxnSp>
     </p:spTree>
     <p:extLst>
       <p:ext uri="{BB962C8B-B14F-4D97-AF65-F5344CB8AC3E}">
-        <p14:creationId xmlns:p14="http://schemas.microsoft.com/office/powerpoint/2010/main" val="2157643147"/>
+        <p14:creationId xmlns:p14="http://schemas.microsoft.com/office/powerpoint/2010/main" val="3492179492"/>
       </p:ext>
     </p:extLst>
   </p:cSld>
@@ -4179,7 +2297,12 @@
             <p:ph type="title"/>
           </p:nvPr>
         </p:nvSpPr>
-        <p:spPr/>
+        <p:spPr>
+          <a:xfrm>
+            <a:off x="1449217" y="804889"/>
+            <a:ext cx="9605635" cy="1059305"/>
+          </a:xfrm>
+        </p:spPr>
         <p:txBody>
           <a:bodyPr/>
           <a:lstStyle/>
@@ -4204,8 +2327,8 @@
         </p:nvSpPr>
         <p:spPr>
           <a:xfrm>
-            <a:off x="677334" y="2160589"/>
-            <a:ext cx="4184035" cy="3880772"/>
+            <a:off x="1447331" y="2010878"/>
+            <a:ext cx="4645152" cy="3448595"/>
           </a:xfrm>
         </p:spPr>
         <p:txBody>
@@ -4261,8 +2384,8 @@
         </p:nvSpPr>
         <p:spPr>
           <a:xfrm>
-            <a:off x="5089970" y="2160589"/>
-            <a:ext cx="4184034" cy="3880773"/>
+            <a:off x="6413771" y="2017343"/>
+            <a:ext cx="4645152" cy="3441520"/>
           </a:xfrm>
         </p:spPr>
         <p:txBody>
@@ -4371,10 +2494,41 @@
           </a:p>
         </p:txBody>
       </p:sp>
+      <p:cxnSp>
+        <p:nvCxnSpPr>
+          <p:cNvPr id="35" name="Straight Connector 34"/>
+          <p:cNvCxnSpPr/>
+          <p:nvPr/>
+        </p:nvCxnSpPr>
+        <p:spPr>
+          <a:xfrm>
+            <a:off x="1453896" y="1847088"/>
+            <a:ext cx="9607522" cy="0"/>
+          </a:xfrm>
+          <a:prstGeom prst="line">
+            <a:avLst/>
+          </a:prstGeom>
+          <a:ln w="31750"/>
+        </p:spPr>
+        <p:style>
+          <a:lnRef idx="3">
+            <a:schemeClr val="accent1"/>
+          </a:lnRef>
+          <a:fillRef idx="0">
+            <a:schemeClr val="accent1"/>
+          </a:fillRef>
+          <a:effectRef idx="2">
+            <a:schemeClr val="accent1"/>
+          </a:effectRef>
+          <a:fontRef idx="minor">
+            <a:schemeClr val="tx1"/>
+          </a:fontRef>
+        </p:style>
+      </p:cxnSp>
     </p:spTree>
     <p:extLst>
       <p:ext uri="{BB962C8B-B14F-4D97-AF65-F5344CB8AC3E}">
-        <p14:creationId xmlns:p14="http://schemas.microsoft.com/office/powerpoint/2010/main" val="2622414946"/>
+        <p14:creationId xmlns:p14="http://schemas.microsoft.com/office/powerpoint/2010/main" val="3021945874"/>
       </p:ext>
     </p:extLst>
   </p:cSld>
@@ -4411,14 +2565,15 @@
             <p:ph type="title"/>
           </p:nvPr>
         </p:nvSpPr>
-        <p:spPr/>
-        <p:txBody>
-          <a:bodyPr/>
-          <a:lstStyle>
-            <a:lvl1pPr>
-              <a:defRPr/>
-            </a:lvl1pPr>
-          </a:lstStyle>
+        <p:spPr>
+          <a:xfrm>
+            <a:off x="1447191" y="804163"/>
+            <a:ext cx="9607661" cy="1056319"/>
+          </a:xfrm>
+        </p:spPr>
+        <p:txBody>
+          <a:bodyPr/>
+          <a:lstStyle/>
           <a:p>
             <a:r>
               <a:rPr lang="en-US"/>
@@ -4440,18 +2595,25 @@
         </p:nvSpPr>
         <p:spPr>
           <a:xfrm>
-            <a:off x="675745" y="2160983"/>
-            <a:ext cx="4185623" cy="576262"/>
+            <a:off x="1447191" y="2019549"/>
+            <a:ext cx="4645152" cy="801943"/>
           </a:xfrm>
         </p:spPr>
         <p:txBody>
           <a:bodyPr anchor="b">
-            <a:noAutofit/>
+            <a:normAutofit/>
           </a:bodyPr>
           <a:lstStyle>
             <a:lvl1pPr marL="0" indent="0">
+              <a:lnSpc>
+                <a:spcPct val="100000"/>
+              </a:lnSpc>
               <a:buNone/>
-              <a:defRPr sz="2400" b="0"/>
+              <a:defRPr sz="2200" b="0" cap="all" baseline="0">
+                <a:solidFill>
+                  <a:schemeClr val="accent1"/>
+                </a:solidFill>
+              </a:defRPr>
             </a:lvl1pPr>
             <a:lvl2pPr marL="457200" indent="0">
               <a:buNone/>
@@ -4507,14 +2669,12 @@
         </p:nvSpPr>
         <p:spPr>
           <a:xfrm>
-            <a:off x="675745" y="2737245"/>
-            <a:ext cx="4185623" cy="3304117"/>
+            <a:off x="1447191" y="2824269"/>
+            <a:ext cx="4645152" cy="2644457"/>
           </a:xfrm>
         </p:spPr>
         <p:txBody>
-          <a:bodyPr>
-            <a:normAutofit/>
-          </a:bodyPr>
+          <a:bodyPr/>
           <a:lstStyle/>
           <a:p>
             <a:pPr lvl="0"/>
@@ -4566,18 +2726,25 @@
         </p:nvSpPr>
         <p:spPr>
           <a:xfrm>
-            <a:off x="5088383" y="2160983"/>
-            <a:ext cx="4185618" cy="576262"/>
+            <a:off x="6412362" y="2023003"/>
+            <a:ext cx="4645152" cy="802237"/>
           </a:xfrm>
         </p:spPr>
         <p:txBody>
           <a:bodyPr anchor="b">
-            <a:noAutofit/>
+            <a:normAutofit/>
           </a:bodyPr>
           <a:lstStyle>
             <a:lvl1pPr marL="0" indent="0">
+              <a:lnSpc>
+                <a:spcPct val="100000"/>
+              </a:lnSpc>
               <a:buNone/>
-              <a:defRPr sz="2400" b="0"/>
+              <a:defRPr sz="2200" b="0" cap="all" baseline="0">
+                <a:solidFill>
+                  <a:schemeClr val="accent1"/>
+                </a:solidFill>
+              </a:defRPr>
             </a:lvl1pPr>
             <a:lvl2pPr marL="457200" indent="0">
               <a:buNone/>
@@ -4633,14 +2800,12 @@
         </p:nvSpPr>
         <p:spPr>
           <a:xfrm>
-            <a:off x="5088384" y="2737245"/>
-            <a:ext cx="4185617" cy="3304117"/>
+            <a:off x="6412362" y="2821491"/>
+            <a:ext cx="4645152" cy="2637371"/>
           </a:xfrm>
         </p:spPr>
         <p:txBody>
-          <a:bodyPr>
-            <a:normAutofit/>
-          </a:bodyPr>
+          <a:bodyPr/>
           <a:lstStyle/>
           <a:p>
             <a:pPr lvl="0"/>
@@ -4745,10 +2910,41 @@
           </a:p>
         </p:txBody>
       </p:sp>
+      <p:cxnSp>
+        <p:nvCxnSpPr>
+          <p:cNvPr id="29" name="Straight Connector 28"/>
+          <p:cNvCxnSpPr/>
+          <p:nvPr/>
+        </p:nvCxnSpPr>
+        <p:spPr>
+          <a:xfrm>
+            <a:off x="1453896" y="1847088"/>
+            <a:ext cx="9607522" cy="0"/>
+          </a:xfrm>
+          <a:prstGeom prst="line">
+            <a:avLst/>
+          </a:prstGeom>
+          <a:ln w="31750"/>
+        </p:spPr>
+        <p:style>
+          <a:lnRef idx="3">
+            <a:schemeClr val="accent1"/>
+          </a:lnRef>
+          <a:fillRef idx="0">
+            <a:schemeClr val="accent1"/>
+          </a:fillRef>
+          <a:effectRef idx="2">
+            <a:schemeClr val="accent1"/>
+          </a:effectRef>
+          <a:fontRef idx="minor">
+            <a:schemeClr val="tx1"/>
+          </a:fontRef>
+        </p:style>
+      </p:cxnSp>
     </p:spTree>
     <p:extLst>
       <p:ext uri="{BB962C8B-B14F-4D97-AF65-F5344CB8AC3E}">
-        <p14:creationId xmlns:p14="http://schemas.microsoft.com/office/powerpoint/2010/main" val="2400350222"/>
+        <p14:creationId xmlns:p14="http://schemas.microsoft.com/office/powerpoint/2010/main" val="48656074"/>
       </p:ext>
     </p:extLst>
   </p:cSld>
@@ -4785,12 +2981,7 @@
             <p:ph type="title"/>
           </p:nvPr>
         </p:nvSpPr>
-        <p:spPr>
-          <a:xfrm>
-            <a:off x="677334" y="609600"/>
-            <a:ext cx="8596668" cy="1320800"/>
-          </a:xfrm>
-        </p:spPr>
+        <p:spPr/>
         <p:txBody>
           <a:bodyPr/>
           <a:lstStyle/>
@@ -4868,10 +3059,41 @@
           </a:p>
         </p:txBody>
       </p:sp>
+      <p:cxnSp>
+        <p:nvCxnSpPr>
+          <p:cNvPr id="25" name="Straight Connector 24"/>
+          <p:cNvCxnSpPr/>
+          <p:nvPr/>
+        </p:nvCxnSpPr>
+        <p:spPr>
+          <a:xfrm>
+            <a:off x="1453896" y="1847088"/>
+            <a:ext cx="9607522" cy="0"/>
+          </a:xfrm>
+          <a:prstGeom prst="line">
+            <a:avLst/>
+          </a:prstGeom>
+          <a:ln w="31750"/>
+        </p:spPr>
+        <p:style>
+          <a:lnRef idx="3">
+            <a:schemeClr val="accent1"/>
+          </a:lnRef>
+          <a:fillRef idx="0">
+            <a:schemeClr val="accent1"/>
+          </a:fillRef>
+          <a:effectRef idx="2">
+            <a:schemeClr val="accent1"/>
+          </a:effectRef>
+          <a:fontRef idx="minor">
+            <a:schemeClr val="tx1"/>
+          </a:fontRef>
+        </p:style>
+      </p:cxnSp>
     </p:spTree>
     <p:extLst>
       <p:ext uri="{BB962C8B-B14F-4D97-AF65-F5344CB8AC3E}">
-        <p14:creationId xmlns:p14="http://schemas.microsoft.com/office/powerpoint/2010/main" val="2054142192"/>
+        <p14:creationId xmlns:p14="http://schemas.microsoft.com/office/powerpoint/2010/main" val="3042759999"/>
       </p:ext>
     </p:extLst>
   </p:cSld>
@@ -4966,7 +3188,7 @@
     </p:spTree>
     <p:extLst>
       <p:ext uri="{BB962C8B-B14F-4D97-AF65-F5344CB8AC3E}">
-        <p14:creationId xmlns:p14="http://schemas.microsoft.com/office/powerpoint/2010/main" val="377338693"/>
+        <p14:creationId xmlns:p14="http://schemas.microsoft.com/office/powerpoint/2010/main" val="3550596417"/>
       </p:ext>
     </p:extLst>
   </p:cSld>
@@ -5005,8 +3227,8 @@
         </p:nvSpPr>
         <p:spPr>
           <a:xfrm>
-            <a:off x="677334" y="1498604"/>
-            <a:ext cx="3854528" cy="1278466"/>
+            <a:off x="1444671" y="798973"/>
+            <a:ext cx="3273099" cy="2247117"/>
           </a:xfrm>
         </p:spPr>
         <p:txBody>
@@ -5014,8 +3236,8 @@
             <a:normAutofit/>
           </a:bodyPr>
           <a:lstStyle>
-            <a:lvl1pPr>
-              <a:defRPr sz="2000"/>
+            <a:lvl1pPr algn="l">
+              <a:defRPr sz="2400"/>
             </a:lvl1pPr>
           </a:lstStyle>
           <a:p>
@@ -5039,14 +3261,12 @@
         </p:nvSpPr>
         <p:spPr>
           <a:xfrm>
-            <a:off x="4760461" y="514924"/>
-            <a:ext cx="4513541" cy="5526437"/>
+            <a:off x="5043714" y="798974"/>
+            <a:ext cx="6012470" cy="4658826"/>
           </a:xfrm>
         </p:spPr>
         <p:txBody>
-          <a:bodyPr>
-            <a:normAutofit/>
-          </a:bodyPr>
+          <a:bodyPr anchor="ctr"/>
           <a:lstStyle/>
           <a:p>
             <a:pPr lvl="0"/>
@@ -5098,48 +3318,46 @@
         </p:nvSpPr>
         <p:spPr>
           <a:xfrm>
-            <a:off x="677334" y="2777069"/>
-            <a:ext cx="3854528" cy="2584449"/>
+            <a:off x="1444671" y="3205491"/>
+            <a:ext cx="3275013" cy="2248181"/>
           </a:xfrm>
         </p:spPr>
         <p:txBody>
-          <a:bodyPr>
-            <a:normAutofit/>
-          </a:bodyPr>
+          <a:bodyPr/>
           <a:lstStyle>
-            <a:lvl1pPr marL="0" indent="0">
+            <a:lvl1pPr marL="0" indent="0" algn="l">
               <a:buNone/>
-              <a:defRPr sz="1400"/>
+              <a:defRPr sz="1600"/>
             </a:lvl1pPr>
-            <a:lvl2pPr marL="457063" indent="0">
+            <a:lvl2pPr marL="457200" indent="0">
               <a:buNone/>
               <a:defRPr sz="1400"/>
             </a:lvl2pPr>
-            <a:lvl3pPr marL="914126" indent="0">
+            <a:lvl3pPr marL="914400" indent="0">
               <a:buNone/>
               <a:defRPr sz="1200"/>
             </a:lvl3pPr>
-            <a:lvl4pPr marL="1371189" indent="0">
+            <a:lvl4pPr marL="1371600" indent="0">
               <a:buNone/>
               <a:defRPr sz="1000"/>
             </a:lvl4pPr>
-            <a:lvl5pPr marL="1828251" indent="0">
+            <a:lvl5pPr marL="1828800" indent="0">
               <a:buNone/>
               <a:defRPr sz="1000"/>
             </a:lvl5pPr>
-            <a:lvl6pPr marL="2285314" indent="0">
+            <a:lvl6pPr marL="2286000" indent="0">
               <a:buNone/>
               <a:defRPr sz="1000"/>
             </a:lvl6pPr>
-            <a:lvl7pPr marL="2742377" indent="0">
+            <a:lvl7pPr marL="2743200" indent="0">
               <a:buNone/>
               <a:defRPr sz="1000"/>
             </a:lvl7pPr>
-            <a:lvl8pPr marL="3199440" indent="0">
+            <a:lvl8pPr marL="3200400" indent="0">
               <a:buNone/>
               <a:defRPr sz="1000"/>
             </a:lvl8pPr>
-            <a:lvl9pPr marL="3656503" indent="0">
+            <a:lvl9pPr marL="3657600" indent="0">
               <a:buNone/>
               <a:defRPr sz="1000"/>
             </a:lvl9pPr>
@@ -5218,10 +3436,41 @@
           </a:p>
         </p:txBody>
       </p:sp>
+      <p:cxnSp>
+        <p:nvCxnSpPr>
+          <p:cNvPr id="17" name="Straight Connector 16"/>
+          <p:cNvCxnSpPr/>
+          <p:nvPr/>
+        </p:nvCxnSpPr>
+        <p:spPr>
+          <a:xfrm>
+            <a:off x="1448280" y="3205491"/>
+            <a:ext cx="3269490" cy="0"/>
+          </a:xfrm>
+          <a:prstGeom prst="line">
+            <a:avLst/>
+          </a:prstGeom>
+          <a:ln w="31750"/>
+        </p:spPr>
+        <p:style>
+          <a:lnRef idx="3">
+            <a:schemeClr val="accent1"/>
+          </a:lnRef>
+          <a:fillRef idx="0">
+            <a:schemeClr val="accent1"/>
+          </a:fillRef>
+          <a:effectRef idx="2">
+            <a:schemeClr val="accent1"/>
+          </a:effectRef>
+          <a:fontRef idx="minor">
+            <a:schemeClr val="tx1"/>
+          </a:fontRef>
+        </p:style>
+      </p:cxnSp>
     </p:spTree>
     <p:extLst>
       <p:ext uri="{BB962C8B-B14F-4D97-AF65-F5344CB8AC3E}">
-        <p14:creationId xmlns:p14="http://schemas.microsoft.com/office/powerpoint/2010/main" val="2960583672"/>
+        <p14:creationId xmlns:p14="http://schemas.microsoft.com/office/powerpoint/2010/main" val="3516656369"/>
       </p:ext>
     </p:extLst>
   </p:cSld>
@@ -5248,409 +3497,62 @@
           <a:chExt cx="0" cy="0"/>
         </a:xfrm>
       </p:grpSpPr>
-      <p:sp>
-        <p:nvSpPr>
-          <p:cNvPr id="2" name="Title 1"/>
-          <p:cNvSpPr>
-            <a:spLocks noGrp="1"/>
-          </p:cNvSpPr>
-          <p:nvPr>
-            <p:ph type="title"/>
-          </p:nvPr>
-        </p:nvSpPr>
-        <p:spPr>
-          <a:xfrm>
-            <a:off x="677334" y="4800600"/>
-            <a:ext cx="8596667" cy="566738"/>
-          </a:xfrm>
-        </p:spPr>
-        <p:txBody>
-          <a:bodyPr anchor="b">
-            <a:normAutofit/>
-          </a:bodyPr>
-          <a:lstStyle>
-            <a:lvl1pPr algn="l">
-              <a:defRPr sz="2400" b="0"/>
-            </a:lvl1pPr>
-          </a:lstStyle>
-          <a:p>
-            <a:r>
-              <a:rPr lang="en-US"/>
-              <a:t>Click to edit Master title style</a:t>
-            </a:r>
-            <a:endParaRPr lang="en-US" dirty="0"/>
-          </a:p>
-        </p:txBody>
-      </p:sp>
-      <p:sp>
-        <p:nvSpPr>
-          <p:cNvPr id="3" name="Picture Placeholder 2"/>
-          <p:cNvSpPr>
-            <a:spLocks noGrp="1" noChangeAspect="1"/>
-          </p:cNvSpPr>
-          <p:nvPr>
-            <p:ph type="pic" idx="1"/>
-          </p:nvPr>
-        </p:nvSpPr>
-        <p:spPr>
-          <a:xfrm>
-            <a:off x="677334" y="609600"/>
-            <a:ext cx="8596668" cy="3845718"/>
-          </a:xfrm>
-        </p:spPr>
-        <p:txBody>
-          <a:bodyPr anchor="t">
-            <a:normAutofit/>
-          </a:bodyPr>
-          <a:lstStyle>
-            <a:lvl1pPr marL="0" indent="0" algn="ctr">
-              <a:buNone/>
-              <a:defRPr sz="1600"/>
-            </a:lvl1pPr>
-            <a:lvl2pPr marL="457200" indent="0">
-              <a:buNone/>
-              <a:defRPr sz="1600"/>
-            </a:lvl2pPr>
-            <a:lvl3pPr marL="914400" indent="0">
-              <a:buNone/>
-              <a:defRPr sz="1600"/>
-            </a:lvl3pPr>
-            <a:lvl4pPr marL="1371600" indent="0">
-              <a:buNone/>
-              <a:defRPr sz="1600"/>
-            </a:lvl4pPr>
-            <a:lvl5pPr marL="1828800" indent="0">
-              <a:buNone/>
-              <a:defRPr sz="1600"/>
-            </a:lvl5pPr>
-            <a:lvl6pPr marL="2286000" indent="0">
-              <a:buNone/>
-              <a:defRPr sz="1600"/>
-            </a:lvl6pPr>
-            <a:lvl7pPr marL="2743200" indent="0">
-              <a:buNone/>
-              <a:defRPr sz="1600"/>
-            </a:lvl7pPr>
-            <a:lvl8pPr marL="3200400" indent="0">
-              <a:buNone/>
-              <a:defRPr sz="1600"/>
-            </a:lvl8pPr>
-            <a:lvl9pPr marL="3657600" indent="0">
-              <a:buNone/>
-              <a:defRPr sz="1600"/>
-            </a:lvl9pPr>
-          </a:lstStyle>
-          <a:p>
-            <a:r>
-              <a:rPr lang="en-US"/>
-              <a:t>Click icon to add picture</a:t>
-            </a:r>
-            <a:endParaRPr lang="en-US" dirty="0"/>
-          </a:p>
-        </p:txBody>
-      </p:sp>
-      <p:sp>
-        <p:nvSpPr>
-          <p:cNvPr id="4" name="Text Placeholder 3"/>
-          <p:cNvSpPr>
-            <a:spLocks noGrp="1"/>
-          </p:cNvSpPr>
-          <p:nvPr>
-            <p:ph type="body" sz="half" idx="2"/>
-          </p:nvPr>
-        </p:nvSpPr>
-        <p:spPr>
-          <a:xfrm>
-            <a:off x="677334" y="5367338"/>
-            <a:ext cx="8596667" cy="674024"/>
-          </a:xfrm>
-        </p:spPr>
-        <p:txBody>
-          <a:bodyPr>
-            <a:normAutofit/>
-          </a:bodyPr>
-          <a:lstStyle>
-            <a:lvl1pPr marL="0" indent="0">
-              <a:buNone/>
-              <a:defRPr sz="1200"/>
-            </a:lvl1pPr>
-            <a:lvl2pPr marL="457200" indent="0">
-              <a:buNone/>
-              <a:defRPr sz="1200"/>
-            </a:lvl2pPr>
-            <a:lvl3pPr marL="914400" indent="0">
-              <a:buNone/>
-              <a:defRPr sz="1000"/>
-            </a:lvl3pPr>
-            <a:lvl4pPr marL="1371600" indent="0">
-              <a:buNone/>
-              <a:defRPr sz="900"/>
-            </a:lvl4pPr>
-            <a:lvl5pPr marL="1828800" indent="0">
-              <a:buNone/>
-              <a:defRPr sz="900"/>
-            </a:lvl5pPr>
-            <a:lvl6pPr marL="2286000" indent="0">
-              <a:buNone/>
-              <a:defRPr sz="900"/>
-            </a:lvl6pPr>
-            <a:lvl7pPr marL="2743200" indent="0">
-              <a:buNone/>
-              <a:defRPr sz="900"/>
-            </a:lvl7pPr>
-            <a:lvl8pPr marL="3200400" indent="0">
-              <a:buNone/>
-              <a:defRPr sz="900"/>
-            </a:lvl8pPr>
-            <a:lvl9pPr marL="3657600" indent="0">
-              <a:buNone/>
-              <a:defRPr sz="900"/>
-            </a:lvl9pPr>
-          </a:lstStyle>
-          <a:p>
-            <a:pPr lvl="0"/>
-            <a:r>
-              <a:rPr lang="en-US"/>
-              <a:t>Edit Master text styles</a:t>
-            </a:r>
-          </a:p>
-        </p:txBody>
-      </p:sp>
-      <p:sp>
-        <p:nvSpPr>
-          <p:cNvPr id="5" name="Date Placeholder 4"/>
-          <p:cNvSpPr>
-            <a:spLocks noGrp="1"/>
-          </p:cNvSpPr>
-          <p:nvPr>
-            <p:ph type="dt" sz="half" idx="10"/>
-          </p:nvPr>
-        </p:nvSpPr>
-        <p:spPr/>
-        <p:txBody>
-          <a:bodyPr/>
-          <a:lstStyle/>
-          <a:p>
-            <a:fld id="{932FC6B7-331F-4E3E-AD33-1AC7D2AC5F52}" type="datetimeFigureOut">
-              <a:rPr lang="en-US" smtClean="0"/>
-              <a:t>7/13/2018</a:t>
-            </a:fld>
-            <a:endParaRPr lang="en-US"/>
-          </a:p>
-        </p:txBody>
-      </p:sp>
-      <p:sp>
-        <p:nvSpPr>
-          <p:cNvPr id="6" name="Footer Placeholder 5"/>
-          <p:cNvSpPr>
-            <a:spLocks noGrp="1"/>
-          </p:cNvSpPr>
-          <p:nvPr>
-            <p:ph type="ftr" sz="quarter" idx="11"/>
-          </p:nvPr>
-        </p:nvSpPr>
-        <p:spPr/>
-        <p:txBody>
-          <a:bodyPr/>
-          <a:lstStyle/>
-          <a:p>
-            <a:endParaRPr lang="en-US"/>
-          </a:p>
-        </p:txBody>
-      </p:sp>
-      <p:sp>
-        <p:nvSpPr>
-          <p:cNvPr id="7" name="Slide Number Placeholder 6"/>
-          <p:cNvSpPr>
-            <a:spLocks noGrp="1"/>
-          </p:cNvSpPr>
-          <p:nvPr>
-            <p:ph type="sldNum" sz="quarter" idx="12"/>
-          </p:nvPr>
-        </p:nvSpPr>
-        <p:spPr/>
-        <p:txBody>
-          <a:bodyPr/>
-          <a:lstStyle/>
-          <a:p>
-            <a:fld id="{ADBB3FC3-297A-44E9-A9FA-81094813C861}" type="slidenum">
-              <a:rPr lang="en-US" smtClean="0"/>
-              <a:t>‹#›</a:t>
-            </a:fld>
-            <a:endParaRPr lang="en-US"/>
-          </a:p>
-        </p:txBody>
-      </p:sp>
-    </p:spTree>
-    <p:extLst>
-      <p:ext uri="{BB962C8B-B14F-4D97-AF65-F5344CB8AC3E}">
-        <p14:creationId xmlns:p14="http://schemas.microsoft.com/office/powerpoint/2010/main" val="453985916"/>
-      </p:ext>
-    </p:extLst>
-  </p:cSld>
-  <p:clrMapOvr>
-    <a:masterClrMapping/>
-  </p:clrMapOvr>
-</p:sldLayout>
-</file>
-
-<file path=ppt/slideMasters/slideMaster1.xml><?xml version="1.0" encoding="utf-8"?>
-<p:sldMaster xmlns:a="http://schemas.openxmlformats.org/drawingml/2006/main" xmlns:r="http://schemas.openxmlformats.org/officeDocument/2006/relationships" xmlns:p="http://schemas.openxmlformats.org/presentationml/2006/main">
-  <p:cSld>
-    <p:bg>
-      <p:bgRef idx="1001">
-        <a:schemeClr val="bg1"/>
-      </p:bgRef>
-    </p:bg>
-    <p:spTree>
-      <p:nvGrpSpPr>
-        <p:cNvPr id="1" name=""/>
-        <p:cNvGrpSpPr/>
-        <p:nvPr/>
-      </p:nvGrpSpPr>
-      <p:grpSpPr>
-        <a:xfrm>
-          <a:off x="0" y="0"/>
-          <a:ext cx="0" cy="0"/>
-          <a:chOff x="0" y="0"/>
-          <a:chExt cx="0" cy="0"/>
-        </a:xfrm>
-      </p:grpSpPr>
       <p:grpSp>
         <p:nvGrpSpPr>
-          <p:cNvPr id="7" name="Group 6"/>
+          <p:cNvPr id="8" name="Group 7"/>
           <p:cNvGrpSpPr/>
           <p:nvPr/>
         </p:nvGrpSpPr>
         <p:grpSpPr>
           <a:xfrm>
-            <a:off x="0" y="-8467"/>
-            <a:ext cx="12192000" cy="6866467"/>
-            <a:chOff x="0" y="-8467"/>
-            <a:chExt cx="12192000" cy="6866467"/>
+            <a:off x="7477387" y="482170"/>
+            <a:ext cx="4074533" cy="5149101"/>
+            <a:chOff x="7477387" y="482170"/>
+            <a:chExt cx="4074533" cy="5149101"/>
           </a:xfrm>
         </p:grpSpPr>
-        <p:cxnSp>
-          <p:nvCxnSpPr>
-            <p:cNvPr id="20" name="Straight Connector 19"/>
-            <p:cNvCxnSpPr/>
-            <p:nvPr/>
-          </p:nvCxnSpPr>
-          <p:spPr>
-            <a:xfrm>
-              <a:off x="9371012" y="0"/>
-              <a:ext cx="1219200" cy="6858000"/>
-            </a:xfrm>
-            <a:prstGeom prst="line">
-              <a:avLst/>
-            </a:prstGeom>
-            <a:ln w="9525">
-              <a:solidFill>
-                <a:schemeClr val="bg1">
-                  <a:lumMod val="75000"/>
-                </a:schemeClr>
-              </a:solidFill>
-            </a:ln>
-          </p:spPr>
-          <p:style>
-            <a:lnRef idx="2">
-              <a:schemeClr val="accent1"/>
-            </a:lnRef>
-            <a:fillRef idx="0">
-              <a:schemeClr val="accent1"/>
-            </a:fillRef>
-            <a:effectRef idx="1">
-              <a:schemeClr val="accent1"/>
-            </a:effectRef>
-            <a:fontRef idx="minor">
-              <a:schemeClr val="tx1"/>
-            </a:fontRef>
-          </p:style>
-        </p:cxnSp>
-        <p:cxnSp>
-          <p:nvCxnSpPr>
-            <p:cNvPr id="21" name="Straight Connector 20"/>
-            <p:cNvCxnSpPr/>
-            <p:nvPr/>
-          </p:nvCxnSpPr>
-          <p:spPr>
-            <a:xfrm flipH="1">
-              <a:off x="7425267" y="3681413"/>
-              <a:ext cx="4763558" cy="3176587"/>
-            </a:xfrm>
-            <a:prstGeom prst="line">
-              <a:avLst/>
-            </a:prstGeom>
-            <a:ln w="9525">
-              <a:solidFill>
-                <a:schemeClr val="bg1">
-                  <a:lumMod val="85000"/>
-                </a:schemeClr>
-              </a:solidFill>
-            </a:ln>
-          </p:spPr>
-          <p:style>
-            <a:lnRef idx="2">
-              <a:schemeClr val="accent1"/>
-            </a:lnRef>
-            <a:fillRef idx="0">
-              <a:schemeClr val="accent1"/>
-            </a:fillRef>
-            <a:effectRef idx="1">
-              <a:schemeClr val="accent1"/>
-            </a:effectRef>
-            <a:fontRef idx="minor">
-              <a:schemeClr val="tx1"/>
-            </a:fontRef>
-          </p:style>
-        </p:cxnSp>
         <p:sp>
           <p:nvSpPr>
-            <p:cNvPr id="22" name="Rectangle 23"/>
+            <p:cNvPr id="18" name="Rectangle 17"/>
             <p:cNvSpPr/>
             <p:nvPr/>
           </p:nvSpPr>
-          <p:spPr>
+          <p:spPr bwMode="black">
             <a:xfrm>
-              <a:off x="9181476" y="-8467"/>
-              <a:ext cx="3007349" cy="6866467"/>
+              <a:off x="7477387" y="482170"/>
+              <a:ext cx="4074533" cy="5149101"/>
             </a:xfrm>
-            <a:custGeom>
+            <a:prstGeom prst="rect">
               <a:avLst/>
-              <a:gdLst/>
-              <a:ahLst/>
-              <a:cxnLst/>
-              <a:rect l="l" t="t" r="r" b="b"/>
-              <a:pathLst>
-                <a:path w="3007349" h="6866467">
-                  <a:moveTo>
-                    <a:pt x="2045532" y="0"/>
-                  </a:moveTo>
-                  <a:lnTo>
-                    <a:pt x="3007349" y="0"/>
-                  </a:lnTo>
-                  <a:lnTo>
-                    <a:pt x="3007349" y="6866467"/>
-                  </a:lnTo>
-                  <a:lnTo>
-                    <a:pt x="0" y="6866467"/>
-                  </a:lnTo>
-                  <a:lnTo>
-                    <a:pt x="2045532" y="0"/>
-                  </a:lnTo>
-                  <a:close/>
-                </a:path>
-              </a:pathLst>
-            </a:custGeom>
-            <a:solidFill>
-              <a:schemeClr val="accent1">
-                <a:alpha val="30000"/>
-              </a:schemeClr>
-            </a:solidFill>
-            <a:ln>
+            </a:prstGeom>
+            <a:gradFill>
+              <a:gsLst>
+                <a:gs pos="0">
+                  <a:srgbClr val="000001"/>
+                </a:gs>
+                <a:gs pos="100000">
+                  <a:srgbClr val="191919"/>
+                </a:gs>
+              </a:gsLst>
+            </a:gradFill>
+            <a:ln w="76200" cmpd="sng">
               <a:noFill/>
+              <a:miter lim="800000"/>
             </a:ln>
-            <a:effectLst/>
+            <a:effectLst>
+              <a:outerShdw blurRad="127000" dist="228600" dir="4740000" sx="98000" sy="98000" algn="tl" rotWithShape="0">
+                <a:srgbClr val="000000">
+                  <a:alpha val="34000"/>
+                </a:srgbClr>
+              </a:outerShdw>
+            </a:effectLst>
+            <a:scene3d>
+              <a:camera prst="orthographicFront"/>
+              <a:lightRig rig="threePt" dir="t"/>
+            </a:scene3d>
+            <a:sp3d>
+              <a:bevelT w="152400" h="50800" prst="softRound"/>
+            </a:sp3d>
           </p:spPr>
           <p:style>
             <a:lnRef idx="1">
@@ -5669,366 +3571,49 @@
         </p:sp>
         <p:sp>
           <p:nvSpPr>
-            <p:cNvPr id="23" name="Rectangle 25"/>
+            <p:cNvPr id="19" name="Rectangle 18"/>
             <p:cNvSpPr/>
             <p:nvPr/>
           </p:nvSpPr>
-          <p:spPr>
+          <p:spPr bwMode="blackWhite">
             <a:xfrm>
-              <a:off x="9603442" y="-8467"/>
-              <a:ext cx="2588558" cy="6866467"/>
+              <a:off x="7790446" y="812506"/>
+              <a:ext cx="3450289" cy="4466452"/>
             </a:xfrm>
-            <a:custGeom>
+            <a:prstGeom prst="rect">
               <a:avLst/>
-              <a:gdLst/>
-              <a:ahLst/>
-              <a:cxnLst/>
-              <a:rect l="l" t="t" r="r" b="b"/>
-              <a:pathLst>
-                <a:path w="2573311" h="6866467">
-                  <a:moveTo>
-                    <a:pt x="0" y="0"/>
-                  </a:moveTo>
-                  <a:lnTo>
-                    <a:pt x="2573311" y="0"/>
-                  </a:lnTo>
-                  <a:lnTo>
-                    <a:pt x="2573311" y="6866467"/>
-                  </a:lnTo>
-                  <a:lnTo>
-                    <a:pt x="1202336" y="6866467"/>
-                  </a:lnTo>
-                  <a:lnTo>
-                    <a:pt x="0" y="0"/>
-                  </a:lnTo>
-                  <a:close/>
-                </a:path>
-              </a:pathLst>
-            </a:custGeom>
-            <a:solidFill>
-              <a:schemeClr val="accent1">
-                <a:alpha val="20000"/>
-              </a:schemeClr>
-            </a:solidFill>
-            <a:ln>
-              <a:noFill/>
+            </a:prstGeom>
+            <a:gradFill>
+              <a:gsLst>
+                <a:gs pos="0">
+                  <a:srgbClr val="DADADA"/>
+                </a:gs>
+                <a:gs pos="100000">
+                  <a:srgbClr val="FFFFFE"/>
+                </a:gs>
+              </a:gsLst>
+              <a:lin ang="16200000" scaled="0"/>
+            </a:gradFill>
+            <a:ln w="50800" cmpd="sng">
+              <a:solidFill>
+                <a:srgbClr val="191919"/>
+              </a:solidFill>
+              <a:miter lim="800000"/>
             </a:ln>
-            <a:effectLst/>
-          </p:spPr>
-          <p:style>
-            <a:lnRef idx="1">
-              <a:schemeClr val="accent1"/>
-            </a:lnRef>
-            <a:fillRef idx="3">
-              <a:schemeClr val="accent1"/>
-            </a:fillRef>
-            <a:effectRef idx="2">
-              <a:schemeClr val="accent1"/>
-            </a:effectRef>
-            <a:fontRef idx="minor">
-              <a:schemeClr val="lt1"/>
-            </a:fontRef>
-          </p:style>
-        </p:sp>
-        <p:sp>
-          <p:nvSpPr>
-            <p:cNvPr id="24" name="Isosceles Triangle 23"/>
-            <p:cNvSpPr/>
-            <p:nvPr/>
-          </p:nvSpPr>
-          <p:spPr>
-            <a:xfrm>
-              <a:off x="8932333" y="3048000"/>
-              <a:ext cx="3259667" cy="3810000"/>
-            </a:xfrm>
-            <a:prstGeom prst="triangle">
-              <a:avLst>
-                <a:gd name="adj" fmla="val 100000"/>
-              </a:avLst>
-            </a:prstGeom>
-            <a:solidFill>
-              <a:schemeClr val="accent2">
-                <a:alpha val="72000"/>
-              </a:schemeClr>
-            </a:solidFill>
-            <a:ln>
-              <a:noFill/>
-            </a:ln>
-            <a:effectLst/>
-          </p:spPr>
-          <p:style>
-            <a:lnRef idx="1">
-              <a:schemeClr val="accent1"/>
-            </a:lnRef>
-            <a:fillRef idx="3">
-              <a:schemeClr val="accent1"/>
-            </a:fillRef>
-            <a:effectRef idx="2">
-              <a:schemeClr val="accent1"/>
-            </a:effectRef>
-            <a:fontRef idx="minor">
-              <a:schemeClr val="lt1"/>
-            </a:fontRef>
-          </p:style>
-        </p:sp>
-        <p:sp>
-          <p:nvSpPr>
-            <p:cNvPr id="25" name="Rectangle 27"/>
-            <p:cNvSpPr/>
-            <p:nvPr/>
-          </p:nvSpPr>
-          <p:spPr>
-            <a:xfrm>
-              <a:off x="9334500" y="-8467"/>
-              <a:ext cx="2854326" cy="6866467"/>
-            </a:xfrm>
-            <a:custGeom>
-              <a:avLst/>
-              <a:gdLst/>
-              <a:ahLst/>
-              <a:cxnLst/>
-              <a:rect l="l" t="t" r="r" b="b"/>
-              <a:pathLst>
-                <a:path w="2858013" h="6866467">
-                  <a:moveTo>
-                    <a:pt x="0" y="0"/>
-                  </a:moveTo>
-                  <a:lnTo>
-                    <a:pt x="2858013" y="0"/>
-                  </a:lnTo>
-                  <a:lnTo>
-                    <a:pt x="2858013" y="6866467"/>
-                  </a:lnTo>
-                  <a:lnTo>
-                    <a:pt x="2473942" y="6866467"/>
-                  </a:lnTo>
-                  <a:lnTo>
-                    <a:pt x="0" y="0"/>
-                  </a:lnTo>
-                  <a:close/>
-                </a:path>
-              </a:pathLst>
-            </a:custGeom>
-            <a:solidFill>
-              <a:schemeClr val="accent2">
-                <a:lumMod val="75000"/>
-                <a:alpha val="70000"/>
-              </a:schemeClr>
-            </a:solidFill>
-            <a:ln>
-              <a:noFill/>
-            </a:ln>
-            <a:effectLst/>
-          </p:spPr>
-          <p:style>
-            <a:lnRef idx="1">
-              <a:schemeClr val="accent1"/>
-            </a:lnRef>
-            <a:fillRef idx="3">
-              <a:schemeClr val="accent1"/>
-            </a:fillRef>
-            <a:effectRef idx="2">
-              <a:schemeClr val="accent1"/>
-            </a:effectRef>
-            <a:fontRef idx="minor">
-              <a:schemeClr val="lt1"/>
-            </a:fontRef>
-          </p:style>
-        </p:sp>
-        <p:sp>
-          <p:nvSpPr>
-            <p:cNvPr id="26" name="Rectangle 28"/>
-            <p:cNvSpPr/>
-            <p:nvPr/>
-          </p:nvSpPr>
-          <p:spPr>
-            <a:xfrm>
-              <a:off x="10898730" y="-8467"/>
-              <a:ext cx="1290094" cy="6866467"/>
-            </a:xfrm>
-            <a:custGeom>
-              <a:avLst/>
-              <a:gdLst/>
-              <a:ahLst/>
-              <a:cxnLst/>
-              <a:rect l="l" t="t" r="r" b="b"/>
-              <a:pathLst>
-                <a:path w="1290094" h="6858000">
-                  <a:moveTo>
-                    <a:pt x="1019735" y="0"/>
-                  </a:moveTo>
-                  <a:lnTo>
-                    <a:pt x="1290094" y="0"/>
-                  </a:lnTo>
-                  <a:lnTo>
-                    <a:pt x="1290094" y="6858000"/>
-                  </a:lnTo>
-                  <a:lnTo>
-                    <a:pt x="0" y="6858000"/>
-                  </a:lnTo>
-                  <a:lnTo>
-                    <a:pt x="1019735" y="0"/>
-                  </a:lnTo>
-                  <a:close/>
-                </a:path>
-              </a:pathLst>
-            </a:custGeom>
-            <a:solidFill>
-              <a:schemeClr val="accent1">
-                <a:lumMod val="60000"/>
-                <a:lumOff val="40000"/>
-                <a:alpha val="70000"/>
-              </a:schemeClr>
-            </a:solidFill>
-            <a:ln>
-              <a:noFill/>
-            </a:ln>
-            <a:effectLst/>
-          </p:spPr>
-          <p:style>
-            <a:lnRef idx="1">
-              <a:schemeClr val="accent1"/>
-            </a:lnRef>
-            <a:fillRef idx="3">
-              <a:schemeClr val="accent1"/>
-            </a:fillRef>
-            <a:effectRef idx="2">
-              <a:schemeClr val="accent1"/>
-            </a:effectRef>
-            <a:fontRef idx="minor">
-              <a:schemeClr val="lt1"/>
-            </a:fontRef>
-          </p:style>
-        </p:sp>
-        <p:sp>
-          <p:nvSpPr>
-            <p:cNvPr id="27" name="Rectangle 29"/>
-            <p:cNvSpPr/>
-            <p:nvPr/>
-          </p:nvSpPr>
-          <p:spPr>
-            <a:xfrm>
-              <a:off x="10938999" y="-8467"/>
-              <a:ext cx="1249825" cy="6866467"/>
-            </a:xfrm>
-            <a:custGeom>
-              <a:avLst/>
-              <a:gdLst/>
-              <a:ahLst/>
-              <a:cxnLst/>
-              <a:rect l="l" t="t" r="r" b="b"/>
-              <a:pathLst>
-                <a:path w="1249825" h="6858000">
-                  <a:moveTo>
-                    <a:pt x="0" y="0"/>
-                  </a:moveTo>
-                  <a:lnTo>
-                    <a:pt x="1249825" y="0"/>
-                  </a:lnTo>
-                  <a:lnTo>
-                    <a:pt x="1249825" y="6858000"/>
-                  </a:lnTo>
-                  <a:lnTo>
-                    <a:pt x="1109382" y="6858000"/>
-                  </a:lnTo>
-                  <a:lnTo>
-                    <a:pt x="0" y="0"/>
-                  </a:lnTo>
-                  <a:close/>
-                </a:path>
-              </a:pathLst>
-            </a:custGeom>
-            <a:solidFill>
-              <a:schemeClr val="accent1">
-                <a:alpha val="65000"/>
-              </a:schemeClr>
-            </a:solidFill>
-            <a:ln>
-              <a:noFill/>
-            </a:ln>
-            <a:effectLst/>
-          </p:spPr>
-          <p:style>
-            <a:lnRef idx="1">
-              <a:schemeClr val="accent1"/>
-            </a:lnRef>
-            <a:fillRef idx="3">
-              <a:schemeClr val="accent1"/>
-            </a:fillRef>
-            <a:effectRef idx="2">
-              <a:schemeClr val="accent1"/>
-            </a:effectRef>
-            <a:fontRef idx="minor">
-              <a:schemeClr val="lt1"/>
-            </a:fontRef>
-          </p:style>
-        </p:sp>
-        <p:sp>
-          <p:nvSpPr>
-            <p:cNvPr id="28" name="Isosceles Triangle 27"/>
-            <p:cNvSpPr/>
-            <p:nvPr/>
-          </p:nvSpPr>
-          <p:spPr>
-            <a:xfrm>
-              <a:off x="10371666" y="3589867"/>
-              <a:ext cx="1817159" cy="3268133"/>
-            </a:xfrm>
-            <a:prstGeom prst="triangle">
-              <a:avLst>
-                <a:gd name="adj" fmla="val 100000"/>
-              </a:avLst>
-            </a:prstGeom>
-            <a:solidFill>
-              <a:schemeClr val="accent1">
-                <a:alpha val="80000"/>
-              </a:schemeClr>
-            </a:solidFill>
-            <a:ln>
-              <a:noFill/>
-            </a:ln>
-            <a:effectLst/>
-          </p:spPr>
-          <p:style>
-            <a:lnRef idx="1">
-              <a:schemeClr val="accent1"/>
-            </a:lnRef>
-            <a:fillRef idx="3">
-              <a:schemeClr val="accent1"/>
-            </a:fillRef>
-            <a:effectRef idx="2">
-              <a:schemeClr val="accent1"/>
-            </a:effectRef>
-            <a:fontRef idx="minor">
-              <a:schemeClr val="lt1"/>
-            </a:fontRef>
-          </p:style>
-        </p:sp>
-        <p:sp>
-          <p:nvSpPr>
-            <p:cNvPr id="29" name="Isosceles Triangle 28"/>
-            <p:cNvSpPr/>
-            <p:nvPr/>
-          </p:nvSpPr>
-          <p:spPr>
-            <a:xfrm>
-              <a:off x="0" y="4013200"/>
-              <a:ext cx="448733" cy="2844800"/>
-            </a:xfrm>
-            <a:prstGeom prst="triangle">
-              <a:avLst>
-                <a:gd name="adj" fmla="val 0"/>
-              </a:avLst>
-            </a:prstGeom>
-            <a:solidFill>
-              <a:schemeClr val="accent1">
-                <a:alpha val="85000"/>
-              </a:schemeClr>
-            </a:solidFill>
-            <a:ln>
-              <a:noFill/>
-            </a:ln>
-            <a:effectLst/>
+            <a:effectLst>
+              <a:innerShdw blurRad="63500" dist="88900" dir="14100000">
+                <a:srgbClr val="000000">
+                  <a:alpha val="30000"/>
+                </a:srgbClr>
+              </a:innerShdw>
+            </a:effectLst>
+            <a:scene3d>
+              <a:camera prst="orthographicFront"/>
+              <a:lightRig rig="threePt" dir="t"/>
+            </a:scene3d>
+            <a:sp3d>
+              <a:bevelT prst="relaxedInset"/>
+            </a:sp3d>
           </p:spPr>
           <p:style>
             <a:lnRef idx="1">
@@ -6048,7 +3633,7 @@
       </p:grpSp>
       <p:sp>
         <p:nvSpPr>
-          <p:cNvPr id="2" name="Title Placeholder 1"/>
+          <p:cNvPr id="2" name="Title 1"/>
           <p:cNvSpPr>
             <a:spLocks noGrp="1"/>
           </p:cNvSpPr>
@@ -6058,84 +3643,421 @@
         </p:nvSpPr>
         <p:spPr>
           <a:xfrm>
-            <a:off x="677334" y="609600"/>
-            <a:ext cx="8596668" cy="1320800"/>
+            <a:off x="1451206" y="1129513"/>
+            <a:ext cx="5532328" cy="1830584"/>
+          </a:xfrm>
+        </p:spPr>
+        <p:txBody>
+          <a:bodyPr anchor="b">
+            <a:normAutofit/>
+          </a:bodyPr>
+          <a:lstStyle>
+            <a:lvl1pPr>
+              <a:defRPr sz="3200"/>
+            </a:lvl1pPr>
+          </a:lstStyle>
+          <a:p>
+            <a:r>
+              <a:rPr lang="en-US"/>
+              <a:t>Click to edit Master title style</a:t>
+            </a:r>
+            <a:endParaRPr lang="en-US" dirty="0"/>
+          </a:p>
+        </p:txBody>
+      </p:sp>
+      <p:sp>
+        <p:nvSpPr>
+          <p:cNvPr id="3" name="Picture Placeholder 2"/>
+          <p:cNvSpPr>
+            <a:spLocks noGrp="1" noChangeAspect="1"/>
+          </p:cNvSpPr>
+          <p:nvPr>
+            <p:ph type="pic" idx="1"/>
+          </p:nvPr>
+        </p:nvSpPr>
+        <p:spPr>
+          <a:xfrm>
+            <a:off x="8124389" y="1122542"/>
+            <a:ext cx="2791171" cy="3866327"/>
+          </a:xfrm>
+          <a:solidFill>
+            <a:schemeClr val="bg1">
+              <a:lumMod val="85000"/>
+            </a:schemeClr>
+          </a:solidFill>
+          <a:ln w="9525" cap="sq">
+            <a:noFill/>
+            <a:miter lim="800000"/>
+          </a:ln>
+          <a:effectLst/>
+        </p:spPr>
+        <p:txBody>
+          <a:bodyPr anchor="t"/>
+          <a:lstStyle>
+            <a:lvl1pPr marL="0" indent="0" algn="ctr">
+              <a:buNone/>
+              <a:defRPr sz="3200"/>
+            </a:lvl1pPr>
+            <a:lvl2pPr marL="457200" indent="0">
+              <a:buNone/>
+              <a:defRPr sz="2800"/>
+            </a:lvl2pPr>
+            <a:lvl3pPr marL="914400" indent="0">
+              <a:buNone/>
+              <a:defRPr sz="2400"/>
+            </a:lvl3pPr>
+            <a:lvl4pPr marL="1371600" indent="0">
+              <a:buNone/>
+              <a:defRPr sz="2000"/>
+            </a:lvl4pPr>
+            <a:lvl5pPr marL="1828800" indent="0">
+              <a:buNone/>
+              <a:defRPr sz="2000"/>
+            </a:lvl5pPr>
+            <a:lvl6pPr marL="2286000" indent="0">
+              <a:buNone/>
+              <a:defRPr sz="2000"/>
+            </a:lvl6pPr>
+            <a:lvl7pPr marL="2743200" indent="0">
+              <a:buNone/>
+              <a:defRPr sz="2000"/>
+            </a:lvl7pPr>
+            <a:lvl8pPr marL="3200400" indent="0">
+              <a:buNone/>
+              <a:defRPr sz="2000"/>
+            </a:lvl8pPr>
+            <a:lvl9pPr marL="3657600" indent="0">
+              <a:buNone/>
+              <a:defRPr sz="2000"/>
+            </a:lvl9pPr>
+          </a:lstStyle>
+          <a:p>
+            <a:r>
+              <a:rPr lang="en-US"/>
+              <a:t>Click icon to add picture</a:t>
+            </a:r>
+            <a:endParaRPr lang="en-US" dirty="0"/>
+          </a:p>
+        </p:txBody>
+      </p:sp>
+      <p:sp>
+        <p:nvSpPr>
+          <p:cNvPr id="4" name="Text Placeholder 3"/>
+          <p:cNvSpPr>
+            <a:spLocks noGrp="1"/>
+          </p:cNvSpPr>
+          <p:nvPr>
+            <p:ph type="body" sz="half" idx="2"/>
+          </p:nvPr>
+        </p:nvSpPr>
+        <p:spPr>
+          <a:xfrm>
+            <a:off x="1450329" y="3145992"/>
+            <a:ext cx="5524404" cy="2003742"/>
+          </a:xfrm>
+        </p:spPr>
+        <p:txBody>
+          <a:bodyPr>
+            <a:normAutofit/>
+          </a:bodyPr>
+          <a:lstStyle>
+            <a:lvl1pPr marL="0" indent="0" algn="l">
+              <a:buNone/>
+              <a:defRPr sz="1800"/>
+            </a:lvl1pPr>
+            <a:lvl2pPr marL="457200" indent="0">
+              <a:buNone/>
+              <a:defRPr sz="1400"/>
+            </a:lvl2pPr>
+            <a:lvl3pPr marL="914400" indent="0">
+              <a:buNone/>
+              <a:defRPr sz="1200"/>
+            </a:lvl3pPr>
+            <a:lvl4pPr marL="1371600" indent="0">
+              <a:buNone/>
+              <a:defRPr sz="1000"/>
+            </a:lvl4pPr>
+            <a:lvl5pPr marL="1828800" indent="0">
+              <a:buNone/>
+              <a:defRPr sz="1000"/>
+            </a:lvl5pPr>
+            <a:lvl6pPr marL="2286000" indent="0">
+              <a:buNone/>
+              <a:defRPr sz="1000"/>
+            </a:lvl6pPr>
+            <a:lvl7pPr marL="2743200" indent="0">
+              <a:buNone/>
+              <a:defRPr sz="1000"/>
+            </a:lvl7pPr>
+            <a:lvl8pPr marL="3200400" indent="0">
+              <a:buNone/>
+              <a:defRPr sz="1000"/>
+            </a:lvl8pPr>
+            <a:lvl9pPr marL="3657600" indent="0">
+              <a:buNone/>
+              <a:defRPr sz="1000"/>
+            </a:lvl9pPr>
+          </a:lstStyle>
+          <a:p>
+            <a:pPr lvl="0"/>
+            <a:r>
+              <a:rPr lang="en-US"/>
+              <a:t>Edit Master text styles</a:t>
+            </a:r>
+          </a:p>
+        </p:txBody>
+      </p:sp>
+      <p:sp>
+        <p:nvSpPr>
+          <p:cNvPr id="5" name="Date Placeholder 4"/>
+          <p:cNvSpPr>
+            <a:spLocks noGrp="1"/>
+          </p:cNvSpPr>
+          <p:nvPr>
+            <p:ph type="dt" sz="half" idx="10"/>
+          </p:nvPr>
+        </p:nvSpPr>
+        <p:spPr>
+          <a:xfrm>
+            <a:off x="1447382" y="5469856"/>
+            <a:ext cx="5527351" cy="320123"/>
+          </a:xfrm>
+        </p:spPr>
+        <p:txBody>
+          <a:bodyPr/>
+          <a:lstStyle>
+            <a:lvl1pPr algn="l">
+              <a:defRPr/>
+            </a:lvl1pPr>
+          </a:lstStyle>
+          <a:p>
+            <a:fld id="{932FC6B7-331F-4E3E-AD33-1AC7D2AC5F52}" type="datetimeFigureOut">
+              <a:rPr lang="en-US" smtClean="0"/>
+              <a:t>7/13/2018</a:t>
+            </a:fld>
+            <a:endParaRPr lang="en-US"/>
+          </a:p>
+        </p:txBody>
+      </p:sp>
+      <p:sp>
+        <p:nvSpPr>
+          <p:cNvPr id="6" name="Footer Placeholder 5"/>
+          <p:cNvSpPr>
+            <a:spLocks noGrp="1"/>
+          </p:cNvSpPr>
+          <p:nvPr>
+            <p:ph type="ftr" sz="quarter" idx="11"/>
+          </p:nvPr>
+        </p:nvSpPr>
+        <p:spPr>
+          <a:xfrm>
+            <a:off x="1447382" y="318640"/>
+            <a:ext cx="5541004" cy="320931"/>
+          </a:xfrm>
+        </p:spPr>
+        <p:txBody>
+          <a:bodyPr/>
+          <a:lstStyle/>
+          <a:p>
+            <a:endParaRPr lang="en-US"/>
+          </a:p>
+        </p:txBody>
+      </p:sp>
+      <p:sp>
+        <p:nvSpPr>
+          <p:cNvPr id="7" name="Slide Number Placeholder 6"/>
+          <p:cNvSpPr>
+            <a:spLocks noGrp="1"/>
+          </p:cNvSpPr>
+          <p:nvPr>
+            <p:ph type="sldNum" sz="quarter" idx="12"/>
+          </p:nvPr>
+        </p:nvSpPr>
+        <p:spPr/>
+        <p:txBody>
+          <a:bodyPr/>
+          <a:lstStyle/>
+          <a:p>
+            <a:fld id="{ADBB3FC3-297A-44E9-A9FA-81094813C861}" type="slidenum">
+              <a:rPr lang="en-US" smtClean="0"/>
+              <a:t>‹#›</a:t>
+            </a:fld>
+            <a:endParaRPr lang="en-US"/>
+          </a:p>
+        </p:txBody>
+      </p:sp>
+      <p:cxnSp>
+        <p:nvCxnSpPr>
+          <p:cNvPr id="31" name="Straight Connector 30"/>
+          <p:cNvCxnSpPr/>
+          <p:nvPr/>
+        </p:nvCxnSpPr>
+        <p:spPr>
+          <a:xfrm>
+            <a:off x="1447382" y="3143605"/>
+            <a:ext cx="5527351" cy="0"/>
+          </a:xfrm>
+          <a:prstGeom prst="line">
+            <a:avLst/>
+          </a:prstGeom>
+          <a:ln w="31750"/>
+        </p:spPr>
+        <p:style>
+          <a:lnRef idx="3">
+            <a:schemeClr val="accent1"/>
+          </a:lnRef>
+          <a:fillRef idx="0">
+            <a:schemeClr val="accent1"/>
+          </a:fillRef>
+          <a:effectRef idx="2">
+            <a:schemeClr val="accent1"/>
+          </a:effectRef>
+          <a:fontRef idx="minor">
+            <a:schemeClr val="tx1"/>
+          </a:fontRef>
+        </p:style>
+      </p:cxnSp>
+    </p:spTree>
+    <p:extLst>
+      <p:ext uri="{BB962C8B-B14F-4D97-AF65-F5344CB8AC3E}">
+        <p14:creationId xmlns:p14="http://schemas.microsoft.com/office/powerpoint/2010/main" val="3110298582"/>
+      </p:ext>
+    </p:extLst>
+  </p:cSld>
+  <p:clrMapOvr>
+    <a:masterClrMapping/>
+  </p:clrMapOvr>
+</p:sldLayout>
+</file>
+
+<file path=ppt/slideMasters/slideMaster1.xml><?xml version="1.0" encoding="utf-8"?>
+<p:sldMaster xmlns:a="http://schemas.openxmlformats.org/drawingml/2006/main" xmlns:r="http://schemas.openxmlformats.org/officeDocument/2006/relationships" xmlns:p="http://schemas.openxmlformats.org/presentationml/2006/main">
+  <p:cSld>
+    <p:bg>
+      <p:bgRef idx="1003">
+        <a:schemeClr val="bg2"/>
+      </p:bgRef>
+    </p:bg>
+    <p:spTree>
+      <p:nvGrpSpPr>
+        <p:cNvPr id="1" name=""/>
+        <p:cNvGrpSpPr/>
+        <p:nvPr/>
+      </p:nvGrpSpPr>
+      <p:grpSpPr>
+        <a:xfrm>
+          <a:off x="0" y="0"/>
+          <a:ext cx="0" cy="0"/>
+          <a:chOff x="0" y="0"/>
+          <a:chExt cx="0" cy="0"/>
+        </a:xfrm>
+      </p:grpSpPr>
+      <p:sp>
+        <p:nvSpPr>
+          <p:cNvPr id="8" name="Rectangle 7"/>
+          <p:cNvSpPr/>
+          <p:nvPr/>
+        </p:nvSpPr>
+        <p:spPr>
+          <a:xfrm>
+            <a:off x="0" y="2019476"/>
+            <a:ext cx="12192000" cy="4105941"/>
+          </a:xfrm>
+          <a:prstGeom prst="rect">
+            <a:avLst/>
+          </a:prstGeom>
+          <a:gradFill flip="none" rotWithShape="1">
+            <a:gsLst>
+              <a:gs pos="0">
+                <a:schemeClr val="bg2">
+                  <a:alpha val="0"/>
+                </a:schemeClr>
+              </a:gs>
+              <a:gs pos="100000">
+                <a:schemeClr val="bg2"/>
+              </a:gs>
+            </a:gsLst>
+            <a:lin ang="5400000" scaled="0"/>
+            <a:tileRect/>
+          </a:gradFill>
+          <a:ln>
+            <a:noFill/>
+          </a:ln>
+        </p:spPr>
+        <p:style>
+          <a:lnRef idx="2">
+            <a:schemeClr val="accent1">
+              <a:shade val="50000"/>
+            </a:schemeClr>
+          </a:lnRef>
+          <a:fillRef idx="1">
+            <a:schemeClr val="accent1"/>
+          </a:fillRef>
+          <a:effectRef idx="0">
+            <a:schemeClr val="accent1"/>
+          </a:effectRef>
+          <a:fontRef idx="minor">
+            <a:schemeClr val="lt1"/>
+          </a:fontRef>
+        </p:style>
+      </p:sp>
+      <p:pic>
+        <p:nvPicPr>
+          <p:cNvPr id="7" name="Picture 6"/>
+          <p:cNvPicPr>
+            <a:picLocks noChangeAspect="1"/>
+          </p:cNvPicPr>
+          <p:nvPr/>
+        </p:nvPicPr>
+        <p:blipFill rotWithShape="1">
+          <a:blip r:embed="rId13">
+            <a:extLst>
+              <a:ext uri="{28A0092B-C50C-407E-A947-70E740481C1C}">
+                <a14:useLocalDpi xmlns:a14="http://schemas.microsoft.com/office/drawing/2010/main" val="0"/>
+              </a:ext>
+            </a:extLst>
+          </a:blip>
+          <a:srcRect t="1538" b="-1538"/>
+          <a:stretch/>
+        </p:blipFill>
+        <p:spPr bwMode="black">
+          <a:xfrm>
+            <a:off x="0" y="6126480"/>
+            <a:ext cx="12192000" cy="742950"/>
           </a:xfrm>
           <a:prstGeom prst="rect">
             <a:avLst/>
           </a:prstGeom>
         </p:spPr>
-        <p:txBody>
-          <a:bodyPr vert="horz" lIns="91440" tIns="45720" rIns="91440" bIns="45720" rtlCol="0" anchor="t">
-            <a:normAutofit/>
-          </a:bodyPr>
-          <a:lstStyle/>
-          <a:p>
-            <a:r>
-              <a:rPr lang="en-US"/>
-              <a:t>Click to edit Master title style</a:t>
-            </a:r>
-            <a:endParaRPr lang="en-US" dirty="0"/>
-          </a:p>
-        </p:txBody>
-      </p:sp>
-      <p:sp>
-        <p:nvSpPr>
-          <p:cNvPr id="3" name="Text Placeholder 2"/>
-          <p:cNvSpPr>
-            <a:spLocks noGrp="1"/>
-          </p:cNvSpPr>
-          <p:nvPr>
-            <p:ph type="body" idx="1"/>
+      </p:pic>
+      <p:sp>
+        <p:nvSpPr>
+          <p:cNvPr id="2" name="Title Placeholder 1"/>
+          <p:cNvSpPr>
+            <a:spLocks noGrp="1"/>
+          </p:cNvSpPr>
+          <p:nvPr>
+            <p:ph type="title"/>
           </p:nvPr>
         </p:nvSpPr>
         <p:spPr>
           <a:xfrm>
-            <a:off x="677334" y="2160589"/>
-            <a:ext cx="8596668" cy="3880773"/>
+            <a:off x="1451579" y="804519"/>
+            <a:ext cx="9603275" cy="1049235"/>
           </a:xfrm>
           <a:prstGeom prst="rect">
             <a:avLst/>
           </a:prstGeom>
         </p:spPr>
         <p:txBody>
-          <a:bodyPr vert="horz" lIns="91440" tIns="45720" rIns="91440" bIns="45720" rtlCol="0">
+          <a:bodyPr vert="horz" lIns="91440" tIns="45720" rIns="91440" bIns="45720" rtlCol="0" anchor="t">
             <a:normAutofit/>
           </a:bodyPr>
           <a:lstStyle/>
           <a:p>
-            <a:pPr lvl="0"/>
             <a:r>
               <a:rPr lang="en-US"/>
-              <a:t>Edit Master text styles</a:t>
-            </a:r>
-          </a:p>
-          <a:p>
-            <a:pPr lvl="1"/>
-            <a:r>
-              <a:rPr lang="en-US"/>
-              <a:t>Second level</a:t>
-            </a:r>
-          </a:p>
-          <a:p>
-            <a:pPr lvl="2"/>
-            <a:r>
-              <a:rPr lang="en-US"/>
-              <a:t>Third level</a:t>
-            </a:r>
-          </a:p>
-          <a:p>
-            <a:pPr lvl="3"/>
-            <a:r>
-              <a:rPr lang="en-US"/>
-              <a:t>Fourth level</a:t>
-            </a:r>
-          </a:p>
-          <a:p>
-            <a:pPr lvl="4"/>
-            <a:r>
-              <a:rPr lang="en-US"/>
-              <a:t>Fifth level</a:t>
+              <a:t>Click to edit Master title style</a:t>
             </a:r>
             <a:endParaRPr lang="en-US" dirty="0"/>
           </a:p>
@@ -6143,28 +4065,89 @@
       </p:sp>
       <p:sp>
         <p:nvSpPr>
-          <p:cNvPr id="4" name="Date Placeholder 3"/>
-          <p:cNvSpPr>
-            <a:spLocks noGrp="1"/>
-          </p:cNvSpPr>
-          <p:nvPr>
-            <p:ph type="dt" sz="half" idx="2"/>
+          <p:cNvPr id="3" name="Text Placeholder 2"/>
+          <p:cNvSpPr>
+            <a:spLocks noGrp="1"/>
+          </p:cNvSpPr>
+          <p:nvPr>
+            <p:ph type="body" idx="1"/>
           </p:nvPr>
         </p:nvSpPr>
         <p:spPr>
           <a:xfrm>
-            <a:off x="7205133" y="6041362"/>
-            <a:ext cx="911939" cy="365125"/>
+            <a:off x="1451579" y="2015732"/>
+            <a:ext cx="9603275" cy="3450613"/>
           </a:xfrm>
           <a:prstGeom prst="rect">
             <a:avLst/>
           </a:prstGeom>
         </p:spPr>
         <p:txBody>
+          <a:bodyPr vert="horz" lIns="91440" tIns="45720" rIns="91440" bIns="45720" rtlCol="0">
+            <a:normAutofit/>
+          </a:bodyPr>
+          <a:lstStyle/>
+          <a:p>
+            <a:pPr lvl="0"/>
+            <a:r>
+              <a:rPr lang="en-US" dirty="0"/>
+              <a:t>Edit Master text styles</a:t>
+            </a:r>
+          </a:p>
+          <a:p>
+            <a:pPr lvl="1"/>
+            <a:r>
+              <a:rPr lang="en-US" dirty="0"/>
+              <a:t>Second level</a:t>
+            </a:r>
+          </a:p>
+          <a:p>
+            <a:pPr lvl="2"/>
+            <a:r>
+              <a:rPr lang="en-US" dirty="0"/>
+              <a:t>Third level</a:t>
+            </a:r>
+          </a:p>
+          <a:p>
+            <a:pPr lvl="3"/>
+            <a:r>
+              <a:rPr lang="en-US" dirty="0"/>
+              <a:t>Fourth level</a:t>
+            </a:r>
+          </a:p>
+          <a:p>
+            <a:pPr lvl="4"/>
+            <a:r>
+              <a:rPr lang="en-US" dirty="0"/>
+              <a:t>Fifth level</a:t>
+            </a:r>
+          </a:p>
+        </p:txBody>
+      </p:sp>
+      <p:sp>
+        <p:nvSpPr>
+          <p:cNvPr id="4" name="Date Placeholder 3"/>
+          <p:cNvSpPr>
+            <a:spLocks noGrp="1"/>
+          </p:cNvSpPr>
+          <p:nvPr>
+            <p:ph type="dt" sz="half" idx="2"/>
+          </p:nvPr>
+        </p:nvSpPr>
+        <p:spPr>
+          <a:xfrm>
+            <a:off x="7554138" y="330370"/>
+            <a:ext cx="3500715" cy="309201"/>
+          </a:xfrm>
+          <a:prstGeom prst="rect">
+            <a:avLst/>
+          </a:prstGeom>
+        </p:spPr>
+        <p:txBody>
           <a:bodyPr vert="horz" lIns="91440" tIns="45720" rIns="91440" bIns="45720" rtlCol="0" anchor="ctr"/>
           <a:lstStyle>
             <a:lvl1pPr algn="r">
-              <a:defRPr sz="900">
+              <a:defRPr sz="1000">
                 <a:solidFill>
                   <a:schemeClr val="tx1">
                     <a:tint val="75000"/>
@@ -6194,8 +4177,8 @@
         </p:nvSpPr>
         <p:spPr>
           <a:xfrm>
-            <a:off x="677334" y="6041362"/>
-            <a:ext cx="6297612" cy="365125"/>
+            <a:off x="1451579" y="329307"/>
+            <a:ext cx="5938836" cy="309201"/>
           </a:xfrm>
           <a:prstGeom prst="rect">
             <a:avLst/>
@@ -6205,7 +4188,7 @@
           <a:bodyPr vert="horz" lIns="91440" tIns="45720" rIns="91440" bIns="45720" rtlCol="0" anchor="ctr"/>
           <a:lstStyle>
             <a:lvl1pPr algn="l">
-              <a:defRPr sz="900">
+              <a:defRPr sz="1000">
                 <a:solidFill>
                   <a:schemeClr val="tx1">
                     <a:tint val="75000"/>
@@ -6231,18 +4214,18 @@
         </p:nvSpPr>
         <p:spPr>
           <a:xfrm>
-            <a:off x="8590663" y="6041362"/>
-            <a:ext cx="683339" cy="365125"/>
+            <a:off x="480060" y="798973"/>
+            <a:ext cx="811019" cy="503578"/>
           </a:xfrm>
           <a:prstGeom prst="rect">
             <a:avLst/>
           </a:prstGeom>
         </p:spPr>
         <p:txBody>
-          <a:bodyPr vert="horz" lIns="91440" tIns="45720" rIns="91440" bIns="45720" rtlCol="0" anchor="ctr"/>
+          <a:bodyPr vert="horz" lIns="91440" tIns="45720" rIns="91440" bIns="45720" rtlCol="0" anchor="t"/>
           <a:lstStyle>
             <a:lvl1pPr algn="r">
-              <a:defRPr sz="900">
+              <a:defRPr sz="2800">
                 <a:solidFill>
                   <a:schemeClr val="accent1"/>
                 </a:solidFill>
@@ -6258,326 +4241,288 @@
           </a:p>
         </p:txBody>
       </p:sp>
+      <p:cxnSp>
+        <p:nvCxnSpPr>
+          <p:cNvPr id="10" name="Straight Connector 9"/>
+          <p:cNvCxnSpPr/>
+          <p:nvPr/>
+        </p:nvCxnSpPr>
+        <p:spPr>
+          <a:xfrm>
+            <a:off x="0" y="6128413"/>
+            <a:ext cx="12192000" cy="0"/>
+          </a:xfrm>
+          <a:prstGeom prst="line">
+            <a:avLst/>
+          </a:prstGeom>
+          <a:ln w="12700">
+            <a:solidFill>
+              <a:srgbClr val="000001">
+                <a:alpha val="20000"/>
+              </a:srgbClr>
+            </a:solidFill>
+          </a:ln>
+        </p:spPr>
+        <p:style>
+          <a:lnRef idx="1">
+            <a:schemeClr val="accent1"/>
+          </a:lnRef>
+          <a:fillRef idx="0">
+            <a:schemeClr val="accent1"/>
+          </a:fillRef>
+          <a:effectRef idx="0">
+            <a:schemeClr val="accent1"/>
+          </a:effectRef>
+          <a:fontRef idx="minor">
+            <a:schemeClr val="tx1"/>
+          </a:fontRef>
+        </p:style>
+      </p:cxnSp>
     </p:spTree>
     <p:extLst>
       <p:ext uri="{BB962C8B-B14F-4D97-AF65-F5344CB8AC3E}">
-        <p14:creationId xmlns:p14="http://schemas.microsoft.com/office/powerpoint/2010/main" val="2061708010"/>
+        <p14:creationId xmlns:p14="http://schemas.microsoft.com/office/powerpoint/2010/main" val="2229133247"/>
       </p:ext>
     </p:extLst>
   </p:cSld>
   <p:clrMap bg1="lt1" tx1="dk1" bg2="lt2" tx2="dk2" accent1="accent1" accent2="accent2" accent3="accent3" accent4="accent4" accent5="accent5" accent6="accent6" hlink="hlink" folHlink="folHlink"/>
   <p:sldLayoutIdLst>
-    <p:sldLayoutId id="2147483917" r:id="rId1"/>
-    <p:sldLayoutId id="2147483918" r:id="rId2"/>
-    <p:sldLayoutId id="2147483919" r:id="rId3"/>
-    <p:sldLayoutId id="2147483920" r:id="rId4"/>
-    <p:sldLayoutId id="2147483921" r:id="rId5"/>
-    <p:sldLayoutId id="2147483922" r:id="rId6"/>
-    <p:sldLayoutId id="2147483923" r:id="rId7"/>
-    <p:sldLayoutId id="2147483924" r:id="rId8"/>
-    <p:sldLayoutId id="2147483925" r:id="rId9"/>
-    <p:sldLayoutId id="2147483926" r:id="rId10"/>
-    <p:sldLayoutId id="2147483927" r:id="rId11"/>
-    <p:sldLayoutId id="2147483928" r:id="rId12"/>
-    <p:sldLayoutId id="2147483929" r:id="rId13"/>
-    <p:sldLayoutId id="2147483930" r:id="rId14"/>
-    <p:sldLayoutId id="2147483931" r:id="rId15"/>
-    <p:sldLayoutId id="2147483932" r:id="rId16"/>
+    <p:sldLayoutId id="2147483963" r:id="rId1"/>
+    <p:sldLayoutId id="2147483964" r:id="rId2"/>
+    <p:sldLayoutId id="2147483965" r:id="rId3"/>
+    <p:sldLayoutId id="2147483966" r:id="rId4"/>
+    <p:sldLayoutId id="2147483967" r:id="rId5"/>
+    <p:sldLayoutId id="2147483968" r:id="rId6"/>
+    <p:sldLayoutId id="2147483969" r:id="rId7"/>
+    <p:sldLayoutId id="2147483970" r:id="rId8"/>
+    <p:sldLayoutId id="2147483971" r:id="rId9"/>
+    <p:sldLayoutId id="2147483972" r:id="rId10"/>
+    <p:sldLayoutId id="2147483973" r:id="rId11"/>
   </p:sldLayoutIdLst>
   <p:txStyles>
     <p:titleStyle>
-      <a:lvl1pPr algn="l" defTabSz="457200" rtl="0" eaLnBrk="1" latinLnBrk="0" hangingPunct="1">
+      <a:lvl1pPr algn="l" defTabSz="914400" rtl="0" eaLnBrk="1" latinLnBrk="0" hangingPunct="1">
+        <a:lnSpc>
+          <a:spcPct val="90000"/>
+        </a:lnSpc>
         <a:spcBef>
           <a:spcPct val="0"/>
         </a:spcBef>
         <a:buNone/>
-        <a:defRPr sz="3600" kern="1200">
+        <a:defRPr sz="3200" b="0" i="0" kern="1200" cap="all">
           <a:solidFill>
-            <a:schemeClr val="accent1"/>
+            <a:schemeClr val="tx1"/>
           </a:solidFill>
+          <a:effectLst/>
           <a:latin typeface="+mj-lt"/>
           <a:ea typeface="+mj-ea"/>
           <a:cs typeface="+mj-cs"/>
         </a:defRPr>
       </a:lvl1pPr>
-      <a:lvl2pPr eaLnBrk="1" hangingPunct="1">
-        <a:defRPr>
-          <a:solidFill>
-            <a:schemeClr val="tx2"/>
-          </a:solidFill>
-        </a:defRPr>
-      </a:lvl2pPr>
-      <a:lvl3pPr eaLnBrk="1" hangingPunct="1">
-        <a:defRPr>
-          <a:solidFill>
-            <a:schemeClr val="tx2"/>
-          </a:solidFill>
-        </a:defRPr>
-      </a:lvl3pPr>
-      <a:lvl4pPr eaLnBrk="1" hangingPunct="1">
-        <a:defRPr>
-          <a:solidFill>
-            <a:schemeClr val="tx2"/>
-          </a:solidFill>
-        </a:defRPr>
-      </a:lvl4pPr>
-      <a:lvl5pPr eaLnBrk="1" hangingPunct="1">
-        <a:defRPr>
-          <a:solidFill>
-            <a:schemeClr val="tx2"/>
-          </a:solidFill>
-        </a:defRPr>
-      </a:lvl5pPr>
-      <a:lvl6pPr eaLnBrk="1" hangingPunct="1">
-        <a:defRPr>
-          <a:solidFill>
-            <a:schemeClr val="tx2"/>
-          </a:solidFill>
-        </a:defRPr>
-      </a:lvl6pPr>
-      <a:lvl7pPr eaLnBrk="1" hangingPunct="1">
-        <a:defRPr>
-          <a:solidFill>
-            <a:schemeClr val="tx2"/>
-          </a:solidFill>
-        </a:defRPr>
-      </a:lvl7pPr>
-      <a:lvl8pPr eaLnBrk="1" hangingPunct="1">
-        <a:defRPr>
-          <a:solidFill>
-            <a:schemeClr val="tx2"/>
-          </a:solidFill>
-        </a:defRPr>
-      </a:lvl8pPr>
-      <a:lvl9pPr eaLnBrk="1" hangingPunct="1">
-        <a:defRPr>
-          <a:solidFill>
-            <a:schemeClr val="tx2"/>
-          </a:solidFill>
-        </a:defRPr>
-      </a:lvl9pPr>
     </p:titleStyle>
     <p:bodyStyle>
-      <a:lvl1pPr marL="342900" indent="-342900" algn="l" defTabSz="457200" rtl="0" eaLnBrk="1" latinLnBrk="0" hangingPunct="1">
+      <a:lvl1pPr marL="228600" indent="-228600" algn="l" defTabSz="914400" rtl="0" eaLnBrk="1" latinLnBrk="0" hangingPunct="1">
+        <a:lnSpc>
+          <a:spcPct val="120000"/>
+        </a:lnSpc>
         <a:spcBef>
           <a:spcPts val="1000"/>
         </a:spcBef>
-        <a:spcAft>
-          <a:spcPts val="0"/>
-        </a:spcAft>
         <a:buClr>
           <a:schemeClr val="accent1"/>
         </a:buClr>
-        <a:buSzPct val="80000"/>
-        <a:buFont typeface="Wingdings 3" charset="2"/>
-        <a:buChar char=""/>
-        <a:defRPr sz="1800" kern="1200">
+        <a:buSzPct val="100000"/>
+        <a:buFont typeface="Arial" panose="020B0604020202020204" pitchFamily="34" charset="0"/>
+        <a:buChar char="•"/>
+        <a:defRPr sz="2000" kern="1200">
           <a:solidFill>
-            <a:schemeClr val="tx1">
-              <a:lumMod val="75000"/>
-              <a:lumOff val="25000"/>
-            </a:schemeClr>
+            <a:schemeClr val="tx1"/>
           </a:solidFill>
+          <a:effectLst/>
           <a:latin typeface="+mn-lt"/>
           <a:ea typeface="+mn-ea"/>
           <a:cs typeface="+mn-cs"/>
         </a:defRPr>
       </a:lvl1pPr>
-      <a:lvl2pPr marL="742950" indent="-285750" algn="l" defTabSz="457200" rtl="0" eaLnBrk="1" latinLnBrk="0" hangingPunct="1">
+      <a:lvl2pPr marL="685800" indent="-228600" algn="l" defTabSz="914400" rtl="0" eaLnBrk="1" latinLnBrk="0" hangingPunct="1">
+        <a:lnSpc>
+          <a:spcPct val="120000"/>
+        </a:lnSpc>
         <a:spcBef>
-          <a:spcPts val="1000"/>
+          <a:spcPts val="500"/>
         </a:spcBef>
-        <a:spcAft>
-          <a:spcPts val="0"/>
-        </a:spcAft>
         <a:buClr>
           <a:schemeClr val="accent1"/>
         </a:buClr>
-        <a:buSzPct val="80000"/>
-        <a:buFont typeface="Wingdings 3" charset="2"/>
-        <a:buChar char=""/>
-        <a:defRPr sz="1600" kern="1200">
+        <a:buSzPct val="100000"/>
+        <a:buFont typeface="Arial" panose="020B0604020202020204" pitchFamily="34" charset="0"/>
+        <a:buChar char="•"/>
+        <a:defRPr sz="1800" kern="1200" cap="none" baseline="0">
           <a:solidFill>
-            <a:schemeClr val="tx1">
-              <a:lumMod val="75000"/>
-              <a:lumOff val="25000"/>
-            </a:schemeClr>
+            <a:schemeClr val="tx1"/>
           </a:solidFill>
+          <a:effectLst/>
           <a:latin typeface="+mn-lt"/>
           <a:ea typeface="+mn-ea"/>
           <a:cs typeface="+mn-cs"/>
         </a:defRPr>
       </a:lvl2pPr>
-      <a:lvl3pPr marL="1143000" indent="-228600" algn="l" defTabSz="457200" rtl="0" eaLnBrk="1" latinLnBrk="0" hangingPunct="1">
+      <a:lvl3pPr marL="1143000" indent="-228600" algn="l" defTabSz="914400" rtl="0" eaLnBrk="1" latinLnBrk="0" hangingPunct="1">
+        <a:lnSpc>
+          <a:spcPct val="120000"/>
+        </a:lnSpc>
         <a:spcBef>
-          <a:spcPts val="1000"/>
+          <a:spcPts val="500"/>
         </a:spcBef>
-        <a:spcAft>
-          <a:spcPts val="0"/>
-        </a:spcAft>
         <a:buClr>
           <a:schemeClr val="accent1"/>
         </a:buClr>
-        <a:buSzPct val="80000"/>
-        <a:buFont typeface="Wingdings 3" charset="2"/>
-        <a:buChar char=""/>
-        <a:defRPr sz="1400" kern="1200">
+        <a:buSzPct val="100000"/>
+        <a:buFont typeface="Arial" panose="020B0604020202020204" pitchFamily="34" charset="0"/>
+        <a:buChar char="•"/>
+        <a:defRPr sz="1600" kern="1200">
           <a:solidFill>
-            <a:schemeClr val="tx1">
-              <a:lumMod val="75000"/>
-              <a:lumOff val="25000"/>
-            </a:schemeClr>
+            <a:schemeClr val="tx1"/>
           </a:solidFill>
+          <a:effectLst/>
           <a:latin typeface="+mn-lt"/>
           <a:ea typeface="+mn-ea"/>
           <a:cs typeface="+mn-cs"/>
         </a:defRPr>
       </a:lvl3pPr>
-      <a:lvl4pPr marL="1600200" indent="-228600" algn="l" defTabSz="457200" rtl="0" eaLnBrk="1" latinLnBrk="0" hangingPunct="1">
+      <a:lvl4pPr marL="1600200" indent="-228600" algn="l" defTabSz="914400" rtl="0" eaLnBrk="1" latinLnBrk="0" hangingPunct="1">
+        <a:lnSpc>
+          <a:spcPct val="120000"/>
+        </a:lnSpc>
         <a:spcBef>
-          <a:spcPts val="1000"/>
+          <a:spcPts val="500"/>
         </a:spcBef>
-        <a:spcAft>
-          <a:spcPts val="0"/>
-        </a:spcAft>
         <a:buClr>
           <a:schemeClr val="accent1"/>
         </a:buClr>
-        <a:buSzPct val="80000"/>
-        <a:buFont typeface="Wingdings 3" charset="2"/>
-        <a:buChar char=""/>
-        <a:defRPr sz="1200" kern="1200">
+        <a:buSzPct val="100000"/>
+        <a:buFont typeface="Arial" panose="020B0604020202020204" pitchFamily="34" charset="0"/>
+        <a:buChar char="•"/>
+        <a:defRPr sz="1400" kern="1200" cap="none" baseline="0">
           <a:solidFill>
-            <a:schemeClr val="tx1">
-              <a:lumMod val="75000"/>
-              <a:lumOff val="25000"/>
-            </a:schemeClr>
+            <a:schemeClr val="tx1"/>
           </a:solidFill>
+          <a:effectLst/>
           <a:latin typeface="+mn-lt"/>
           <a:ea typeface="+mn-ea"/>
           <a:cs typeface="+mn-cs"/>
         </a:defRPr>
       </a:lvl4pPr>
-      <a:lvl5pPr marL="2057400" indent="-228600" algn="l" defTabSz="457200" rtl="0" eaLnBrk="1" latinLnBrk="0" hangingPunct="1">
+      <a:lvl5pPr marL="2057400" indent="-228600" algn="l" defTabSz="914400" rtl="0" eaLnBrk="1" latinLnBrk="0" hangingPunct="1">
+        <a:lnSpc>
+          <a:spcPct val="120000"/>
+        </a:lnSpc>
         <a:spcBef>
-          <a:spcPts val="1000"/>
+          <a:spcPts val="500"/>
         </a:spcBef>
-        <a:spcAft>
-          <a:spcPts val="0"/>
-        </a:spcAft>
         <a:buClr>
           <a:schemeClr val="accent1"/>
         </a:buClr>
-        <a:buSzPct val="80000"/>
-        <a:buFont typeface="Wingdings 3" charset="2"/>
-        <a:buChar char=""/>
+        <a:buSzPct val="100000"/>
+        <a:buFont typeface="Arial" panose="020B0604020202020204" pitchFamily="34" charset="0"/>
+        <a:buChar char="•"/>
         <a:defRPr sz="1200" kern="1200">
           <a:solidFill>
-            <a:schemeClr val="tx1">
-              <a:lumMod val="75000"/>
-              <a:lumOff val="25000"/>
-            </a:schemeClr>
+            <a:schemeClr val="tx1"/>
           </a:solidFill>
+          <a:effectLst/>
           <a:latin typeface="+mn-lt"/>
           <a:ea typeface="+mn-ea"/>
           <a:cs typeface="+mn-cs"/>
         </a:defRPr>
       </a:lvl5pPr>
-      <a:lvl6pPr marL="2514600" indent="-228600" algn="l" defTabSz="457200" rtl="0" eaLnBrk="1" latinLnBrk="0" hangingPunct="1">
+      <a:lvl6pPr marL="2514600" indent="-228600" algn="l" defTabSz="914400" rtl="0" eaLnBrk="1" latinLnBrk="0" hangingPunct="1">
+        <a:lnSpc>
+          <a:spcPct val="120000"/>
+        </a:lnSpc>
         <a:spcBef>
-          <a:spcPts val="1000"/>
+          <a:spcPts val="500"/>
         </a:spcBef>
-        <a:spcAft>
-          <a:spcPts val="0"/>
-        </a:spcAft>
         <a:buClr>
           <a:schemeClr val="accent1"/>
         </a:buClr>
-        <a:buSzPct val="80000"/>
-        <a:buFont typeface="Wingdings 3" charset="2"/>
-        <a:buChar char=""/>
+        <a:buSzPct val="100000"/>
+        <a:buFont typeface="Arial" panose="020B0604020202020204" pitchFamily="34" charset="0"/>
+        <a:buChar char="•"/>
         <a:defRPr sz="1200" kern="1200">
           <a:solidFill>
-            <a:schemeClr val="tx1">
-              <a:lumMod val="75000"/>
-              <a:lumOff val="25000"/>
-            </a:schemeClr>
+            <a:schemeClr val="tx1"/>
           </a:solidFill>
+          <a:effectLst/>
           <a:latin typeface="+mn-lt"/>
           <a:ea typeface="+mn-ea"/>
           <a:cs typeface="+mn-cs"/>
         </a:defRPr>
       </a:lvl6pPr>
-      <a:lvl7pPr marL="2971800" indent="-228600" algn="l" defTabSz="457200" rtl="0" eaLnBrk="1" latinLnBrk="0" hangingPunct="1">
+      <a:lvl7pPr marL="2971800" indent="-228600" algn="l" defTabSz="914400" rtl="0" eaLnBrk="1" latinLnBrk="0" hangingPunct="1">
+        <a:lnSpc>
+          <a:spcPct val="120000"/>
+        </a:lnSpc>
         <a:spcBef>
-          <a:spcPts val="1000"/>
+          <a:spcPts val="500"/>
         </a:spcBef>
-        <a:spcAft>
-          <a:spcPts val="0"/>
-        </a:spcAft>
         <a:buClr>
           <a:schemeClr val="accent1"/>
         </a:buClr>
-        <a:buSzPct val="80000"/>
-        <a:buFont typeface="Wingdings 3" charset="2"/>
-        <a:buChar char=""/>
+        <a:buSzPct val="100000"/>
+        <a:buFont typeface="Arial" panose="020B0604020202020204" pitchFamily="34" charset="0"/>
+        <a:buChar char="•"/>
         <a:defRPr sz="1200" kern="1200">
           <a:solidFill>
-            <a:schemeClr val="tx1">
-              <a:lumMod val="75000"/>
-              <a:lumOff val="25000"/>
-            </a:schemeClr>
+            <a:schemeClr val="tx1"/>
           </a:solidFill>
+          <a:effectLst/>
           <a:latin typeface="+mn-lt"/>
           <a:ea typeface="+mn-ea"/>
           <a:cs typeface="+mn-cs"/>
         </a:defRPr>
       </a:lvl7pPr>
-      <a:lvl8pPr marL="3429000" indent="-228600" algn="l" defTabSz="457200" rtl="0" eaLnBrk="1" latinLnBrk="0" hangingPunct="1">
+      <a:lvl8pPr marL="3429000" indent="-228600" algn="l" defTabSz="914400" rtl="0" eaLnBrk="1" latinLnBrk="0" hangingPunct="1">
+        <a:lnSpc>
+          <a:spcPct val="120000"/>
+        </a:lnSpc>
         <a:spcBef>
-          <a:spcPts val="1000"/>
+          <a:spcPts val="500"/>
         </a:spcBef>
-        <a:spcAft>
-          <a:spcPts val="0"/>
-        </a:spcAft>
         <a:buClr>
           <a:schemeClr val="accent1"/>
         </a:buClr>
-        <a:buSzPct val="80000"/>
-        <a:buFont typeface="Wingdings 3" charset="2"/>
-        <a:buChar char=""/>
-        <a:defRPr sz="1200" kern="1200">
+        <a:buSzPct val="100000"/>
+        <a:buFont typeface="Arial" panose="020B0604020202020204" pitchFamily="34" charset="0"/>
+        <a:buChar char="•"/>
+        <a:defRPr sz="1200" kern="1200" baseline="0">
           <a:solidFill>
-            <a:schemeClr val="tx1">
-              <a:lumMod val="75000"/>
-              <a:lumOff val="25000"/>
-            </a:schemeClr>
+            <a:schemeClr val="tx1"/>
           </a:solidFill>
+          <a:effectLst/>
           <a:latin typeface="+mn-lt"/>
           <a:ea typeface="+mn-ea"/>
           <a:cs typeface="+mn-cs"/>
         </a:defRPr>
       </a:lvl8pPr>
-      <a:lvl9pPr marL="3886200" indent="-228600" algn="l" defTabSz="457200" rtl="0" eaLnBrk="1" latinLnBrk="0" hangingPunct="1">
+      <a:lvl9pPr marL="3886200" indent="-228600" algn="l" defTabSz="914400" rtl="0" eaLnBrk="1" latinLnBrk="0" hangingPunct="1">
+        <a:lnSpc>
+          <a:spcPct val="120000"/>
+        </a:lnSpc>
         <a:spcBef>
-          <a:spcPts val="1000"/>
+          <a:spcPts val="500"/>
         </a:spcBef>
-        <a:spcAft>
-          <a:spcPts val="0"/>
-        </a:spcAft>
         <a:buClr>
           <a:schemeClr val="accent1"/>
         </a:buClr>
-        <a:buSzPct val="80000"/>
-        <a:buFont typeface="Wingdings 3" charset="2"/>
-        <a:buChar char=""/>
-        <a:defRPr sz="1200" kern="1200">
+        <a:buSzPct val="100000"/>
+        <a:buFont typeface="Arial" panose="020B0604020202020204" pitchFamily="34" charset="0"/>
+        <a:buChar char="•"/>
+        <a:defRPr sz="1200" kern="1200" baseline="0">
           <a:solidFill>
-            <a:schemeClr val="tx1">
-              <a:lumMod val="75000"/>
-              <a:lumOff val="25000"/>
-            </a:schemeClr>
+            <a:schemeClr val="tx1"/>
           </a:solidFill>
+          <a:effectLst/>
           <a:latin typeface="+mn-lt"/>
           <a:ea typeface="+mn-ea"/>
           <a:cs typeface="+mn-cs"/>
@@ -6588,7 +4533,7 @@
       <a:defPPr>
         <a:defRPr lang="en-US"/>
       </a:defPPr>
-      <a:lvl1pPr marL="0" algn="l" defTabSz="457200" rtl="0" eaLnBrk="1" latinLnBrk="0" hangingPunct="1">
+      <a:lvl1pPr marL="0" algn="l" defTabSz="914400" rtl="0" eaLnBrk="1" latinLnBrk="0" hangingPunct="1">
         <a:defRPr sz="1800" kern="1200">
           <a:solidFill>
             <a:schemeClr val="tx1"/>
@@ -6598,7 +4543,7 @@
           <a:cs typeface="+mn-cs"/>
         </a:defRPr>
       </a:lvl1pPr>
-      <a:lvl2pPr marL="457200" algn="l" defTabSz="457200" rtl="0" eaLnBrk="1" latinLnBrk="0" hangingPunct="1">
+      <a:lvl2pPr marL="457200" algn="l" defTabSz="914400" rtl="0" eaLnBrk="1" latinLnBrk="0" hangingPunct="1">
         <a:defRPr sz="1800" kern="1200">
           <a:solidFill>
             <a:schemeClr val="tx1"/>
@@ -6608,7 +4553,7 @@
           <a:cs typeface="+mn-cs"/>
         </a:defRPr>
       </a:lvl2pPr>
-      <a:lvl3pPr marL="914400" algn="l" defTabSz="457200" rtl="0" eaLnBrk="1" latinLnBrk="0" hangingPunct="1">
+      <a:lvl3pPr marL="914400" algn="l" defTabSz="914400" rtl="0" eaLnBrk="1" latinLnBrk="0" hangingPunct="1">
         <a:defRPr sz="1800" kern="1200">
           <a:solidFill>
             <a:schemeClr val="tx1"/>
@@ -6618,7 +4563,7 @@
           <a:cs typeface="+mn-cs"/>
         </a:defRPr>
       </a:lvl3pPr>
-      <a:lvl4pPr marL="1371600" algn="l" defTabSz="457200" rtl="0" eaLnBrk="1" latinLnBrk="0" hangingPunct="1">
+      <a:lvl4pPr marL="1371600" algn="l" defTabSz="914400" rtl="0" eaLnBrk="1" latinLnBrk="0" hangingPunct="1">
         <a:defRPr sz="1800" kern="1200">
           <a:solidFill>
             <a:schemeClr val="tx1"/>
@@ -6628,7 +4573,7 @@
           <a:cs typeface="+mn-cs"/>
         </a:defRPr>
       </a:lvl4pPr>
-      <a:lvl5pPr marL="1828800" algn="l" defTabSz="457200" rtl="0" eaLnBrk="1" latinLnBrk="0" hangingPunct="1">
+      <a:lvl5pPr marL="1828800" algn="l" defTabSz="914400" rtl="0" eaLnBrk="1" latinLnBrk="0" hangingPunct="1">
         <a:defRPr sz="1800" kern="1200">
           <a:solidFill>
             <a:schemeClr val="tx1"/>
@@ -6638,7 +4583,7 @@
           <a:cs typeface="+mn-cs"/>
         </a:defRPr>
       </a:lvl5pPr>
-      <a:lvl6pPr marL="2286000" algn="l" defTabSz="457200" rtl="0" eaLnBrk="1" latinLnBrk="0" hangingPunct="1">
+      <a:lvl6pPr marL="2286000" algn="l" defTabSz="914400" rtl="0" eaLnBrk="1" latinLnBrk="0" hangingPunct="1">
         <a:defRPr sz="1800" kern="1200">
           <a:solidFill>
             <a:schemeClr val="tx1"/>
@@ -6648,7 +4593,7 @@
           <a:cs typeface="+mn-cs"/>
         </a:defRPr>
       </a:lvl6pPr>
-      <a:lvl7pPr marL="2743200" algn="l" defTabSz="457200" rtl="0" eaLnBrk="1" latinLnBrk="0" hangingPunct="1">
+      <a:lvl7pPr marL="2743200" algn="l" defTabSz="914400" rtl="0" eaLnBrk="1" latinLnBrk="0" hangingPunct="1">
         <a:defRPr sz="1800" kern="1200">
           <a:solidFill>
             <a:schemeClr val="tx1"/>
@@ -6658,7 +4603,7 @@
           <a:cs typeface="+mn-cs"/>
         </a:defRPr>
       </a:lvl7pPr>
-      <a:lvl8pPr marL="3200400" algn="l" defTabSz="457200" rtl="0" eaLnBrk="1" latinLnBrk="0" hangingPunct="1">
+      <a:lvl8pPr marL="3200400" algn="l" defTabSz="914400" rtl="0" eaLnBrk="1" latinLnBrk="0" hangingPunct="1">
         <a:defRPr sz="1800" kern="1200">
           <a:solidFill>
             <a:schemeClr val="tx1"/>
@@ -6668,7 +4613,7 @@
           <a:cs typeface="+mn-cs"/>
         </a:defRPr>
       </a:lvl8pPr>
-      <a:lvl9pPr marL="3657600" algn="l" defTabSz="457200" rtl="0" eaLnBrk="1" latinLnBrk="0" hangingPunct="1">
+      <a:lvl9pPr marL="3657600" algn="l" defTabSz="914400" rtl="0" eaLnBrk="1" latinLnBrk="0" hangingPunct="1">
         <a:defRPr sz="1800" kern="1200">
           <a:solidFill>
             <a:schemeClr val="tx1"/>
@@ -6832,7 +4777,9 @@
         </p:nvSpPr>
         <p:spPr/>
         <p:txBody>
-          <a:bodyPr/>
+          <a:bodyPr>
+            <a:normAutofit fontScale="92500" lnSpcReduction="10000"/>
+          </a:bodyPr>
           <a:lstStyle/>
           <a:p>
             <a:r>
@@ -6972,7 +4919,7 @@
         <p:spPr/>
         <p:txBody>
           <a:bodyPr>
-            <a:normAutofit lnSpcReduction="10000"/>
+            <a:normAutofit fontScale="92500" lnSpcReduction="20000"/>
           </a:bodyPr>
           <a:lstStyle/>
           <a:p>
@@ -7218,7 +5165,7 @@
         <p:spPr/>
         <p:txBody>
           <a:bodyPr>
-            <a:normAutofit fontScale="92500" lnSpcReduction="10000"/>
+            <a:normAutofit fontScale="77500" lnSpcReduction="20000"/>
           </a:bodyPr>
           <a:lstStyle/>
           <a:p>
@@ -7258,7 +5205,7 @@
           <a:p>
             <a:r>
               <a:rPr lang="en-US" dirty="0"/>
-              <a:t>GitHub models</a:t>
+              <a:t>GitHub collaborative develop models</a:t>
             </a:r>
           </a:p>
           <a:p>
@@ -7372,14 +5319,14 @@
           <a:p>
             <a:r>
               <a:rPr lang="en-US" dirty="0"/>
-              <a:t>remote for your fork project.</a:t>
+              <a:t>Add remote for your fork project.</a:t>
             </a:r>
           </a:p>
           <a:p>
             <a:pPr lvl="1"/>
             <a:r>
               <a:rPr lang="en-US" dirty="0"/>
-              <a:t>You can also git clone your fork project, and add remote for origin upstream.</a:t>
+              <a:t>Or You can git clone your fork project, and add remote for origin upstream.</a:t>
             </a:r>
           </a:p>
           <a:p>
@@ -7557,7 +5504,7 @@
         <p:spPr/>
         <p:txBody>
           <a:bodyPr>
-            <a:normAutofit fontScale="92500" lnSpcReduction="10000"/>
+            <a:normAutofit fontScale="77500" lnSpcReduction="20000"/>
           </a:bodyPr>
           <a:lstStyle/>
           <a:p>
@@ -7723,19 +5670,19 @@
         <p:spPr/>
         <p:txBody>
           <a:bodyPr>
-            <a:normAutofit fontScale="92500" lnSpcReduction="10000"/>
+            <a:normAutofit fontScale="77500" lnSpcReduction="20000"/>
           </a:bodyPr>
           <a:lstStyle/>
           <a:p>
             <a:r>
               <a:rPr lang="en-US" dirty="0"/>
-              <a:t>During review process, origin master might have new commits</a:t>
-            </a:r>
-          </a:p>
-          <a:p>
-            <a:r>
-              <a:rPr lang="en-US" dirty="0"/>
-              <a:t>Sync your branch</a:t>
+              <a:t>During dev and review process, origin master might have new commits.</a:t>
+            </a:r>
+          </a:p>
+          <a:p>
+            <a:r>
+              <a:rPr lang="en-US" dirty="0"/>
+              <a:t>Sync your branch with origin/master</a:t>
             </a:r>
           </a:p>
           <a:p>
@@ -7812,9 +5759,9 @@
 </file>
 
 <file path=ppt/theme/theme1.xml><?xml version="1.0" encoding="utf-8"?>
-<a:theme xmlns:a="http://schemas.openxmlformats.org/drawingml/2006/main" name="Facet">
+<a:theme xmlns:a="http://schemas.openxmlformats.org/drawingml/2006/main" name="Gallery">
   <a:themeElements>
-    <a:clrScheme name="Facet">
+    <a:clrScheme name="Gallery">
       <a:dk1>
         <a:sysClr val="windowText" lastClr="000000"/>
       </a:dk1>
@@ -7822,52 +5769,52 @@
         <a:sysClr val="window" lastClr="FFFFFF"/>
       </a:lt1>
       <a:dk2>
-        <a:srgbClr val="2C3C43"/>
+        <a:srgbClr val="454545"/>
       </a:dk2>
       <a:lt2>
-        <a:srgbClr val="EBEBEB"/>
+        <a:srgbClr val="DFDBD5"/>
       </a:lt2>
       <a:accent1>
-        <a:srgbClr val="90C226"/>
+        <a:srgbClr val="B71E42"/>
       </a:accent1>
       <a:accent2>
-        <a:srgbClr val="54A021"/>
+        <a:srgbClr val="DE478E"/>
       </a:accent2>
       <a:accent3>
-        <a:srgbClr val="E6B91E"/>
+        <a:srgbClr val="BC72F0"/>
       </a:accent3>
       <a:accent4>
-        <a:srgbClr val="E76618"/>
+        <a:srgbClr val="795FAF"/>
       </a:accent4>
       <a:accent5>
-        <a:srgbClr val="C42F1A"/>
+        <a:srgbClr val="586EA6"/>
       </a:accent5>
       <a:accent6>
-        <a:srgbClr val="918655"/>
+        <a:srgbClr val="6892A0"/>
       </a:accent6>
       <a:hlink>
-        <a:srgbClr val="99CA3C"/>
+        <a:srgbClr val="FA2B5C"/>
       </a:hlink>
       <a:folHlink>
-        <a:srgbClr val="B9D181"/>
+        <a:srgbClr val="BC658E"/>
       </a:folHlink>
     </a:clrScheme>
-    <a:fontScheme name="Facet">
+    <a:fontScheme name="Gallery">
       <a:majorFont>
-        <a:latin typeface="Trebuchet MS" panose="020B0603020202020204"/>
+        <a:latin typeface="Gill Sans MT" panose="020B0502020104020203"/>
         <a:ea typeface=""/>
         <a:cs typeface=""/>
-        <a:font script="Jpan" typeface="メイリオ"/>
+        <a:font script="Jpan" typeface="游ゴシック Light"/>
         <a:font script="Hang" typeface="맑은 고딕"/>
-        <a:font script="Hans" typeface="方正姚体"/>
-        <a:font script="Hant" typeface="微軟正黑體"/>
-        <a:font script="Arab" typeface="Tahoma"/>
-        <a:font script="Hebr" typeface="Arial"/>
-        <a:font script="Thai" typeface="Cordia New"/>
+        <a:font script="Hans" typeface="等线 Light"/>
+        <a:font script="Hant" typeface="新細明體"/>
+        <a:font script="Arab" typeface="Times New Roman"/>
+        <a:font script="Hebr" typeface="Times New Roman"/>
+        <a:font script="Thai" typeface="Angsana New"/>
         <a:font script="Ethi" typeface="Nyala"/>
         <a:font script="Beng" typeface="Vrinda"/>
         <a:font script="Gujr" typeface="Shruti"/>
-        <a:font script="Khmr" typeface="DaunPenh"/>
+        <a:font script="Khmr" typeface="MoolBoran"/>
         <a:font script="Knda" typeface="Tunga"/>
         <a:font script="Guru" typeface="Raavi"/>
         <a:font script="Cans" typeface="Euphemia"/>
@@ -7884,21 +5831,21 @@
         <a:font script="Laoo" typeface="DokChampa"/>
         <a:font script="Sinh" typeface="Iskoola Pota"/>
         <a:font script="Mong" typeface="Mongolian Baiti"/>
-        <a:font script="Viet" typeface="Tahoma"/>
+        <a:font script="Viet" typeface="Times New Roman"/>
         <a:font script="Uigh" typeface="Microsoft Uighur"/>
         <a:font script="Geor" typeface="Sylfaen"/>
       </a:majorFont>
       <a:minorFont>
-        <a:latin typeface="Trebuchet MS" panose="020B0603020202020204"/>
+        <a:latin typeface="Gill Sans MT" panose="020B0502020104020203"/>
         <a:ea typeface=""/>
         <a:cs typeface=""/>
-        <a:font script="Jpan" typeface="メイリオ"/>
-        <a:font script="Hang" typeface="HY그래픽M"/>
-        <a:font script="Hans" typeface="华文新魏"/>
-        <a:font script="Hant" typeface="微軟正黑體"/>
-        <a:font script="Arab" typeface="Tahoma"/>
-        <a:font script="Hebr" typeface="Gisha"/>
-        <a:font script="Thai" typeface="IrisUPC"/>
+        <a:font script="Jpan" typeface="游ゴシック"/>
+        <a:font script="Hang" typeface="맑은 고딕"/>
+        <a:font script="Hans" typeface="等线"/>
+        <a:font script="Hant" typeface="新細明體"/>
+        <a:font script="Arab" typeface="Arial"/>
+        <a:font script="Hebr" typeface="Arial"/>
+        <a:font script="Thai" typeface="Cordia New"/>
         <a:font script="Ethi" typeface="Nyala"/>
         <a:font script="Beng" typeface="Vrinda"/>
         <a:font script="Gujr" typeface="Shruti"/>
@@ -7924,7 +5871,7 @@
         <a:font script="Geor" typeface="Sylfaen"/>
       </a:minorFont>
     </a:fontScheme>
-    <a:fmtScheme name="Facet">
+    <a:fmtScheme name="Gallery">
       <a:fillStyleLst>
         <a:solidFill>
           <a:schemeClr val="phClr"/>
@@ -7933,13 +5880,18 @@
           <a:gsLst>
             <a:gs pos="0">
               <a:schemeClr val="phClr">
-                <a:tint val="65000"/>
+                <a:tint val="54000"/>
+                <a:alpha val="100000"/>
+                <a:satMod val="105000"/>
                 <a:lumMod val="110000"/>
               </a:schemeClr>
             </a:gs>
-            <a:gs pos="88000">
+            <a:gs pos="100000">
               <a:schemeClr val="phClr">
-                <a:tint val="90000"/>
+                <a:tint val="78000"/>
+                <a:alpha val="92000"/>
+                <a:satMod val="109000"/>
+                <a:lumMod val="100000"/>
               </a:schemeClr>
             </a:gs>
           </a:gsLst>
@@ -7949,14 +5901,23 @@
           <a:gsLst>
             <a:gs pos="0">
               <a:schemeClr val="phClr">
-                <a:tint val="96000"/>
-                <a:lumMod val="100000"/>
+                <a:tint val="98000"/>
+                <a:satMod val="110000"/>
+                <a:lumMod val="104000"/>
               </a:schemeClr>
             </a:gs>
-            <a:gs pos="78000">
+            <a:gs pos="69000">
               <a:schemeClr val="phClr">
-                <a:shade val="94000"/>
-                <a:lumMod val="94000"/>
+                <a:shade val="88000"/>
+                <a:satMod val="130000"/>
+                <a:lumMod val="92000"/>
+              </a:schemeClr>
+            </a:gs>
+            <a:gs pos="100000">
+              <a:schemeClr val="phClr">
+                <a:shade val="78000"/>
+                <a:satMod val="130000"/>
+                <a:lumMod val="92000"/>
               </a:schemeClr>
             </a:gs>
           </a:gsLst>
@@ -7964,19 +5925,19 @@
         </a:gradFill>
       </a:fillStyleLst>
       <a:lnStyleLst>
-        <a:ln w="12700" cap="rnd" cmpd="sng" algn="ctr">
+        <a:ln w="9525" cap="flat" cmpd="sng" algn="ctr">
           <a:solidFill>
             <a:schemeClr val="phClr"/>
           </a:solidFill>
           <a:prstDash val="solid"/>
         </a:ln>
-        <a:ln w="19050" cap="rnd" cmpd="sng" algn="ctr">
+        <a:ln w="15875" cap="flat" cmpd="sng" algn="ctr">
           <a:solidFill>
             <a:schemeClr val="phClr"/>
           </a:solidFill>
           <a:prstDash val="solid"/>
         </a:ln>
-        <a:ln w="25400" cap="rnd" cmpd="sng" algn="ctr">
+        <a:ln w="22225" cap="flat" cmpd="sng" algn="ctr">
           <a:solidFill>
             <a:schemeClr val="phClr"/>
           </a:solidFill>
@@ -7988,19 +5949,13 @@
           <a:effectLst/>
         </a:effectStyle>
         <a:effectStyle>
-          <a:effectLst>
-            <a:outerShdw blurRad="38100" dist="25400" dir="5400000" rotWithShape="0">
-              <a:srgbClr val="000000">
-                <a:alpha val="35000"/>
-              </a:srgbClr>
-            </a:outerShdw>
-          </a:effectLst>
+          <a:effectLst/>
         </a:effectStyle>
         <a:effectStyle>
           <a:effectLst>
-            <a:outerShdw blurRad="50800" dist="38100" dir="5400000" rotWithShape="0">
+            <a:outerShdw blurRad="50800" dist="50800" dir="5400000" sx="96000" sy="96000" rotWithShape="0">
               <a:srgbClr val="000000">
-                <a:alpha val="35000"/>
+                <a:alpha val="48000"/>
               </a:srgbClr>
             </a:outerShdw>
           </a:effectLst>
@@ -8008,10 +5963,12 @@
             <a:camera prst="orthographicFront">
               <a:rot lat="0" lon="0" rev="0"/>
             </a:camera>
-            <a:lightRig rig="threePt" dir="tl"/>
+            <a:lightRig rig="balanced" dir="t">
+              <a:rot lat="0" lon="0" rev="1080000"/>
+            </a:lightRig>
           </a:scene3d>
-          <a:sp3d prstMaterial="plastic">
-            <a:bevelT w="0" h="0"/>
+          <a:sp3d>
+            <a:bevelT w="38100" h="12700" prst="softRound"/>
           </a:sp3d>
         </a:effectStyle>
       </a:effectStyleLst>
@@ -8019,40 +5976,26 @@
         <a:solidFill>
           <a:schemeClr val="phClr"/>
         </a:solidFill>
+        <a:solidFill>
+          <a:schemeClr val="phClr"/>
+        </a:solidFill>
         <a:gradFill rotWithShape="1">
           <a:gsLst>
             <a:gs pos="0">
               <a:schemeClr val="phClr">
-                <a:tint val="90000"/>
-                <a:lumMod val="104000"/>
-              </a:schemeClr>
-            </a:gs>
-            <a:gs pos="94000">
-              <a:schemeClr val="phClr">
-                <a:shade val="96000"/>
-                <a:lumMod val="82000"/>
-              </a:schemeClr>
-            </a:gs>
-          </a:gsLst>
-          <a:lin ang="5400000" scaled="0"/>
-        </a:gradFill>
-        <a:gradFill rotWithShape="1">
-          <a:gsLst>
-            <a:gs pos="0">
-              <a:schemeClr val="phClr">
-                <a:tint val="90000"/>
-                <a:lumMod val="110000"/>
+                <a:tint val="94000"/>
+                <a:satMod val="80000"/>
+                <a:lumMod val="106000"/>
               </a:schemeClr>
             </a:gs>
             <a:gs pos="100000">
               <a:schemeClr val="phClr">
-                <a:shade val="94000"/>
-                <a:lumMod val="96000"/>
+                <a:shade val="80000"/>
               </a:schemeClr>
             </a:gs>
           </a:gsLst>
           <a:path path="circle">
-            <a:fillToRect l="50000" t="50000" r="100000" b="100000"/>
+            <a:fillToRect l="43000" r="43000" b="100000"/>
           </a:path>
         </a:gradFill>
       </a:bgFillStyleLst>
@@ -8062,7 +6005,7 @@
   <a:extraClrSchemeLst/>
   <a:extLst>
     <a:ext uri="{05A4C25C-085E-4340-85A3-A5531E510DB2}">
-      <thm15:themeFamily xmlns:thm15="http://schemas.microsoft.com/office/thememl/2012/main" name="Facet" id="{C0C680CD-088A-49FC-A102-D699147F32B2}" vid="{CFBC31BA-B70F-4F30-BCAA-4F3011E16C4D}"/>
+      <thm15:themeFamily xmlns:thm15="http://schemas.microsoft.com/office/thememl/2012/main" name="Gallery" id="{BBFCD31E-59A1-489D-B089-A3EAD7CAE12E}" vid="{F5E91637-A7B6-4E27-B710-77DA7014EE1E}"/>
     </a:ext>
   </a:extLst>
 </a:theme>
